--- a/03-BigData/slides.pptx
+++ b/03-BigData/slides.pptx
@@ -128,6 +128,9 @@
     <p:ext uri="{EFAFB233-063F-42B5-8137-9DF3F51BA10A}">
       <p15:sldGuideLst xmlns:p15="http://schemas.microsoft.com/office/powerpoint/2012/main"/>
     </p:ext>
+    <p:ext uri="{2D200454-40CA-4A62-9FC3-DE9A4176ACB9}">
+      <p15:notesGuideLst xmlns:p15="http://schemas.microsoft.com/office/powerpoint/2012/main"/>
+    </p:ext>
   </p:extLst>
 </p:presentation>
 </file>
@@ -226,7 +229,7 @@
           <a:p>
             <a:fld id="{02297A90-1AFB-4FA1-ADF2-69FD2D1230BA}" type="datetimeFigureOut">
               <a:rPr lang="en-US" smtClean="0"/>
-              <a:t>7/8/2021</a:t>
+              <a:t>7/12/2021</a:t>
             </a:fld>
             <a:endParaRPr lang="en-US"/>
           </a:p>
@@ -404,7 +407,7 @@
           <a:p>
             <a:fld id="{2D15495C-7C85-4DFE-8C2B-354A7A489EB6}" type="datetimeFigureOut">
               <a:rPr lang="it-IT" smtClean="0"/>
-              <a:t>08/07/2021</a:t>
+              <a:t>12/07/2021</a:t>
             </a:fld>
             <a:endParaRPr lang="it-IT"/>
           </a:p>
@@ -2150,7 +2153,7 @@
           <a:p>
             <a:fld id="{1FCF7768-7A83-43C9-9C3D-95CD5F68D7E2}" type="datetime1">
               <a:rPr lang="en-US" smtClean="0"/>
-              <a:t>7/8/2021</a:t>
+              <a:t>7/12/2021</a:t>
             </a:fld>
             <a:endParaRPr lang="en-US" dirty="0"/>
           </a:p>
@@ -5184,10 +5187,10 @@
       </p:sp>
       <p:sp>
         <p:nvSpPr>
-          <p:cNvPr id="33" name="Cilindro 110">
-            <a:extLst>
-              <a:ext uri="{FF2B5EF4-FFF2-40B4-BE49-F238E27FC236}">
-                <a16:creationId xmlns:a16="http://schemas.microsoft.com/office/drawing/2014/main" id="{A9FD53B2-AA14-4703-AC09-D446ABD55A49}"/>
+          <p:cNvPr id="25" name="Cilindro 4">
+            <a:extLst>
+              <a:ext uri="{FF2B5EF4-FFF2-40B4-BE49-F238E27FC236}">
+                <a16:creationId xmlns:a16="http://schemas.microsoft.com/office/drawing/2014/main" id="{29467ABE-F121-4BB3-BB8F-F1B3C0B66E5E}"/>
               </a:ext>
             </a:extLst>
           </p:cNvPr>
@@ -5196,7 +5199,7 @@
         </p:nvSpPr>
         <p:spPr>
           <a:xfrm>
-            <a:off x="6176374" y="4585664"/>
+            <a:off x="5218431" y="5005954"/>
             <a:ext cx="531708" cy="489887"/>
           </a:xfrm>
           <a:prstGeom prst="can">
@@ -5224,16 +5227,19 @@
           <a:lstStyle/>
           <a:p>
             <a:pPr algn="ctr"/>
-            <a:endParaRPr lang="en-US"/>
-          </a:p>
-        </p:txBody>
-      </p:sp>
-      <p:sp>
-        <p:nvSpPr>
-          <p:cNvPr id="34" name="CasellaDiTesto 111">
-            <a:extLst>
-              <a:ext uri="{FF2B5EF4-FFF2-40B4-BE49-F238E27FC236}">
-                <a16:creationId xmlns:a16="http://schemas.microsoft.com/office/drawing/2014/main" id="{17F753DF-FACC-4BA3-8638-5A1CAEFC3D57}"/>
+            <a:endParaRPr lang="en-US">
+              <a:latin typeface="Helvetica" panose="020B0604020202020204" pitchFamily="34" charset="0"/>
+              <a:cs typeface="Helvetica" panose="020B0604020202020204" pitchFamily="34" charset="0"/>
+            </a:endParaRPr>
+          </a:p>
+        </p:txBody>
+      </p:sp>
+      <p:sp>
+        <p:nvSpPr>
+          <p:cNvPr id="26" name="CasellaDiTesto 5">
+            <a:extLst>
+              <a:ext uri="{FF2B5EF4-FFF2-40B4-BE49-F238E27FC236}">
+                <a16:creationId xmlns:a16="http://schemas.microsoft.com/office/drawing/2014/main" id="{C1A1C38F-9AAE-4D71-B6EA-EF49A6730BBE}"/>
               </a:ext>
             </a:extLst>
           </p:cNvPr>
@@ -5242,8 +5248,8 @@
         </p:nvSpPr>
         <p:spPr>
           <a:xfrm>
-            <a:off x="7244094" y="5734030"/>
-            <a:ext cx="798745" cy="338554"/>
+            <a:off x="6262972" y="6154320"/>
+            <a:ext cx="845103" cy="338554"/>
           </a:xfrm>
           <a:prstGeom prst="rect">
             <a:avLst/>
@@ -5258,19 +5264,25 @@
           <a:p>
             <a:pPr algn="ctr"/>
             <a:r>
-              <a:rPr lang="en-US" sz="1600" dirty="0" err="1"/>
+              <a:rPr lang="en-US" sz="1600" dirty="0" err="1">
+                <a:latin typeface="Helvetica" panose="020B0604020202020204" pitchFamily="34" charset="0"/>
+                <a:cs typeface="Helvetica" panose="020B0604020202020204" pitchFamily="34" charset="0"/>
+              </a:rPr>
               <a:t>textFile</a:t>
             </a:r>
-            <a:endParaRPr lang="en-US" sz="1600" dirty="0"/>
-          </a:p>
-        </p:txBody>
-      </p:sp>
-      <p:sp>
-        <p:nvSpPr>
-          <p:cNvPr id="35" name="Rettangolo arrotondato 112">
-            <a:extLst>
-              <a:ext uri="{FF2B5EF4-FFF2-40B4-BE49-F238E27FC236}">
-                <a16:creationId xmlns:a16="http://schemas.microsoft.com/office/drawing/2014/main" id="{142D5FAD-C112-437E-9251-E7891E7A5BAF}"/>
+            <a:endParaRPr lang="en-US" sz="1600" dirty="0">
+              <a:latin typeface="Helvetica" panose="020B0604020202020204" pitchFamily="34" charset="0"/>
+              <a:cs typeface="Helvetica" panose="020B0604020202020204" pitchFamily="34" charset="0"/>
+            </a:endParaRPr>
+          </a:p>
+        </p:txBody>
+      </p:sp>
+      <p:sp>
+        <p:nvSpPr>
+          <p:cNvPr id="27" name="Rettangolo arrotondato 6">
+            <a:extLst>
+              <a:ext uri="{FF2B5EF4-FFF2-40B4-BE49-F238E27FC236}">
+                <a16:creationId xmlns:a16="http://schemas.microsoft.com/office/drawing/2014/main" id="{A4C12336-9077-477D-9FEA-7DBF3997F998}"/>
               </a:ext>
             </a:extLst>
           </p:cNvPr>
@@ -5279,7 +5291,7 @@
         </p:nvSpPr>
         <p:spPr>
           <a:xfrm>
-            <a:off x="7315283" y="3945010"/>
+            <a:off x="6357340" y="4365300"/>
             <a:ext cx="660401" cy="1778000"/>
           </a:xfrm>
           <a:prstGeom prst="roundRect">
@@ -5315,16 +5327,19 @@
           <a:lstStyle/>
           <a:p>
             <a:pPr algn="ctr"/>
-            <a:endParaRPr lang="en-US"/>
-          </a:p>
-        </p:txBody>
-      </p:sp>
-      <p:sp>
-        <p:nvSpPr>
-          <p:cNvPr id="36" name="Rettangolo arrotondato 113">
-            <a:extLst>
-              <a:ext uri="{FF2B5EF4-FFF2-40B4-BE49-F238E27FC236}">
-                <a16:creationId xmlns:a16="http://schemas.microsoft.com/office/drawing/2014/main" id="{EDB1B39C-EBB9-4221-9249-C422A8982844}"/>
+            <a:endParaRPr lang="en-US">
+              <a:latin typeface="Helvetica" panose="020B0604020202020204" pitchFamily="34" charset="0"/>
+              <a:cs typeface="Helvetica" panose="020B0604020202020204" pitchFamily="34" charset="0"/>
+            </a:endParaRPr>
+          </a:p>
+        </p:txBody>
+      </p:sp>
+      <p:sp>
+        <p:nvSpPr>
+          <p:cNvPr id="28" name="Rettangolo arrotondato 7">
+            <a:extLst>
+              <a:ext uri="{FF2B5EF4-FFF2-40B4-BE49-F238E27FC236}">
+                <a16:creationId xmlns:a16="http://schemas.microsoft.com/office/drawing/2014/main" id="{B1460153-418F-4C58-893E-8204C0E710A3}"/>
               </a:ext>
             </a:extLst>
           </p:cNvPr>
@@ -5333,7 +5348,7 @@
         </p:nvSpPr>
         <p:spPr>
           <a:xfrm>
-            <a:off x="7394898" y="4012744"/>
+            <a:off x="6436955" y="4433034"/>
             <a:ext cx="505607" cy="330200"/>
           </a:xfrm>
           <a:prstGeom prst="roundRect">
@@ -5361,16 +5376,19 @@
           <a:lstStyle/>
           <a:p>
             <a:pPr algn="ctr"/>
-            <a:endParaRPr lang="en-US"/>
-          </a:p>
-        </p:txBody>
-      </p:sp>
-      <p:sp>
-        <p:nvSpPr>
-          <p:cNvPr id="37" name="Rettangolo arrotondato 114">
-            <a:extLst>
-              <a:ext uri="{FF2B5EF4-FFF2-40B4-BE49-F238E27FC236}">
-                <a16:creationId xmlns:a16="http://schemas.microsoft.com/office/drawing/2014/main" id="{FADA22A5-1D34-47E6-BE6D-1D43954388C5}"/>
+            <a:endParaRPr lang="en-US">
+              <a:latin typeface="Helvetica" panose="020B0604020202020204" pitchFamily="34" charset="0"/>
+              <a:cs typeface="Helvetica" panose="020B0604020202020204" pitchFamily="34" charset="0"/>
+            </a:endParaRPr>
+          </a:p>
+        </p:txBody>
+      </p:sp>
+      <p:sp>
+        <p:nvSpPr>
+          <p:cNvPr id="29" name="Rettangolo arrotondato 8">
+            <a:extLst>
+              <a:ext uri="{FF2B5EF4-FFF2-40B4-BE49-F238E27FC236}">
+                <a16:creationId xmlns:a16="http://schemas.microsoft.com/office/drawing/2014/main" id="{9071CB8C-469D-449E-BFAC-F4EF1E1CD784}"/>
               </a:ext>
             </a:extLst>
           </p:cNvPr>
@@ -5379,7 +5397,7 @@
         </p:nvSpPr>
         <p:spPr>
           <a:xfrm>
-            <a:off x="7390664" y="4449624"/>
+            <a:off x="6432721" y="4869914"/>
             <a:ext cx="505607" cy="330200"/>
           </a:xfrm>
           <a:prstGeom prst="roundRect">
@@ -5407,16 +5425,19 @@
           <a:lstStyle/>
           <a:p>
             <a:pPr algn="ctr"/>
-            <a:endParaRPr lang="en-US"/>
-          </a:p>
-        </p:txBody>
-      </p:sp>
-      <p:sp>
-        <p:nvSpPr>
-          <p:cNvPr id="38" name="Rettangolo arrotondato 115">
-            <a:extLst>
-              <a:ext uri="{FF2B5EF4-FFF2-40B4-BE49-F238E27FC236}">
-                <a16:creationId xmlns:a16="http://schemas.microsoft.com/office/drawing/2014/main" id="{3B1CE28A-86F8-4CA3-B6F2-1ACF8E2ACD37}"/>
+            <a:endParaRPr lang="en-US">
+              <a:latin typeface="Helvetica" panose="020B0604020202020204" pitchFamily="34" charset="0"/>
+              <a:cs typeface="Helvetica" panose="020B0604020202020204" pitchFamily="34" charset="0"/>
+            </a:endParaRPr>
+          </a:p>
+        </p:txBody>
+      </p:sp>
+      <p:sp>
+        <p:nvSpPr>
+          <p:cNvPr id="30" name="Rettangolo arrotondato 9">
+            <a:extLst>
+              <a:ext uri="{FF2B5EF4-FFF2-40B4-BE49-F238E27FC236}">
+                <a16:creationId xmlns:a16="http://schemas.microsoft.com/office/drawing/2014/main" id="{9B0F8D4B-92E2-4AF3-A77A-1DB78B95EC70}"/>
               </a:ext>
             </a:extLst>
           </p:cNvPr>
@@ -5425,7 +5446,7 @@
         </p:nvSpPr>
         <p:spPr>
           <a:xfrm>
-            <a:off x="7390664" y="4885657"/>
+            <a:off x="6432721" y="5305947"/>
             <a:ext cx="505607" cy="330200"/>
           </a:xfrm>
           <a:prstGeom prst="roundRect">
@@ -5453,16 +5474,19 @@
           <a:lstStyle/>
           <a:p>
             <a:pPr algn="ctr"/>
-            <a:endParaRPr lang="en-US"/>
-          </a:p>
-        </p:txBody>
-      </p:sp>
-      <p:sp>
-        <p:nvSpPr>
-          <p:cNvPr id="39" name="Rettangolo arrotondato 116">
-            <a:extLst>
-              <a:ext uri="{FF2B5EF4-FFF2-40B4-BE49-F238E27FC236}">
-                <a16:creationId xmlns:a16="http://schemas.microsoft.com/office/drawing/2014/main" id="{C203339D-3DBA-4A65-96D1-CFB236317B5B}"/>
+            <a:endParaRPr lang="en-US">
+              <a:latin typeface="Helvetica" panose="020B0604020202020204" pitchFamily="34" charset="0"/>
+              <a:cs typeface="Helvetica" panose="020B0604020202020204" pitchFamily="34" charset="0"/>
+            </a:endParaRPr>
+          </a:p>
+        </p:txBody>
+      </p:sp>
+      <p:sp>
+        <p:nvSpPr>
+          <p:cNvPr id="31" name="Rettangolo arrotondato 10">
+            <a:extLst>
+              <a:ext uri="{FF2B5EF4-FFF2-40B4-BE49-F238E27FC236}">
+                <a16:creationId xmlns:a16="http://schemas.microsoft.com/office/drawing/2014/main" id="{BEA6A5F9-2A58-4AB8-912A-E46B3E9C7336}"/>
               </a:ext>
             </a:extLst>
           </p:cNvPr>
@@ -5471,7 +5495,7 @@
         </p:nvSpPr>
         <p:spPr>
           <a:xfrm>
-            <a:off x="7394897" y="5321690"/>
+            <a:off x="6436954" y="5741980"/>
             <a:ext cx="505607" cy="330200"/>
           </a:xfrm>
           <a:prstGeom prst="roundRect">
@@ -5499,16 +5523,19 @@
           <a:lstStyle/>
           <a:p>
             <a:pPr algn="ctr"/>
-            <a:endParaRPr lang="en-US"/>
-          </a:p>
-        </p:txBody>
-      </p:sp>
-      <p:sp>
-        <p:nvSpPr>
-          <p:cNvPr id="40" name="Rettangolo arrotondato 117">
-            <a:extLst>
-              <a:ext uri="{FF2B5EF4-FFF2-40B4-BE49-F238E27FC236}">
-                <a16:creationId xmlns:a16="http://schemas.microsoft.com/office/drawing/2014/main" id="{F8F8A2C6-EEDB-4820-94AC-1F8E6C3288FC}"/>
+            <a:endParaRPr lang="en-US">
+              <a:latin typeface="Helvetica" panose="020B0604020202020204" pitchFamily="34" charset="0"/>
+              <a:cs typeface="Helvetica" panose="020B0604020202020204" pitchFamily="34" charset="0"/>
+            </a:endParaRPr>
+          </a:p>
+        </p:txBody>
+      </p:sp>
+      <p:sp>
+        <p:nvSpPr>
+          <p:cNvPr id="32" name="Rettangolo arrotondato 23">
+            <a:extLst>
+              <a:ext uri="{FF2B5EF4-FFF2-40B4-BE49-F238E27FC236}">
+                <a16:creationId xmlns:a16="http://schemas.microsoft.com/office/drawing/2014/main" id="{03A2EF90-99F1-4FB5-8B2F-85842D286257}"/>
               </a:ext>
             </a:extLst>
           </p:cNvPr>
@@ -5517,7 +5544,7 @@
         </p:nvSpPr>
         <p:spPr>
           <a:xfrm>
-            <a:off x="8523306" y="3945010"/>
+            <a:off x="7565363" y="4365300"/>
             <a:ext cx="660401" cy="1778000"/>
           </a:xfrm>
           <a:prstGeom prst="roundRect">
@@ -5553,16 +5580,19 @@
           <a:lstStyle/>
           <a:p>
             <a:pPr algn="ctr"/>
-            <a:endParaRPr lang="en-US"/>
-          </a:p>
-        </p:txBody>
-      </p:sp>
-      <p:sp>
-        <p:nvSpPr>
-          <p:cNvPr id="41" name="Rettangolo arrotondato 118">
-            <a:extLst>
-              <a:ext uri="{FF2B5EF4-FFF2-40B4-BE49-F238E27FC236}">
-                <a16:creationId xmlns:a16="http://schemas.microsoft.com/office/drawing/2014/main" id="{4DD1D9E3-6DC3-406B-A068-1A6B7B480D7A}"/>
+            <a:endParaRPr lang="en-US">
+              <a:latin typeface="Helvetica" panose="020B0604020202020204" pitchFamily="34" charset="0"/>
+              <a:cs typeface="Helvetica" panose="020B0604020202020204" pitchFamily="34" charset="0"/>
+            </a:endParaRPr>
+          </a:p>
+        </p:txBody>
+      </p:sp>
+      <p:sp>
+        <p:nvSpPr>
+          <p:cNvPr id="45" name="Rettangolo arrotondato 24">
+            <a:extLst>
+              <a:ext uri="{FF2B5EF4-FFF2-40B4-BE49-F238E27FC236}">
+                <a16:creationId xmlns:a16="http://schemas.microsoft.com/office/drawing/2014/main" id="{EECC4F47-E0E8-4892-9C0F-8FDCCA8089BA}"/>
               </a:ext>
             </a:extLst>
           </p:cNvPr>
@@ -5571,7 +5601,7 @@
         </p:nvSpPr>
         <p:spPr>
           <a:xfrm>
-            <a:off x="8602921" y="4012744"/>
+            <a:off x="7644978" y="4433034"/>
             <a:ext cx="505607" cy="330200"/>
           </a:xfrm>
           <a:prstGeom prst="roundRect">
@@ -5599,16 +5629,19 @@
           <a:lstStyle/>
           <a:p>
             <a:pPr algn="ctr"/>
-            <a:endParaRPr lang="en-US"/>
-          </a:p>
-        </p:txBody>
-      </p:sp>
-      <p:sp>
-        <p:nvSpPr>
-          <p:cNvPr id="42" name="Rettangolo arrotondato 119">
-            <a:extLst>
-              <a:ext uri="{FF2B5EF4-FFF2-40B4-BE49-F238E27FC236}">
-                <a16:creationId xmlns:a16="http://schemas.microsoft.com/office/drawing/2014/main" id="{9A966BF6-3CC3-4973-A170-B5EE09AA445B}"/>
+            <a:endParaRPr lang="en-US">
+              <a:latin typeface="Helvetica" panose="020B0604020202020204" pitchFamily="34" charset="0"/>
+              <a:cs typeface="Helvetica" panose="020B0604020202020204" pitchFamily="34" charset="0"/>
+            </a:endParaRPr>
+          </a:p>
+        </p:txBody>
+      </p:sp>
+      <p:sp>
+        <p:nvSpPr>
+          <p:cNvPr id="46" name="Rettangolo arrotondato 25">
+            <a:extLst>
+              <a:ext uri="{FF2B5EF4-FFF2-40B4-BE49-F238E27FC236}">
+                <a16:creationId xmlns:a16="http://schemas.microsoft.com/office/drawing/2014/main" id="{78906D5A-4E56-448E-B7D0-398F145F58E8}"/>
               </a:ext>
             </a:extLst>
           </p:cNvPr>
@@ -5617,7 +5650,7 @@
         </p:nvSpPr>
         <p:spPr>
           <a:xfrm>
-            <a:off x="8598687" y="4449624"/>
+            <a:off x="7640744" y="4869914"/>
             <a:ext cx="505607" cy="330200"/>
           </a:xfrm>
           <a:prstGeom prst="roundRect">
@@ -5645,16 +5678,19 @@
           <a:lstStyle/>
           <a:p>
             <a:pPr algn="ctr"/>
-            <a:endParaRPr lang="en-US"/>
-          </a:p>
-        </p:txBody>
-      </p:sp>
-      <p:sp>
-        <p:nvSpPr>
-          <p:cNvPr id="43" name="Rettangolo arrotondato 120">
-            <a:extLst>
-              <a:ext uri="{FF2B5EF4-FFF2-40B4-BE49-F238E27FC236}">
-                <a16:creationId xmlns:a16="http://schemas.microsoft.com/office/drawing/2014/main" id="{7D19FFFA-9327-4804-B026-07993F54AB39}"/>
+            <a:endParaRPr lang="en-US">
+              <a:latin typeface="Helvetica" panose="020B0604020202020204" pitchFamily="34" charset="0"/>
+              <a:cs typeface="Helvetica" panose="020B0604020202020204" pitchFamily="34" charset="0"/>
+            </a:endParaRPr>
+          </a:p>
+        </p:txBody>
+      </p:sp>
+      <p:sp>
+        <p:nvSpPr>
+          <p:cNvPr id="47" name="Rettangolo arrotondato 26">
+            <a:extLst>
+              <a:ext uri="{FF2B5EF4-FFF2-40B4-BE49-F238E27FC236}">
+                <a16:creationId xmlns:a16="http://schemas.microsoft.com/office/drawing/2014/main" id="{8883B276-6AE6-4205-9733-A9EA4383B10F}"/>
               </a:ext>
             </a:extLst>
           </p:cNvPr>
@@ -5663,7 +5699,7 @@
         </p:nvSpPr>
         <p:spPr>
           <a:xfrm>
-            <a:off x="8598687" y="4885657"/>
+            <a:off x="7640744" y="5305947"/>
             <a:ext cx="505607" cy="330200"/>
           </a:xfrm>
           <a:prstGeom prst="roundRect">
@@ -5691,16 +5727,19 @@
           <a:lstStyle/>
           <a:p>
             <a:pPr algn="ctr"/>
-            <a:endParaRPr lang="en-US"/>
-          </a:p>
-        </p:txBody>
-      </p:sp>
-      <p:sp>
-        <p:nvSpPr>
-          <p:cNvPr id="44" name="Rettangolo arrotondato 121">
-            <a:extLst>
-              <a:ext uri="{FF2B5EF4-FFF2-40B4-BE49-F238E27FC236}">
-                <a16:creationId xmlns:a16="http://schemas.microsoft.com/office/drawing/2014/main" id="{ACA12FBE-32B3-48C6-9F9C-814B31509E84}"/>
+            <a:endParaRPr lang="en-US">
+              <a:latin typeface="Helvetica" panose="020B0604020202020204" pitchFamily="34" charset="0"/>
+              <a:cs typeface="Helvetica" panose="020B0604020202020204" pitchFamily="34" charset="0"/>
+            </a:endParaRPr>
+          </a:p>
+        </p:txBody>
+      </p:sp>
+      <p:sp>
+        <p:nvSpPr>
+          <p:cNvPr id="48" name="Rettangolo arrotondato 27">
+            <a:extLst>
+              <a:ext uri="{FF2B5EF4-FFF2-40B4-BE49-F238E27FC236}">
+                <a16:creationId xmlns:a16="http://schemas.microsoft.com/office/drawing/2014/main" id="{57E97AA1-5865-412D-91BD-144D1EF4243A}"/>
               </a:ext>
             </a:extLst>
           </p:cNvPr>
@@ -5709,7 +5748,7 @@
         </p:nvSpPr>
         <p:spPr>
           <a:xfrm>
-            <a:off x="8602920" y="5321690"/>
+            <a:off x="7644977" y="5741980"/>
             <a:ext cx="505607" cy="330200"/>
           </a:xfrm>
           <a:prstGeom prst="roundRect">
@@ -5737,28 +5776,31 @@
           <a:lstStyle/>
           <a:p>
             <a:pPr algn="ctr"/>
-            <a:endParaRPr lang="en-US"/>
+            <a:endParaRPr lang="en-US">
+              <a:latin typeface="Helvetica" panose="020B0604020202020204" pitchFamily="34" charset="0"/>
+              <a:cs typeface="Helvetica" panose="020B0604020202020204" pitchFamily="34" charset="0"/>
+            </a:endParaRPr>
           </a:p>
         </p:txBody>
       </p:sp>
       <p:cxnSp>
         <p:nvCxnSpPr>
-          <p:cNvPr id="54" name="Connettore 2 133">
-            <a:extLst>
-              <a:ext uri="{FF2B5EF4-FFF2-40B4-BE49-F238E27FC236}">
-                <a16:creationId xmlns:a16="http://schemas.microsoft.com/office/drawing/2014/main" id="{CE26145C-87B0-4B8A-BE70-7F3B0EB507B4}"/>
+          <p:cNvPr id="64" name="Connettore 2 43">
+            <a:extLst>
+              <a:ext uri="{FF2B5EF4-FFF2-40B4-BE49-F238E27FC236}">
+                <a16:creationId xmlns:a16="http://schemas.microsoft.com/office/drawing/2014/main" id="{A1D52BA7-72A4-4DB4-B75A-6875C4F81527}"/>
               </a:ext>
             </a:extLst>
           </p:cNvPr>
           <p:cNvCxnSpPr>
-            <a:stCxn id="33" idx="4"/>
-            <a:endCxn id="35" idx="1"/>
+            <a:stCxn id="25" idx="4"/>
+            <a:endCxn id="27" idx="1"/>
           </p:cNvCxnSpPr>
           <p:nvPr/>
         </p:nvCxnSpPr>
         <p:spPr>
           <a:xfrm>
-            <a:off x="6708082" y="4830608"/>
+            <a:off x="5750139" y="5250898"/>
             <a:ext cx="607200" cy="3403"/>
           </a:xfrm>
           <a:prstGeom prst="straightConnector1">
@@ -5785,22 +5827,22 @@
       </p:cxnSp>
       <p:cxnSp>
         <p:nvCxnSpPr>
-          <p:cNvPr id="55" name="Connettore 2 134">
-            <a:extLst>
-              <a:ext uri="{FF2B5EF4-FFF2-40B4-BE49-F238E27FC236}">
-                <a16:creationId xmlns:a16="http://schemas.microsoft.com/office/drawing/2014/main" id="{202535B7-96FE-4107-B206-CCAC43534817}"/>
+          <p:cNvPr id="65" name="Connettore 2 45">
+            <a:extLst>
+              <a:ext uri="{FF2B5EF4-FFF2-40B4-BE49-F238E27FC236}">
+                <a16:creationId xmlns:a16="http://schemas.microsoft.com/office/drawing/2014/main" id="{2827D723-361E-4340-8C47-0CB26A1D2436}"/>
               </a:ext>
             </a:extLst>
           </p:cNvPr>
           <p:cNvCxnSpPr>
-            <a:stCxn id="36" idx="3"/>
-            <a:endCxn id="41" idx="1"/>
+            <a:stCxn id="28" idx="3"/>
+            <a:endCxn id="45" idx="1"/>
           </p:cNvCxnSpPr>
           <p:nvPr/>
         </p:nvCxnSpPr>
         <p:spPr>
           <a:xfrm>
-            <a:off x="7900504" y="4177844"/>
+            <a:off x="6942561" y="4598134"/>
             <a:ext cx="702416" cy="0"/>
           </a:xfrm>
           <a:prstGeom prst="straightConnector1">
@@ -5832,22 +5874,22 @@
       </p:cxnSp>
       <p:cxnSp>
         <p:nvCxnSpPr>
-          <p:cNvPr id="56" name="Connettore 2 135">
-            <a:extLst>
-              <a:ext uri="{FF2B5EF4-FFF2-40B4-BE49-F238E27FC236}">
-                <a16:creationId xmlns:a16="http://schemas.microsoft.com/office/drawing/2014/main" id="{9B918826-A00A-46C5-AD16-55391032D41E}"/>
+          <p:cNvPr id="66" name="Connettore 2 48">
+            <a:extLst>
+              <a:ext uri="{FF2B5EF4-FFF2-40B4-BE49-F238E27FC236}">
+                <a16:creationId xmlns:a16="http://schemas.microsoft.com/office/drawing/2014/main" id="{0814632F-55C7-4041-A7B4-8B392060792C}"/>
               </a:ext>
             </a:extLst>
           </p:cNvPr>
           <p:cNvCxnSpPr>
-            <a:stCxn id="37" idx="3"/>
-            <a:endCxn id="42" idx="1"/>
+            <a:stCxn id="29" idx="3"/>
+            <a:endCxn id="46" idx="1"/>
           </p:cNvCxnSpPr>
           <p:nvPr/>
         </p:nvCxnSpPr>
         <p:spPr>
           <a:xfrm>
-            <a:off x="7896270" y="4614724"/>
+            <a:off x="6938327" y="5035014"/>
             <a:ext cx="702416" cy="0"/>
           </a:xfrm>
           <a:prstGeom prst="straightConnector1">
@@ -5879,22 +5921,22 @@
       </p:cxnSp>
       <p:cxnSp>
         <p:nvCxnSpPr>
-          <p:cNvPr id="57" name="Connettore 2 136">
-            <a:extLst>
-              <a:ext uri="{FF2B5EF4-FFF2-40B4-BE49-F238E27FC236}">
-                <a16:creationId xmlns:a16="http://schemas.microsoft.com/office/drawing/2014/main" id="{772F54DC-AF2A-4C86-8F4F-556B0AA2EFBD}"/>
+          <p:cNvPr id="67" name="Connettore 2 54">
+            <a:extLst>
+              <a:ext uri="{FF2B5EF4-FFF2-40B4-BE49-F238E27FC236}">
+                <a16:creationId xmlns:a16="http://schemas.microsoft.com/office/drawing/2014/main" id="{B100D73F-366C-4722-839B-8408BA4636BC}"/>
               </a:ext>
             </a:extLst>
           </p:cNvPr>
           <p:cNvCxnSpPr>
-            <a:stCxn id="38" idx="3"/>
-            <a:endCxn id="43" idx="1"/>
+            <a:stCxn id="30" idx="3"/>
+            <a:endCxn id="47" idx="1"/>
           </p:cNvCxnSpPr>
           <p:nvPr/>
         </p:nvCxnSpPr>
         <p:spPr>
           <a:xfrm>
-            <a:off x="7896270" y="5050757"/>
+            <a:off x="6938327" y="5471047"/>
             <a:ext cx="702416" cy="0"/>
           </a:xfrm>
           <a:prstGeom prst="straightConnector1">
@@ -5926,22 +5968,22 @@
       </p:cxnSp>
       <p:cxnSp>
         <p:nvCxnSpPr>
-          <p:cNvPr id="58" name="Connettore 2 141">
-            <a:extLst>
-              <a:ext uri="{FF2B5EF4-FFF2-40B4-BE49-F238E27FC236}">
-                <a16:creationId xmlns:a16="http://schemas.microsoft.com/office/drawing/2014/main" id="{70651D11-F827-4F8D-8197-DF0222A4A62E}"/>
+          <p:cNvPr id="68" name="Connettore 2 55">
+            <a:extLst>
+              <a:ext uri="{FF2B5EF4-FFF2-40B4-BE49-F238E27FC236}">
+                <a16:creationId xmlns:a16="http://schemas.microsoft.com/office/drawing/2014/main" id="{A776EE73-0EA9-4727-8B83-F18C9C4FA0F2}"/>
               </a:ext>
             </a:extLst>
           </p:cNvPr>
           <p:cNvCxnSpPr>
-            <a:stCxn id="39" idx="3"/>
-            <a:endCxn id="44" idx="1"/>
+            <a:stCxn id="31" idx="3"/>
+            <a:endCxn id="48" idx="1"/>
           </p:cNvCxnSpPr>
           <p:nvPr/>
         </p:nvCxnSpPr>
         <p:spPr>
           <a:xfrm>
-            <a:off x="7900503" y="5486790"/>
+            <a:off x="6942560" y="5907080"/>
             <a:ext cx="702416" cy="0"/>
           </a:xfrm>
           <a:prstGeom prst="straightConnector1">
@@ -5973,10 +6015,10 @@
       </p:cxnSp>
       <p:sp>
         <p:nvSpPr>
-          <p:cNvPr id="75" name="CasellaDiTesto 158">
-            <a:extLst>
-              <a:ext uri="{FF2B5EF4-FFF2-40B4-BE49-F238E27FC236}">
-                <a16:creationId xmlns:a16="http://schemas.microsoft.com/office/drawing/2014/main" id="{37E49222-A5E5-4ABC-813D-A5FFD13DD072}"/>
+          <p:cNvPr id="87" name="CasellaDiTesto 137">
+            <a:extLst>
+              <a:ext uri="{FF2B5EF4-FFF2-40B4-BE49-F238E27FC236}">
+                <a16:creationId xmlns:a16="http://schemas.microsoft.com/office/drawing/2014/main" id="{EA2D2433-62A5-4C04-9333-BF4ECF0ED579}"/>
               </a:ext>
             </a:extLst>
           </p:cNvPr>
@@ -5985,8 +6027,8 @@
         </p:nvSpPr>
         <p:spPr>
           <a:xfrm>
-            <a:off x="8432304" y="5728540"/>
-            <a:ext cx="838371" cy="338554"/>
+            <a:off x="7464583" y="6148830"/>
+            <a:ext cx="857927" cy="338554"/>
           </a:xfrm>
           <a:prstGeom prst="rect">
             <a:avLst/>
@@ -6001,10 +6043,16 @@
           <a:p>
             <a:pPr algn="ctr"/>
             <a:r>
-              <a:rPr lang="en-US" sz="1600" dirty="0" err="1"/>
+              <a:rPr lang="en-US" sz="1600" dirty="0" err="1">
+                <a:latin typeface="Helvetica" panose="020B0604020202020204" pitchFamily="34" charset="0"/>
+                <a:cs typeface="Helvetica" panose="020B0604020202020204" pitchFamily="34" charset="0"/>
+              </a:rPr>
               <a:t>flatMap</a:t>
             </a:r>
-            <a:endParaRPr lang="en-US" sz="1600" dirty="0"/>
+            <a:endParaRPr lang="en-US" sz="1600" dirty="0">
+              <a:latin typeface="Helvetica" panose="020B0604020202020204" pitchFamily="34" charset="0"/>
+              <a:cs typeface="Helvetica" panose="020B0604020202020204" pitchFamily="34" charset="0"/>
+            </a:endParaRPr>
           </a:p>
         </p:txBody>
       </p:sp>
@@ -6183,10 +6231,10 @@
       </p:sp>
       <p:sp>
         <p:nvSpPr>
-          <p:cNvPr id="33" name="Cilindro 110">
-            <a:extLst>
-              <a:ext uri="{FF2B5EF4-FFF2-40B4-BE49-F238E27FC236}">
-                <a16:creationId xmlns:a16="http://schemas.microsoft.com/office/drawing/2014/main" id="{8D494D51-EFCB-415A-AA83-795AE49349B4}"/>
+          <p:cNvPr id="50" name="Cilindro 4">
+            <a:extLst>
+              <a:ext uri="{FF2B5EF4-FFF2-40B4-BE49-F238E27FC236}">
+                <a16:creationId xmlns:a16="http://schemas.microsoft.com/office/drawing/2014/main" id="{42DD4D02-D2C3-40F6-9975-F480D417760C}"/>
               </a:ext>
             </a:extLst>
           </p:cNvPr>
@@ -6195,7 +6243,7 @@
         </p:nvSpPr>
         <p:spPr>
           <a:xfrm>
-            <a:off x="6176374" y="4585664"/>
+            <a:off x="5218431" y="5005954"/>
             <a:ext cx="531708" cy="489887"/>
           </a:xfrm>
           <a:prstGeom prst="can">
@@ -6223,16 +6271,19 @@
           <a:lstStyle/>
           <a:p>
             <a:pPr algn="ctr"/>
-            <a:endParaRPr lang="en-US"/>
-          </a:p>
-        </p:txBody>
-      </p:sp>
-      <p:sp>
-        <p:nvSpPr>
-          <p:cNvPr id="34" name="CasellaDiTesto 111">
-            <a:extLst>
-              <a:ext uri="{FF2B5EF4-FFF2-40B4-BE49-F238E27FC236}">
-                <a16:creationId xmlns:a16="http://schemas.microsoft.com/office/drawing/2014/main" id="{507EE634-3BFC-471F-8AF7-CFA8D89877A5}"/>
+            <a:endParaRPr lang="en-US">
+              <a:latin typeface="Helvetica" panose="020B0604020202020204" pitchFamily="34" charset="0"/>
+              <a:cs typeface="Helvetica" panose="020B0604020202020204" pitchFamily="34" charset="0"/>
+            </a:endParaRPr>
+          </a:p>
+        </p:txBody>
+      </p:sp>
+      <p:sp>
+        <p:nvSpPr>
+          <p:cNvPr id="51" name="CasellaDiTesto 5">
+            <a:extLst>
+              <a:ext uri="{FF2B5EF4-FFF2-40B4-BE49-F238E27FC236}">
+                <a16:creationId xmlns:a16="http://schemas.microsoft.com/office/drawing/2014/main" id="{5C33B14B-F6EE-4FDB-B148-222081037756}"/>
               </a:ext>
             </a:extLst>
           </p:cNvPr>
@@ -6241,8 +6292,8 @@
         </p:nvSpPr>
         <p:spPr>
           <a:xfrm>
-            <a:off x="7244094" y="5734030"/>
-            <a:ext cx="798745" cy="338554"/>
+            <a:off x="6262972" y="6154320"/>
+            <a:ext cx="845103" cy="338554"/>
           </a:xfrm>
           <a:prstGeom prst="rect">
             <a:avLst/>
@@ -6257,19 +6308,25 @@
           <a:p>
             <a:pPr algn="ctr"/>
             <a:r>
-              <a:rPr lang="en-US" sz="1600" dirty="0" err="1"/>
+              <a:rPr lang="en-US" sz="1600" dirty="0" err="1">
+                <a:latin typeface="Helvetica" panose="020B0604020202020204" pitchFamily="34" charset="0"/>
+                <a:cs typeface="Helvetica" panose="020B0604020202020204" pitchFamily="34" charset="0"/>
+              </a:rPr>
               <a:t>textFile</a:t>
             </a:r>
-            <a:endParaRPr lang="en-US" sz="1600" dirty="0"/>
-          </a:p>
-        </p:txBody>
-      </p:sp>
-      <p:sp>
-        <p:nvSpPr>
-          <p:cNvPr id="35" name="Rettangolo arrotondato 112">
-            <a:extLst>
-              <a:ext uri="{FF2B5EF4-FFF2-40B4-BE49-F238E27FC236}">
-                <a16:creationId xmlns:a16="http://schemas.microsoft.com/office/drawing/2014/main" id="{0B9F844C-B619-4377-A4C5-E32390F7AF8B}"/>
+            <a:endParaRPr lang="en-US" sz="1600" dirty="0">
+              <a:latin typeface="Helvetica" panose="020B0604020202020204" pitchFamily="34" charset="0"/>
+              <a:cs typeface="Helvetica" panose="020B0604020202020204" pitchFamily="34" charset="0"/>
+            </a:endParaRPr>
+          </a:p>
+        </p:txBody>
+      </p:sp>
+      <p:sp>
+        <p:nvSpPr>
+          <p:cNvPr id="52" name="Rettangolo arrotondato 6">
+            <a:extLst>
+              <a:ext uri="{FF2B5EF4-FFF2-40B4-BE49-F238E27FC236}">
+                <a16:creationId xmlns:a16="http://schemas.microsoft.com/office/drawing/2014/main" id="{BD06701E-C88B-45B1-87D2-D6ADB1DCF821}"/>
               </a:ext>
             </a:extLst>
           </p:cNvPr>
@@ -6278,7 +6335,7 @@
         </p:nvSpPr>
         <p:spPr>
           <a:xfrm>
-            <a:off x="7315283" y="3945010"/>
+            <a:off x="6357340" y="4365300"/>
             <a:ext cx="660401" cy="1778000"/>
           </a:xfrm>
           <a:prstGeom prst="roundRect">
@@ -6314,16 +6371,19 @@
           <a:lstStyle/>
           <a:p>
             <a:pPr algn="ctr"/>
-            <a:endParaRPr lang="en-US"/>
-          </a:p>
-        </p:txBody>
-      </p:sp>
-      <p:sp>
-        <p:nvSpPr>
-          <p:cNvPr id="36" name="Rettangolo arrotondato 113">
-            <a:extLst>
-              <a:ext uri="{FF2B5EF4-FFF2-40B4-BE49-F238E27FC236}">
-                <a16:creationId xmlns:a16="http://schemas.microsoft.com/office/drawing/2014/main" id="{1A8223F3-2303-43DB-AEDE-C73407B6DC53}"/>
+            <a:endParaRPr lang="en-US">
+              <a:latin typeface="Helvetica" panose="020B0604020202020204" pitchFamily="34" charset="0"/>
+              <a:cs typeface="Helvetica" panose="020B0604020202020204" pitchFamily="34" charset="0"/>
+            </a:endParaRPr>
+          </a:p>
+        </p:txBody>
+      </p:sp>
+      <p:sp>
+        <p:nvSpPr>
+          <p:cNvPr id="53" name="Rettangolo arrotondato 7">
+            <a:extLst>
+              <a:ext uri="{FF2B5EF4-FFF2-40B4-BE49-F238E27FC236}">
+                <a16:creationId xmlns:a16="http://schemas.microsoft.com/office/drawing/2014/main" id="{10A0D032-4F87-4DD6-9F69-FB99684348E1}"/>
               </a:ext>
             </a:extLst>
           </p:cNvPr>
@@ -6332,7 +6392,7 @@
         </p:nvSpPr>
         <p:spPr>
           <a:xfrm>
-            <a:off x="7394898" y="4012744"/>
+            <a:off x="6436955" y="4433034"/>
             <a:ext cx="505607" cy="330200"/>
           </a:xfrm>
           <a:prstGeom prst="roundRect">
@@ -6360,16 +6420,19 @@
           <a:lstStyle/>
           <a:p>
             <a:pPr algn="ctr"/>
-            <a:endParaRPr lang="en-US"/>
-          </a:p>
-        </p:txBody>
-      </p:sp>
-      <p:sp>
-        <p:nvSpPr>
-          <p:cNvPr id="37" name="Rettangolo arrotondato 114">
-            <a:extLst>
-              <a:ext uri="{FF2B5EF4-FFF2-40B4-BE49-F238E27FC236}">
-                <a16:creationId xmlns:a16="http://schemas.microsoft.com/office/drawing/2014/main" id="{1846F92E-77CF-40C7-BB01-F58412A870F4}"/>
+            <a:endParaRPr lang="en-US">
+              <a:latin typeface="Helvetica" panose="020B0604020202020204" pitchFamily="34" charset="0"/>
+              <a:cs typeface="Helvetica" panose="020B0604020202020204" pitchFamily="34" charset="0"/>
+            </a:endParaRPr>
+          </a:p>
+        </p:txBody>
+      </p:sp>
+      <p:sp>
+        <p:nvSpPr>
+          <p:cNvPr id="63" name="Rettangolo arrotondato 8">
+            <a:extLst>
+              <a:ext uri="{FF2B5EF4-FFF2-40B4-BE49-F238E27FC236}">
+                <a16:creationId xmlns:a16="http://schemas.microsoft.com/office/drawing/2014/main" id="{6B4FFBC0-9967-40A2-8099-E94BFA391799}"/>
               </a:ext>
             </a:extLst>
           </p:cNvPr>
@@ -6378,7 +6441,7 @@
         </p:nvSpPr>
         <p:spPr>
           <a:xfrm>
-            <a:off x="7390664" y="4449624"/>
+            <a:off x="6432721" y="4869914"/>
             <a:ext cx="505607" cy="330200"/>
           </a:xfrm>
           <a:prstGeom prst="roundRect">
@@ -6406,16 +6469,19 @@
           <a:lstStyle/>
           <a:p>
             <a:pPr algn="ctr"/>
-            <a:endParaRPr lang="en-US"/>
-          </a:p>
-        </p:txBody>
-      </p:sp>
-      <p:sp>
-        <p:nvSpPr>
-          <p:cNvPr id="38" name="Rettangolo arrotondato 115">
-            <a:extLst>
-              <a:ext uri="{FF2B5EF4-FFF2-40B4-BE49-F238E27FC236}">
-                <a16:creationId xmlns:a16="http://schemas.microsoft.com/office/drawing/2014/main" id="{5C61F3A8-7E86-4902-B4DD-86F4379C60DD}"/>
+            <a:endParaRPr lang="en-US">
+              <a:latin typeface="Helvetica" panose="020B0604020202020204" pitchFamily="34" charset="0"/>
+              <a:cs typeface="Helvetica" panose="020B0604020202020204" pitchFamily="34" charset="0"/>
+            </a:endParaRPr>
+          </a:p>
+        </p:txBody>
+      </p:sp>
+      <p:sp>
+        <p:nvSpPr>
+          <p:cNvPr id="64" name="Rettangolo arrotondato 9">
+            <a:extLst>
+              <a:ext uri="{FF2B5EF4-FFF2-40B4-BE49-F238E27FC236}">
+                <a16:creationId xmlns:a16="http://schemas.microsoft.com/office/drawing/2014/main" id="{6E899250-9D42-4AC1-8541-EBE08C965A04}"/>
               </a:ext>
             </a:extLst>
           </p:cNvPr>
@@ -6424,7 +6490,7 @@
         </p:nvSpPr>
         <p:spPr>
           <a:xfrm>
-            <a:off x="7390664" y="4885657"/>
+            <a:off x="6432721" y="5305947"/>
             <a:ext cx="505607" cy="330200"/>
           </a:xfrm>
           <a:prstGeom prst="roundRect">
@@ -6452,16 +6518,19 @@
           <a:lstStyle/>
           <a:p>
             <a:pPr algn="ctr"/>
-            <a:endParaRPr lang="en-US"/>
-          </a:p>
-        </p:txBody>
-      </p:sp>
-      <p:sp>
-        <p:nvSpPr>
-          <p:cNvPr id="39" name="Rettangolo arrotondato 116">
-            <a:extLst>
-              <a:ext uri="{FF2B5EF4-FFF2-40B4-BE49-F238E27FC236}">
-                <a16:creationId xmlns:a16="http://schemas.microsoft.com/office/drawing/2014/main" id="{F2476883-BA69-4259-9867-C3ED728E44FA}"/>
+            <a:endParaRPr lang="en-US">
+              <a:latin typeface="Helvetica" panose="020B0604020202020204" pitchFamily="34" charset="0"/>
+              <a:cs typeface="Helvetica" panose="020B0604020202020204" pitchFamily="34" charset="0"/>
+            </a:endParaRPr>
+          </a:p>
+        </p:txBody>
+      </p:sp>
+      <p:sp>
+        <p:nvSpPr>
+          <p:cNvPr id="65" name="Rettangolo arrotondato 10">
+            <a:extLst>
+              <a:ext uri="{FF2B5EF4-FFF2-40B4-BE49-F238E27FC236}">
+                <a16:creationId xmlns:a16="http://schemas.microsoft.com/office/drawing/2014/main" id="{17347CAC-14DD-43AE-9982-706B6081C7CA}"/>
               </a:ext>
             </a:extLst>
           </p:cNvPr>
@@ -6470,7 +6539,7 @@
         </p:nvSpPr>
         <p:spPr>
           <a:xfrm>
-            <a:off x="7394897" y="5321690"/>
+            <a:off x="6436954" y="5741980"/>
             <a:ext cx="505607" cy="330200"/>
           </a:xfrm>
           <a:prstGeom prst="roundRect">
@@ -6498,16 +6567,19 @@
           <a:lstStyle/>
           <a:p>
             <a:pPr algn="ctr"/>
-            <a:endParaRPr lang="en-US"/>
-          </a:p>
-        </p:txBody>
-      </p:sp>
-      <p:sp>
-        <p:nvSpPr>
-          <p:cNvPr id="40" name="Rettangolo arrotondato 117">
-            <a:extLst>
-              <a:ext uri="{FF2B5EF4-FFF2-40B4-BE49-F238E27FC236}">
-                <a16:creationId xmlns:a16="http://schemas.microsoft.com/office/drawing/2014/main" id="{DD3583B2-0B36-443C-BC16-67101EC7BC6A}"/>
+            <a:endParaRPr lang="en-US">
+              <a:latin typeface="Helvetica" panose="020B0604020202020204" pitchFamily="34" charset="0"/>
+              <a:cs typeface="Helvetica" panose="020B0604020202020204" pitchFamily="34" charset="0"/>
+            </a:endParaRPr>
+          </a:p>
+        </p:txBody>
+      </p:sp>
+      <p:sp>
+        <p:nvSpPr>
+          <p:cNvPr id="66" name="Rettangolo arrotondato 23">
+            <a:extLst>
+              <a:ext uri="{FF2B5EF4-FFF2-40B4-BE49-F238E27FC236}">
+                <a16:creationId xmlns:a16="http://schemas.microsoft.com/office/drawing/2014/main" id="{EE0819AE-D7E8-44E6-B459-0BB86134D494}"/>
               </a:ext>
             </a:extLst>
           </p:cNvPr>
@@ -6516,7 +6588,7 @@
         </p:nvSpPr>
         <p:spPr>
           <a:xfrm>
-            <a:off x="8523306" y="3945010"/>
+            <a:off x="7565363" y="4365300"/>
             <a:ext cx="660401" cy="1778000"/>
           </a:xfrm>
           <a:prstGeom prst="roundRect">
@@ -6552,16 +6624,19 @@
           <a:lstStyle/>
           <a:p>
             <a:pPr algn="ctr"/>
-            <a:endParaRPr lang="en-US"/>
-          </a:p>
-        </p:txBody>
-      </p:sp>
-      <p:sp>
-        <p:nvSpPr>
-          <p:cNvPr id="41" name="Rettangolo arrotondato 118">
-            <a:extLst>
-              <a:ext uri="{FF2B5EF4-FFF2-40B4-BE49-F238E27FC236}">
-                <a16:creationId xmlns:a16="http://schemas.microsoft.com/office/drawing/2014/main" id="{6BCBAAD4-B201-45B8-BE61-7472A8C1029F}"/>
+            <a:endParaRPr lang="en-US">
+              <a:latin typeface="Helvetica" panose="020B0604020202020204" pitchFamily="34" charset="0"/>
+              <a:cs typeface="Helvetica" panose="020B0604020202020204" pitchFamily="34" charset="0"/>
+            </a:endParaRPr>
+          </a:p>
+        </p:txBody>
+      </p:sp>
+      <p:sp>
+        <p:nvSpPr>
+          <p:cNvPr id="67" name="Rettangolo arrotondato 24">
+            <a:extLst>
+              <a:ext uri="{FF2B5EF4-FFF2-40B4-BE49-F238E27FC236}">
+                <a16:creationId xmlns:a16="http://schemas.microsoft.com/office/drawing/2014/main" id="{A1C9D90E-41F6-4FA9-85A9-CE985148AE1A}"/>
               </a:ext>
             </a:extLst>
           </p:cNvPr>
@@ -6570,7 +6645,7 @@
         </p:nvSpPr>
         <p:spPr>
           <a:xfrm>
-            <a:off x="8602921" y="4012744"/>
+            <a:off x="7644978" y="4433034"/>
             <a:ext cx="505607" cy="330200"/>
           </a:xfrm>
           <a:prstGeom prst="roundRect">
@@ -6598,16 +6673,19 @@
           <a:lstStyle/>
           <a:p>
             <a:pPr algn="ctr"/>
-            <a:endParaRPr lang="en-US"/>
-          </a:p>
-        </p:txBody>
-      </p:sp>
-      <p:sp>
-        <p:nvSpPr>
-          <p:cNvPr id="42" name="Rettangolo arrotondato 119">
-            <a:extLst>
-              <a:ext uri="{FF2B5EF4-FFF2-40B4-BE49-F238E27FC236}">
-                <a16:creationId xmlns:a16="http://schemas.microsoft.com/office/drawing/2014/main" id="{F640D37B-33F6-4CC3-8364-427473591FFC}"/>
+            <a:endParaRPr lang="en-US">
+              <a:latin typeface="Helvetica" panose="020B0604020202020204" pitchFamily="34" charset="0"/>
+              <a:cs typeface="Helvetica" panose="020B0604020202020204" pitchFamily="34" charset="0"/>
+            </a:endParaRPr>
+          </a:p>
+        </p:txBody>
+      </p:sp>
+      <p:sp>
+        <p:nvSpPr>
+          <p:cNvPr id="68" name="Rettangolo arrotondato 25">
+            <a:extLst>
+              <a:ext uri="{FF2B5EF4-FFF2-40B4-BE49-F238E27FC236}">
+                <a16:creationId xmlns:a16="http://schemas.microsoft.com/office/drawing/2014/main" id="{71445DDF-6DD4-4B03-AB7D-20B0302A01CC}"/>
               </a:ext>
             </a:extLst>
           </p:cNvPr>
@@ -6616,7 +6694,7 @@
         </p:nvSpPr>
         <p:spPr>
           <a:xfrm>
-            <a:off x="8598687" y="4449624"/>
+            <a:off x="7640744" y="4869914"/>
             <a:ext cx="505607" cy="330200"/>
           </a:xfrm>
           <a:prstGeom prst="roundRect">
@@ -6644,16 +6722,19 @@
           <a:lstStyle/>
           <a:p>
             <a:pPr algn="ctr"/>
-            <a:endParaRPr lang="en-US"/>
-          </a:p>
-        </p:txBody>
-      </p:sp>
-      <p:sp>
-        <p:nvSpPr>
-          <p:cNvPr id="43" name="Rettangolo arrotondato 120">
-            <a:extLst>
-              <a:ext uri="{FF2B5EF4-FFF2-40B4-BE49-F238E27FC236}">
-                <a16:creationId xmlns:a16="http://schemas.microsoft.com/office/drawing/2014/main" id="{FBF7ADE7-3128-4EF4-A799-731A9477DC05}"/>
+            <a:endParaRPr lang="en-US">
+              <a:latin typeface="Helvetica" panose="020B0604020202020204" pitchFamily="34" charset="0"/>
+              <a:cs typeface="Helvetica" panose="020B0604020202020204" pitchFamily="34" charset="0"/>
+            </a:endParaRPr>
+          </a:p>
+        </p:txBody>
+      </p:sp>
+      <p:sp>
+        <p:nvSpPr>
+          <p:cNvPr id="69" name="Rettangolo arrotondato 26">
+            <a:extLst>
+              <a:ext uri="{FF2B5EF4-FFF2-40B4-BE49-F238E27FC236}">
+                <a16:creationId xmlns:a16="http://schemas.microsoft.com/office/drawing/2014/main" id="{B52AC95E-4E69-4CF3-851F-739F2510E5F4}"/>
               </a:ext>
             </a:extLst>
           </p:cNvPr>
@@ -6662,7 +6743,7 @@
         </p:nvSpPr>
         <p:spPr>
           <a:xfrm>
-            <a:off x="8598687" y="4885657"/>
+            <a:off x="7640744" y="5305947"/>
             <a:ext cx="505607" cy="330200"/>
           </a:xfrm>
           <a:prstGeom prst="roundRect">
@@ -6690,16 +6771,19 @@
           <a:lstStyle/>
           <a:p>
             <a:pPr algn="ctr"/>
-            <a:endParaRPr lang="en-US"/>
-          </a:p>
-        </p:txBody>
-      </p:sp>
-      <p:sp>
-        <p:nvSpPr>
-          <p:cNvPr id="44" name="Rettangolo arrotondato 121">
-            <a:extLst>
-              <a:ext uri="{FF2B5EF4-FFF2-40B4-BE49-F238E27FC236}">
-                <a16:creationId xmlns:a16="http://schemas.microsoft.com/office/drawing/2014/main" id="{6D9E5952-FBC6-43A2-A138-F9FAEAE68565}"/>
+            <a:endParaRPr lang="en-US">
+              <a:latin typeface="Helvetica" panose="020B0604020202020204" pitchFamily="34" charset="0"/>
+              <a:cs typeface="Helvetica" panose="020B0604020202020204" pitchFamily="34" charset="0"/>
+            </a:endParaRPr>
+          </a:p>
+        </p:txBody>
+      </p:sp>
+      <p:sp>
+        <p:nvSpPr>
+          <p:cNvPr id="70" name="Rettangolo arrotondato 27">
+            <a:extLst>
+              <a:ext uri="{FF2B5EF4-FFF2-40B4-BE49-F238E27FC236}">
+                <a16:creationId xmlns:a16="http://schemas.microsoft.com/office/drawing/2014/main" id="{FC7C04FD-EA2E-40E2-9F1E-F50E2C51A784}"/>
               </a:ext>
             </a:extLst>
           </p:cNvPr>
@@ -6708,7 +6792,7 @@
         </p:nvSpPr>
         <p:spPr>
           <a:xfrm>
-            <a:off x="8602920" y="5321690"/>
+            <a:off x="7644977" y="5741980"/>
             <a:ext cx="505607" cy="330200"/>
           </a:xfrm>
           <a:prstGeom prst="roundRect">
@@ -6736,16 +6820,19 @@
           <a:lstStyle/>
           <a:p>
             <a:pPr algn="ctr"/>
-            <a:endParaRPr lang="en-US"/>
-          </a:p>
-        </p:txBody>
-      </p:sp>
-      <p:sp>
-        <p:nvSpPr>
-          <p:cNvPr id="45" name="Rettangolo arrotondato 122">
-            <a:extLst>
-              <a:ext uri="{FF2B5EF4-FFF2-40B4-BE49-F238E27FC236}">
-                <a16:creationId xmlns:a16="http://schemas.microsoft.com/office/drawing/2014/main" id="{A6B696C0-54A0-46D1-9423-56335FB30276}"/>
+            <a:endParaRPr lang="en-US">
+              <a:latin typeface="Helvetica" panose="020B0604020202020204" pitchFamily="34" charset="0"/>
+              <a:cs typeface="Helvetica" panose="020B0604020202020204" pitchFamily="34" charset="0"/>
+            </a:endParaRPr>
+          </a:p>
+        </p:txBody>
+      </p:sp>
+      <p:sp>
+        <p:nvSpPr>
+          <p:cNvPr id="71" name="Rettangolo arrotondato 29">
+            <a:extLst>
+              <a:ext uri="{FF2B5EF4-FFF2-40B4-BE49-F238E27FC236}">
+                <a16:creationId xmlns:a16="http://schemas.microsoft.com/office/drawing/2014/main" id="{117C690B-514C-483D-A411-AE0CADCF8758}"/>
               </a:ext>
             </a:extLst>
           </p:cNvPr>
@@ -6754,7 +6841,7 @@
         </p:nvSpPr>
         <p:spPr>
           <a:xfrm>
-            <a:off x="9731329" y="3945010"/>
+            <a:off x="8773386" y="4365300"/>
             <a:ext cx="660401" cy="1778000"/>
           </a:xfrm>
           <a:prstGeom prst="roundRect">
@@ -6790,16 +6877,19 @@
           <a:lstStyle/>
           <a:p>
             <a:pPr algn="ctr"/>
-            <a:endParaRPr lang="en-US"/>
-          </a:p>
-        </p:txBody>
-      </p:sp>
-      <p:sp>
-        <p:nvSpPr>
-          <p:cNvPr id="46" name="Rettangolo arrotondato 123">
-            <a:extLst>
-              <a:ext uri="{FF2B5EF4-FFF2-40B4-BE49-F238E27FC236}">
-                <a16:creationId xmlns:a16="http://schemas.microsoft.com/office/drawing/2014/main" id="{AA8673FD-04CC-4E88-9312-17FD33C9FCF2}"/>
+            <a:endParaRPr lang="en-US">
+              <a:latin typeface="Helvetica" panose="020B0604020202020204" pitchFamily="34" charset="0"/>
+              <a:cs typeface="Helvetica" panose="020B0604020202020204" pitchFamily="34" charset="0"/>
+            </a:endParaRPr>
+          </a:p>
+        </p:txBody>
+      </p:sp>
+      <p:sp>
+        <p:nvSpPr>
+          <p:cNvPr id="72" name="Rettangolo arrotondato 30">
+            <a:extLst>
+              <a:ext uri="{FF2B5EF4-FFF2-40B4-BE49-F238E27FC236}">
+                <a16:creationId xmlns:a16="http://schemas.microsoft.com/office/drawing/2014/main" id="{E8B8F9B2-C878-46C1-8996-DFA888C5735F}"/>
               </a:ext>
             </a:extLst>
           </p:cNvPr>
@@ -6808,7 +6898,7 @@
         </p:nvSpPr>
         <p:spPr>
           <a:xfrm>
-            <a:off x="9810944" y="4012744"/>
+            <a:off x="8853001" y="4433034"/>
             <a:ext cx="505607" cy="330200"/>
           </a:xfrm>
           <a:prstGeom prst="roundRect">
@@ -6836,16 +6926,19 @@
           <a:lstStyle/>
           <a:p>
             <a:pPr algn="ctr"/>
-            <a:endParaRPr lang="en-US"/>
-          </a:p>
-        </p:txBody>
-      </p:sp>
-      <p:sp>
-        <p:nvSpPr>
-          <p:cNvPr id="47" name="Rettangolo arrotondato 124">
-            <a:extLst>
-              <a:ext uri="{FF2B5EF4-FFF2-40B4-BE49-F238E27FC236}">
-                <a16:creationId xmlns:a16="http://schemas.microsoft.com/office/drawing/2014/main" id="{CE964C8F-6E1E-4D8D-A00E-881836A4D658}"/>
+            <a:endParaRPr lang="en-US">
+              <a:latin typeface="Helvetica" panose="020B0604020202020204" pitchFamily="34" charset="0"/>
+              <a:cs typeface="Helvetica" panose="020B0604020202020204" pitchFamily="34" charset="0"/>
+            </a:endParaRPr>
+          </a:p>
+        </p:txBody>
+      </p:sp>
+      <p:sp>
+        <p:nvSpPr>
+          <p:cNvPr id="73" name="Rettangolo arrotondato 31">
+            <a:extLst>
+              <a:ext uri="{FF2B5EF4-FFF2-40B4-BE49-F238E27FC236}">
+                <a16:creationId xmlns:a16="http://schemas.microsoft.com/office/drawing/2014/main" id="{2794D560-F548-4C30-B40B-7FCCCD61D7F1}"/>
               </a:ext>
             </a:extLst>
           </p:cNvPr>
@@ -6854,7 +6947,7 @@
         </p:nvSpPr>
         <p:spPr>
           <a:xfrm>
-            <a:off x="9806710" y="4449624"/>
+            <a:off x="8848767" y="4869914"/>
             <a:ext cx="505607" cy="330200"/>
           </a:xfrm>
           <a:prstGeom prst="roundRect">
@@ -6882,16 +6975,19 @@
           <a:lstStyle/>
           <a:p>
             <a:pPr algn="ctr"/>
-            <a:endParaRPr lang="en-US"/>
-          </a:p>
-        </p:txBody>
-      </p:sp>
-      <p:sp>
-        <p:nvSpPr>
-          <p:cNvPr id="48" name="Rettangolo arrotondato 125">
-            <a:extLst>
-              <a:ext uri="{FF2B5EF4-FFF2-40B4-BE49-F238E27FC236}">
-                <a16:creationId xmlns:a16="http://schemas.microsoft.com/office/drawing/2014/main" id="{F0448170-9984-4AC6-B906-B304F1CEE6D7}"/>
+            <a:endParaRPr lang="en-US">
+              <a:latin typeface="Helvetica" panose="020B0604020202020204" pitchFamily="34" charset="0"/>
+              <a:cs typeface="Helvetica" panose="020B0604020202020204" pitchFamily="34" charset="0"/>
+            </a:endParaRPr>
+          </a:p>
+        </p:txBody>
+      </p:sp>
+      <p:sp>
+        <p:nvSpPr>
+          <p:cNvPr id="74" name="Rettangolo arrotondato 32">
+            <a:extLst>
+              <a:ext uri="{FF2B5EF4-FFF2-40B4-BE49-F238E27FC236}">
+                <a16:creationId xmlns:a16="http://schemas.microsoft.com/office/drawing/2014/main" id="{DCABB0AF-7906-4534-8DC8-E1061B7136A1}"/>
               </a:ext>
             </a:extLst>
           </p:cNvPr>
@@ -6900,7 +6996,7 @@
         </p:nvSpPr>
         <p:spPr>
           <a:xfrm>
-            <a:off x="9806710" y="4885657"/>
+            <a:off x="8848767" y="5305947"/>
             <a:ext cx="505607" cy="330200"/>
           </a:xfrm>
           <a:prstGeom prst="roundRect">
@@ -6928,16 +7024,19 @@
           <a:lstStyle/>
           <a:p>
             <a:pPr algn="ctr"/>
-            <a:endParaRPr lang="en-US"/>
-          </a:p>
-        </p:txBody>
-      </p:sp>
-      <p:sp>
-        <p:nvSpPr>
-          <p:cNvPr id="49" name="Rettangolo arrotondato 126">
-            <a:extLst>
-              <a:ext uri="{FF2B5EF4-FFF2-40B4-BE49-F238E27FC236}">
-                <a16:creationId xmlns:a16="http://schemas.microsoft.com/office/drawing/2014/main" id="{310553CB-3EAD-4330-A4B0-783400112CBB}"/>
+            <a:endParaRPr lang="en-US">
+              <a:latin typeface="Helvetica" panose="020B0604020202020204" pitchFamily="34" charset="0"/>
+              <a:cs typeface="Helvetica" panose="020B0604020202020204" pitchFamily="34" charset="0"/>
+            </a:endParaRPr>
+          </a:p>
+        </p:txBody>
+      </p:sp>
+      <p:sp>
+        <p:nvSpPr>
+          <p:cNvPr id="77" name="Rettangolo arrotondato 33">
+            <a:extLst>
+              <a:ext uri="{FF2B5EF4-FFF2-40B4-BE49-F238E27FC236}">
+                <a16:creationId xmlns:a16="http://schemas.microsoft.com/office/drawing/2014/main" id="{46C32FEC-EFDC-4376-A524-D8FFFB4288A8}"/>
               </a:ext>
             </a:extLst>
           </p:cNvPr>
@@ -6946,7 +7045,7 @@
         </p:nvSpPr>
         <p:spPr>
           <a:xfrm>
-            <a:off x="9810943" y="5321690"/>
+            <a:off x="8853000" y="5741980"/>
             <a:ext cx="505607" cy="330200"/>
           </a:xfrm>
           <a:prstGeom prst="roundRect">
@@ -6974,28 +7073,31 @@
           <a:lstStyle/>
           <a:p>
             <a:pPr algn="ctr"/>
-            <a:endParaRPr lang="en-US"/>
+            <a:endParaRPr lang="en-US">
+              <a:latin typeface="Helvetica" panose="020B0604020202020204" pitchFamily="34" charset="0"/>
+              <a:cs typeface="Helvetica" panose="020B0604020202020204" pitchFamily="34" charset="0"/>
+            </a:endParaRPr>
           </a:p>
         </p:txBody>
       </p:sp>
       <p:cxnSp>
         <p:nvCxnSpPr>
-          <p:cNvPr id="54" name="Connettore 2 133">
-            <a:extLst>
-              <a:ext uri="{FF2B5EF4-FFF2-40B4-BE49-F238E27FC236}">
-                <a16:creationId xmlns:a16="http://schemas.microsoft.com/office/drawing/2014/main" id="{126F6FCD-56FB-49EF-8E27-420A3B6821B6}"/>
+          <p:cNvPr id="83" name="Connettore 2 43">
+            <a:extLst>
+              <a:ext uri="{FF2B5EF4-FFF2-40B4-BE49-F238E27FC236}">
+                <a16:creationId xmlns:a16="http://schemas.microsoft.com/office/drawing/2014/main" id="{B0A45E07-72A3-448E-8DDE-A13C06EA4044}"/>
               </a:ext>
             </a:extLst>
           </p:cNvPr>
           <p:cNvCxnSpPr>
-            <a:stCxn id="33" idx="4"/>
-            <a:endCxn id="35" idx="1"/>
+            <a:stCxn id="50" idx="4"/>
+            <a:endCxn id="52" idx="1"/>
           </p:cNvCxnSpPr>
           <p:nvPr/>
         </p:nvCxnSpPr>
         <p:spPr>
           <a:xfrm>
-            <a:off x="6708082" y="4830608"/>
+            <a:off x="5750139" y="5250898"/>
             <a:ext cx="607200" cy="3403"/>
           </a:xfrm>
           <a:prstGeom prst="straightConnector1">
@@ -7022,22 +7124,22 @@
       </p:cxnSp>
       <p:cxnSp>
         <p:nvCxnSpPr>
-          <p:cNvPr id="55" name="Connettore 2 134">
-            <a:extLst>
-              <a:ext uri="{FF2B5EF4-FFF2-40B4-BE49-F238E27FC236}">
-                <a16:creationId xmlns:a16="http://schemas.microsoft.com/office/drawing/2014/main" id="{9A2E5764-1D88-4CC8-A5AD-549E222C4EC8}"/>
+          <p:cNvPr id="84" name="Connettore 2 45">
+            <a:extLst>
+              <a:ext uri="{FF2B5EF4-FFF2-40B4-BE49-F238E27FC236}">
+                <a16:creationId xmlns:a16="http://schemas.microsoft.com/office/drawing/2014/main" id="{3D24CA17-CB23-40FF-A161-E74EC7D4AE24}"/>
               </a:ext>
             </a:extLst>
           </p:cNvPr>
           <p:cNvCxnSpPr>
-            <a:stCxn id="36" idx="3"/>
-            <a:endCxn id="41" idx="1"/>
+            <a:stCxn id="53" idx="3"/>
+            <a:endCxn id="67" idx="1"/>
           </p:cNvCxnSpPr>
           <p:nvPr/>
         </p:nvCxnSpPr>
         <p:spPr>
           <a:xfrm>
-            <a:off x="7900504" y="4177844"/>
+            <a:off x="6942561" y="4598134"/>
             <a:ext cx="702416" cy="0"/>
           </a:xfrm>
           <a:prstGeom prst="straightConnector1">
@@ -7069,22 +7171,22 @@
       </p:cxnSp>
       <p:cxnSp>
         <p:nvCxnSpPr>
-          <p:cNvPr id="56" name="Connettore 2 135">
-            <a:extLst>
-              <a:ext uri="{FF2B5EF4-FFF2-40B4-BE49-F238E27FC236}">
-                <a16:creationId xmlns:a16="http://schemas.microsoft.com/office/drawing/2014/main" id="{89E805D7-D24F-4D18-9FBB-F3C7B7CA9A8E}"/>
+          <p:cNvPr id="85" name="Connettore 2 48">
+            <a:extLst>
+              <a:ext uri="{FF2B5EF4-FFF2-40B4-BE49-F238E27FC236}">
+                <a16:creationId xmlns:a16="http://schemas.microsoft.com/office/drawing/2014/main" id="{B379FA08-B5CB-4995-894A-2CF00BA98DD7}"/>
               </a:ext>
             </a:extLst>
           </p:cNvPr>
           <p:cNvCxnSpPr>
-            <a:stCxn id="37" idx="3"/>
-            <a:endCxn id="42" idx="1"/>
+            <a:stCxn id="63" idx="3"/>
+            <a:endCxn id="68" idx="1"/>
           </p:cNvCxnSpPr>
           <p:nvPr/>
         </p:nvCxnSpPr>
         <p:spPr>
           <a:xfrm>
-            <a:off x="7896270" y="4614724"/>
+            <a:off x="6938327" y="5035014"/>
             <a:ext cx="702416" cy="0"/>
           </a:xfrm>
           <a:prstGeom prst="straightConnector1">
@@ -7116,22 +7218,22 @@
       </p:cxnSp>
       <p:cxnSp>
         <p:nvCxnSpPr>
-          <p:cNvPr id="57" name="Connettore 2 136">
-            <a:extLst>
-              <a:ext uri="{FF2B5EF4-FFF2-40B4-BE49-F238E27FC236}">
-                <a16:creationId xmlns:a16="http://schemas.microsoft.com/office/drawing/2014/main" id="{8A46A71B-9176-4077-B632-6554C4CAFDD5}"/>
+          <p:cNvPr id="86" name="Connettore 2 54">
+            <a:extLst>
+              <a:ext uri="{FF2B5EF4-FFF2-40B4-BE49-F238E27FC236}">
+                <a16:creationId xmlns:a16="http://schemas.microsoft.com/office/drawing/2014/main" id="{7620194A-94D2-4E7B-91D9-79786DAD40D1}"/>
               </a:ext>
             </a:extLst>
           </p:cNvPr>
           <p:cNvCxnSpPr>
-            <a:stCxn id="38" idx="3"/>
-            <a:endCxn id="43" idx="1"/>
+            <a:stCxn id="64" idx="3"/>
+            <a:endCxn id="69" idx="1"/>
           </p:cNvCxnSpPr>
           <p:nvPr/>
         </p:nvCxnSpPr>
         <p:spPr>
           <a:xfrm>
-            <a:off x="7896270" y="5050757"/>
+            <a:off x="6938327" y="5471047"/>
             <a:ext cx="702416" cy="0"/>
           </a:xfrm>
           <a:prstGeom prst="straightConnector1">
@@ -7163,22 +7265,22 @@
       </p:cxnSp>
       <p:cxnSp>
         <p:nvCxnSpPr>
-          <p:cNvPr id="58" name="Connettore 2 141">
-            <a:extLst>
-              <a:ext uri="{FF2B5EF4-FFF2-40B4-BE49-F238E27FC236}">
-                <a16:creationId xmlns:a16="http://schemas.microsoft.com/office/drawing/2014/main" id="{26FE8EC6-CFB8-4620-9111-427CAD41EA87}"/>
+          <p:cNvPr id="87" name="Connettore 2 55">
+            <a:extLst>
+              <a:ext uri="{FF2B5EF4-FFF2-40B4-BE49-F238E27FC236}">
+                <a16:creationId xmlns:a16="http://schemas.microsoft.com/office/drawing/2014/main" id="{C16DCD09-0FAC-42D4-9837-961844CB4AFE}"/>
               </a:ext>
             </a:extLst>
           </p:cNvPr>
           <p:cNvCxnSpPr>
-            <a:stCxn id="39" idx="3"/>
-            <a:endCxn id="44" idx="1"/>
+            <a:stCxn id="65" idx="3"/>
+            <a:endCxn id="70" idx="1"/>
           </p:cNvCxnSpPr>
           <p:nvPr/>
         </p:nvCxnSpPr>
         <p:spPr>
           <a:xfrm>
-            <a:off x="7900503" y="5486790"/>
+            <a:off x="6942560" y="5907080"/>
             <a:ext cx="702416" cy="0"/>
           </a:xfrm>
           <a:prstGeom prst="straightConnector1">
@@ -7210,22 +7312,22 @@
       </p:cxnSp>
       <p:cxnSp>
         <p:nvCxnSpPr>
-          <p:cNvPr id="59" name="Connettore 2 142">
-            <a:extLst>
-              <a:ext uri="{FF2B5EF4-FFF2-40B4-BE49-F238E27FC236}">
-                <a16:creationId xmlns:a16="http://schemas.microsoft.com/office/drawing/2014/main" id="{2931D00A-A913-4562-8ADC-0396FA38D541}"/>
+          <p:cNvPr id="88" name="Connettore 2 62">
+            <a:extLst>
+              <a:ext uri="{FF2B5EF4-FFF2-40B4-BE49-F238E27FC236}">
+                <a16:creationId xmlns:a16="http://schemas.microsoft.com/office/drawing/2014/main" id="{A878E977-88B1-4534-AB7E-3F5E9B1B60BD}"/>
               </a:ext>
             </a:extLst>
           </p:cNvPr>
           <p:cNvCxnSpPr>
-            <a:stCxn id="41" idx="3"/>
-            <a:endCxn id="46" idx="1"/>
+            <a:stCxn id="67" idx="3"/>
+            <a:endCxn id="72" idx="1"/>
           </p:cNvCxnSpPr>
           <p:nvPr/>
         </p:nvCxnSpPr>
         <p:spPr>
           <a:xfrm>
-            <a:off x="9108527" y="4177844"/>
+            <a:off x="8150584" y="4598134"/>
             <a:ext cx="702416" cy="0"/>
           </a:xfrm>
           <a:prstGeom prst="straightConnector1">
@@ -7257,22 +7359,22 @@
       </p:cxnSp>
       <p:cxnSp>
         <p:nvCxnSpPr>
-          <p:cNvPr id="60" name="Connettore 2 143">
-            <a:extLst>
-              <a:ext uri="{FF2B5EF4-FFF2-40B4-BE49-F238E27FC236}">
-                <a16:creationId xmlns:a16="http://schemas.microsoft.com/office/drawing/2014/main" id="{1B2A1F30-1215-40C1-B570-87E68EBD074F}"/>
+          <p:cNvPr id="89" name="Connettore 2 63">
+            <a:extLst>
+              <a:ext uri="{FF2B5EF4-FFF2-40B4-BE49-F238E27FC236}">
+                <a16:creationId xmlns:a16="http://schemas.microsoft.com/office/drawing/2014/main" id="{6C494A6A-16C6-466A-8687-BC00FCFDFF53}"/>
               </a:ext>
             </a:extLst>
           </p:cNvPr>
           <p:cNvCxnSpPr>
-            <a:stCxn id="42" idx="3"/>
-            <a:endCxn id="47" idx="1"/>
+            <a:stCxn id="68" idx="3"/>
+            <a:endCxn id="73" idx="1"/>
           </p:cNvCxnSpPr>
           <p:nvPr/>
         </p:nvCxnSpPr>
         <p:spPr>
           <a:xfrm>
-            <a:off x="9104293" y="4614724"/>
+            <a:off x="8146350" y="5035014"/>
             <a:ext cx="702416" cy="0"/>
           </a:xfrm>
           <a:prstGeom prst="straightConnector1">
@@ -7304,22 +7406,22 @@
       </p:cxnSp>
       <p:cxnSp>
         <p:nvCxnSpPr>
-          <p:cNvPr id="61" name="Connettore 2 144">
-            <a:extLst>
-              <a:ext uri="{FF2B5EF4-FFF2-40B4-BE49-F238E27FC236}">
-                <a16:creationId xmlns:a16="http://schemas.microsoft.com/office/drawing/2014/main" id="{3D1AA250-0AF4-4583-B431-41EA33E6B28B}"/>
+          <p:cNvPr id="90" name="Connettore 2 64">
+            <a:extLst>
+              <a:ext uri="{FF2B5EF4-FFF2-40B4-BE49-F238E27FC236}">
+                <a16:creationId xmlns:a16="http://schemas.microsoft.com/office/drawing/2014/main" id="{A5A8F196-481F-465D-8F4C-73067A4B6593}"/>
               </a:ext>
             </a:extLst>
           </p:cNvPr>
           <p:cNvCxnSpPr>
-            <a:stCxn id="43" idx="3"/>
-            <a:endCxn id="48" idx="1"/>
+            <a:stCxn id="69" idx="3"/>
+            <a:endCxn id="74" idx="1"/>
           </p:cNvCxnSpPr>
           <p:nvPr/>
         </p:nvCxnSpPr>
         <p:spPr>
           <a:xfrm>
-            <a:off x="9104293" y="5050757"/>
+            <a:off x="8146350" y="5471047"/>
             <a:ext cx="702416" cy="0"/>
           </a:xfrm>
           <a:prstGeom prst="straightConnector1">
@@ -7351,22 +7453,22 @@
       </p:cxnSp>
       <p:cxnSp>
         <p:nvCxnSpPr>
-          <p:cNvPr id="62" name="Connettore 2 145">
-            <a:extLst>
-              <a:ext uri="{FF2B5EF4-FFF2-40B4-BE49-F238E27FC236}">
-                <a16:creationId xmlns:a16="http://schemas.microsoft.com/office/drawing/2014/main" id="{F7FA3DE4-031E-45E6-93E1-BFAA856DED67}"/>
+          <p:cNvPr id="91" name="Connettore 2 65">
+            <a:extLst>
+              <a:ext uri="{FF2B5EF4-FFF2-40B4-BE49-F238E27FC236}">
+                <a16:creationId xmlns:a16="http://schemas.microsoft.com/office/drawing/2014/main" id="{C0EAC918-0E61-4438-8266-20FB9450FCCB}"/>
               </a:ext>
             </a:extLst>
           </p:cNvPr>
           <p:cNvCxnSpPr>
-            <a:stCxn id="44" idx="3"/>
-            <a:endCxn id="49" idx="1"/>
+            <a:stCxn id="70" idx="3"/>
+            <a:endCxn id="77" idx="1"/>
           </p:cNvCxnSpPr>
           <p:nvPr/>
         </p:nvCxnSpPr>
         <p:spPr>
           <a:xfrm>
-            <a:off x="9108526" y="5486790"/>
+            <a:off x="8150583" y="5907080"/>
             <a:ext cx="702416" cy="0"/>
           </a:xfrm>
           <a:prstGeom prst="straightConnector1">
@@ -7398,10 +7500,10 @@
       </p:cxnSp>
       <p:sp>
         <p:nvSpPr>
-          <p:cNvPr id="75" name="CasellaDiTesto 158">
-            <a:extLst>
-              <a:ext uri="{FF2B5EF4-FFF2-40B4-BE49-F238E27FC236}">
-                <a16:creationId xmlns:a16="http://schemas.microsoft.com/office/drawing/2014/main" id="{050B59AD-2933-43E5-95C2-E56A6042D3A3}"/>
+          <p:cNvPr id="105" name="CasellaDiTesto 137">
+            <a:extLst>
+              <a:ext uri="{FF2B5EF4-FFF2-40B4-BE49-F238E27FC236}">
+                <a16:creationId xmlns:a16="http://schemas.microsoft.com/office/drawing/2014/main" id="{F2954F5F-6E35-4E85-B113-D189192AAAE6}"/>
               </a:ext>
             </a:extLst>
           </p:cNvPr>
@@ -7410,8 +7512,8 @@
         </p:nvSpPr>
         <p:spPr>
           <a:xfrm>
-            <a:off x="8432304" y="5728540"/>
-            <a:ext cx="838371" cy="338554"/>
+            <a:off x="7464583" y="6148830"/>
+            <a:ext cx="857927" cy="338554"/>
           </a:xfrm>
           <a:prstGeom prst="rect">
             <a:avLst/>
@@ -7426,19 +7528,25 @@
           <a:p>
             <a:pPr algn="ctr"/>
             <a:r>
-              <a:rPr lang="en-US" sz="1600" dirty="0" err="1"/>
+              <a:rPr lang="en-US" sz="1600" dirty="0" err="1">
+                <a:latin typeface="Helvetica" panose="020B0604020202020204" pitchFamily="34" charset="0"/>
+                <a:cs typeface="Helvetica" panose="020B0604020202020204" pitchFamily="34" charset="0"/>
+              </a:rPr>
               <a:t>flatMap</a:t>
             </a:r>
-            <a:endParaRPr lang="en-US" sz="1600" dirty="0"/>
-          </a:p>
-        </p:txBody>
-      </p:sp>
-      <p:sp>
-        <p:nvSpPr>
-          <p:cNvPr id="76" name="CasellaDiTesto 159">
-            <a:extLst>
-              <a:ext uri="{FF2B5EF4-FFF2-40B4-BE49-F238E27FC236}">
-                <a16:creationId xmlns:a16="http://schemas.microsoft.com/office/drawing/2014/main" id="{1DDF9B3E-B093-470A-9620-B9072D0E76D7}"/>
+            <a:endParaRPr lang="en-US" sz="1600" dirty="0">
+              <a:latin typeface="Helvetica" panose="020B0604020202020204" pitchFamily="34" charset="0"/>
+              <a:cs typeface="Helvetica" panose="020B0604020202020204" pitchFamily="34" charset="0"/>
+            </a:endParaRPr>
+          </a:p>
+        </p:txBody>
+      </p:sp>
+      <p:sp>
+        <p:nvSpPr>
+          <p:cNvPr id="106" name="CasellaDiTesto 138">
+            <a:extLst>
+              <a:ext uri="{FF2B5EF4-FFF2-40B4-BE49-F238E27FC236}">
+                <a16:creationId xmlns:a16="http://schemas.microsoft.com/office/drawing/2014/main" id="{09C986E0-D625-4B2E-937D-D79EA07586B1}"/>
               </a:ext>
             </a:extLst>
           </p:cNvPr>
@@ -7447,8 +7555,8 @@
         </p:nvSpPr>
         <p:spPr>
           <a:xfrm>
-            <a:off x="9782834" y="5734030"/>
-            <a:ext cx="553357" cy="338554"/>
+            <a:off x="8809663" y="6154320"/>
+            <a:ext cx="583814" cy="338554"/>
           </a:xfrm>
           <a:prstGeom prst="rect">
             <a:avLst/>
@@ -7463,7 +7571,10 @@
           <a:p>
             <a:pPr algn="ctr"/>
             <a:r>
-              <a:rPr lang="en-US" sz="1600" dirty="0"/>
+              <a:rPr lang="en-US" sz="1600" dirty="0">
+                <a:latin typeface="Helvetica" panose="020B0604020202020204" pitchFamily="34" charset="0"/>
+                <a:cs typeface="Helvetica" panose="020B0604020202020204" pitchFamily="34" charset="0"/>
+              </a:rPr>
               <a:t>map</a:t>
             </a:r>
           </a:p>
@@ -7658,13 +7769,19 @@
       </p:sp>
       <p:sp>
         <p:nvSpPr>
-          <p:cNvPr id="111" name="Cilindro 110"/>
+          <p:cNvPr id="50" name="Cilindro 4">
+            <a:extLst>
+              <a:ext uri="{FF2B5EF4-FFF2-40B4-BE49-F238E27FC236}">
+                <a16:creationId xmlns:a16="http://schemas.microsoft.com/office/drawing/2014/main" id="{626470BF-FB1C-46A2-97D9-F7D8DDBFF9AB}"/>
+              </a:ext>
+            </a:extLst>
+          </p:cNvPr>
           <p:cNvSpPr/>
           <p:nvPr/>
         </p:nvSpPr>
         <p:spPr>
           <a:xfrm>
-            <a:off x="6176374" y="4585664"/>
+            <a:off x="5218431" y="5005954"/>
             <a:ext cx="531708" cy="489887"/>
           </a:xfrm>
           <a:prstGeom prst="can">
@@ -7692,20 +7809,29 @@
           <a:lstStyle/>
           <a:p>
             <a:pPr algn="ctr"/>
-            <a:endParaRPr lang="en-US"/>
-          </a:p>
-        </p:txBody>
-      </p:sp>
-      <p:sp>
-        <p:nvSpPr>
-          <p:cNvPr id="112" name="CasellaDiTesto 111"/>
+            <a:endParaRPr lang="en-US">
+              <a:latin typeface="Helvetica" panose="020B0604020202020204" pitchFamily="34" charset="0"/>
+              <a:cs typeface="Helvetica" panose="020B0604020202020204" pitchFamily="34" charset="0"/>
+            </a:endParaRPr>
+          </a:p>
+        </p:txBody>
+      </p:sp>
+      <p:sp>
+        <p:nvSpPr>
+          <p:cNvPr id="51" name="CasellaDiTesto 5">
+            <a:extLst>
+              <a:ext uri="{FF2B5EF4-FFF2-40B4-BE49-F238E27FC236}">
+                <a16:creationId xmlns:a16="http://schemas.microsoft.com/office/drawing/2014/main" id="{FF9A314D-DD36-46B6-A886-0CD2B030006E}"/>
+              </a:ext>
+            </a:extLst>
+          </p:cNvPr>
           <p:cNvSpPr txBox="1"/>
           <p:nvPr/>
         </p:nvSpPr>
         <p:spPr>
           <a:xfrm>
-            <a:off x="7244094" y="5734030"/>
-            <a:ext cx="798745" cy="338554"/>
+            <a:off x="6262972" y="6154320"/>
+            <a:ext cx="845103" cy="338554"/>
           </a:xfrm>
           <a:prstGeom prst="rect">
             <a:avLst/>
@@ -7720,22 +7846,34 @@
           <a:p>
             <a:pPr algn="ctr"/>
             <a:r>
-              <a:rPr lang="en-US" sz="1600" dirty="0" err="1"/>
+              <a:rPr lang="en-US" sz="1600" dirty="0" err="1">
+                <a:latin typeface="Helvetica" panose="020B0604020202020204" pitchFamily="34" charset="0"/>
+                <a:cs typeface="Helvetica" panose="020B0604020202020204" pitchFamily="34" charset="0"/>
+              </a:rPr>
               <a:t>textFile</a:t>
             </a:r>
-            <a:endParaRPr lang="en-US" sz="1600" dirty="0"/>
-          </a:p>
-        </p:txBody>
-      </p:sp>
-      <p:sp>
-        <p:nvSpPr>
-          <p:cNvPr id="113" name="Rettangolo arrotondato 112"/>
+            <a:endParaRPr lang="en-US" sz="1600" dirty="0">
+              <a:latin typeface="Helvetica" panose="020B0604020202020204" pitchFamily="34" charset="0"/>
+              <a:cs typeface="Helvetica" panose="020B0604020202020204" pitchFamily="34" charset="0"/>
+            </a:endParaRPr>
+          </a:p>
+        </p:txBody>
+      </p:sp>
+      <p:sp>
+        <p:nvSpPr>
+          <p:cNvPr id="52" name="Rettangolo arrotondato 6">
+            <a:extLst>
+              <a:ext uri="{FF2B5EF4-FFF2-40B4-BE49-F238E27FC236}">
+                <a16:creationId xmlns:a16="http://schemas.microsoft.com/office/drawing/2014/main" id="{318CD0AD-F6E3-492D-BF65-23F616C6F79B}"/>
+              </a:ext>
+            </a:extLst>
+          </p:cNvPr>
           <p:cNvSpPr/>
           <p:nvPr/>
         </p:nvSpPr>
         <p:spPr>
           <a:xfrm>
-            <a:off x="7315283" y="3945010"/>
+            <a:off x="6357340" y="4365300"/>
             <a:ext cx="660401" cy="1778000"/>
           </a:xfrm>
           <a:prstGeom prst="roundRect">
@@ -7771,19 +7909,28 @@
           <a:lstStyle/>
           <a:p>
             <a:pPr algn="ctr"/>
-            <a:endParaRPr lang="en-US"/>
-          </a:p>
-        </p:txBody>
-      </p:sp>
-      <p:sp>
-        <p:nvSpPr>
-          <p:cNvPr id="114" name="Rettangolo arrotondato 113"/>
+            <a:endParaRPr lang="en-US">
+              <a:latin typeface="Helvetica" panose="020B0604020202020204" pitchFamily="34" charset="0"/>
+              <a:cs typeface="Helvetica" panose="020B0604020202020204" pitchFamily="34" charset="0"/>
+            </a:endParaRPr>
+          </a:p>
+        </p:txBody>
+      </p:sp>
+      <p:sp>
+        <p:nvSpPr>
+          <p:cNvPr id="53" name="Rettangolo arrotondato 7">
+            <a:extLst>
+              <a:ext uri="{FF2B5EF4-FFF2-40B4-BE49-F238E27FC236}">
+                <a16:creationId xmlns:a16="http://schemas.microsoft.com/office/drawing/2014/main" id="{525C132B-DD9A-4CFA-B41F-B969342A8DA1}"/>
+              </a:ext>
+            </a:extLst>
+          </p:cNvPr>
           <p:cNvSpPr/>
           <p:nvPr/>
         </p:nvSpPr>
         <p:spPr>
           <a:xfrm>
-            <a:off x="7394898" y="4012744"/>
+            <a:off x="6436955" y="4433034"/>
             <a:ext cx="505607" cy="330200"/>
           </a:xfrm>
           <a:prstGeom prst="roundRect">
@@ -7811,19 +7958,28 @@
           <a:lstStyle/>
           <a:p>
             <a:pPr algn="ctr"/>
-            <a:endParaRPr lang="en-US"/>
-          </a:p>
-        </p:txBody>
-      </p:sp>
-      <p:sp>
-        <p:nvSpPr>
-          <p:cNvPr id="115" name="Rettangolo arrotondato 114"/>
+            <a:endParaRPr lang="en-US">
+              <a:latin typeface="Helvetica" panose="020B0604020202020204" pitchFamily="34" charset="0"/>
+              <a:cs typeface="Helvetica" panose="020B0604020202020204" pitchFamily="34" charset="0"/>
+            </a:endParaRPr>
+          </a:p>
+        </p:txBody>
+      </p:sp>
+      <p:sp>
+        <p:nvSpPr>
+          <p:cNvPr id="54" name="Rettangolo arrotondato 8">
+            <a:extLst>
+              <a:ext uri="{FF2B5EF4-FFF2-40B4-BE49-F238E27FC236}">
+                <a16:creationId xmlns:a16="http://schemas.microsoft.com/office/drawing/2014/main" id="{E5BA5F30-68F9-400D-8F89-9C404F87A7E9}"/>
+              </a:ext>
+            </a:extLst>
+          </p:cNvPr>
           <p:cNvSpPr/>
           <p:nvPr/>
         </p:nvSpPr>
         <p:spPr>
           <a:xfrm>
-            <a:off x="7390664" y="4449624"/>
+            <a:off x="6432721" y="4869914"/>
             <a:ext cx="505607" cy="330200"/>
           </a:xfrm>
           <a:prstGeom prst="roundRect">
@@ -7851,19 +8007,28 @@
           <a:lstStyle/>
           <a:p>
             <a:pPr algn="ctr"/>
-            <a:endParaRPr lang="en-US"/>
-          </a:p>
-        </p:txBody>
-      </p:sp>
-      <p:sp>
-        <p:nvSpPr>
-          <p:cNvPr id="116" name="Rettangolo arrotondato 115"/>
+            <a:endParaRPr lang="en-US">
+              <a:latin typeface="Helvetica" panose="020B0604020202020204" pitchFamily="34" charset="0"/>
+              <a:cs typeface="Helvetica" panose="020B0604020202020204" pitchFamily="34" charset="0"/>
+            </a:endParaRPr>
+          </a:p>
+        </p:txBody>
+      </p:sp>
+      <p:sp>
+        <p:nvSpPr>
+          <p:cNvPr id="55" name="Rettangolo arrotondato 9">
+            <a:extLst>
+              <a:ext uri="{FF2B5EF4-FFF2-40B4-BE49-F238E27FC236}">
+                <a16:creationId xmlns:a16="http://schemas.microsoft.com/office/drawing/2014/main" id="{D3C89D0E-78F1-44CE-BB47-8DB84F9311E9}"/>
+              </a:ext>
+            </a:extLst>
+          </p:cNvPr>
           <p:cNvSpPr/>
           <p:nvPr/>
         </p:nvSpPr>
         <p:spPr>
           <a:xfrm>
-            <a:off x="7390664" y="4885657"/>
+            <a:off x="6432721" y="5305947"/>
             <a:ext cx="505607" cy="330200"/>
           </a:xfrm>
           <a:prstGeom prst="roundRect">
@@ -7891,19 +8056,28 @@
           <a:lstStyle/>
           <a:p>
             <a:pPr algn="ctr"/>
-            <a:endParaRPr lang="en-US"/>
-          </a:p>
-        </p:txBody>
-      </p:sp>
-      <p:sp>
-        <p:nvSpPr>
-          <p:cNvPr id="117" name="Rettangolo arrotondato 116"/>
+            <a:endParaRPr lang="en-US">
+              <a:latin typeface="Helvetica" panose="020B0604020202020204" pitchFamily="34" charset="0"/>
+              <a:cs typeface="Helvetica" panose="020B0604020202020204" pitchFamily="34" charset="0"/>
+            </a:endParaRPr>
+          </a:p>
+        </p:txBody>
+      </p:sp>
+      <p:sp>
+        <p:nvSpPr>
+          <p:cNvPr id="56" name="Rettangolo arrotondato 10">
+            <a:extLst>
+              <a:ext uri="{FF2B5EF4-FFF2-40B4-BE49-F238E27FC236}">
+                <a16:creationId xmlns:a16="http://schemas.microsoft.com/office/drawing/2014/main" id="{DCCD8994-679E-4827-85D9-D771E30A26C2}"/>
+              </a:ext>
+            </a:extLst>
+          </p:cNvPr>
           <p:cNvSpPr/>
           <p:nvPr/>
         </p:nvSpPr>
         <p:spPr>
           <a:xfrm>
-            <a:off x="7394897" y="5321690"/>
+            <a:off x="6436954" y="5741980"/>
             <a:ext cx="505607" cy="330200"/>
           </a:xfrm>
           <a:prstGeom prst="roundRect">
@@ -7931,19 +8105,28 @@
           <a:lstStyle/>
           <a:p>
             <a:pPr algn="ctr"/>
-            <a:endParaRPr lang="en-US"/>
-          </a:p>
-        </p:txBody>
-      </p:sp>
-      <p:sp>
-        <p:nvSpPr>
-          <p:cNvPr id="118" name="Rettangolo arrotondato 117"/>
+            <a:endParaRPr lang="en-US">
+              <a:latin typeface="Helvetica" panose="020B0604020202020204" pitchFamily="34" charset="0"/>
+              <a:cs typeface="Helvetica" panose="020B0604020202020204" pitchFamily="34" charset="0"/>
+            </a:endParaRPr>
+          </a:p>
+        </p:txBody>
+      </p:sp>
+      <p:sp>
+        <p:nvSpPr>
+          <p:cNvPr id="57" name="Rettangolo arrotondato 23">
+            <a:extLst>
+              <a:ext uri="{FF2B5EF4-FFF2-40B4-BE49-F238E27FC236}">
+                <a16:creationId xmlns:a16="http://schemas.microsoft.com/office/drawing/2014/main" id="{C1C40369-E7B0-4025-BD9C-71550D0BE486}"/>
+              </a:ext>
+            </a:extLst>
+          </p:cNvPr>
           <p:cNvSpPr/>
           <p:nvPr/>
         </p:nvSpPr>
         <p:spPr>
           <a:xfrm>
-            <a:off x="8523306" y="3945010"/>
+            <a:off x="7565363" y="4365300"/>
             <a:ext cx="660401" cy="1778000"/>
           </a:xfrm>
           <a:prstGeom prst="roundRect">
@@ -7979,19 +8162,28 @@
           <a:lstStyle/>
           <a:p>
             <a:pPr algn="ctr"/>
-            <a:endParaRPr lang="en-US"/>
-          </a:p>
-        </p:txBody>
-      </p:sp>
-      <p:sp>
-        <p:nvSpPr>
-          <p:cNvPr id="119" name="Rettangolo arrotondato 118"/>
+            <a:endParaRPr lang="en-US">
+              <a:latin typeface="Helvetica" panose="020B0604020202020204" pitchFamily="34" charset="0"/>
+              <a:cs typeface="Helvetica" panose="020B0604020202020204" pitchFamily="34" charset="0"/>
+            </a:endParaRPr>
+          </a:p>
+        </p:txBody>
+      </p:sp>
+      <p:sp>
+        <p:nvSpPr>
+          <p:cNvPr id="58" name="Rettangolo arrotondato 24">
+            <a:extLst>
+              <a:ext uri="{FF2B5EF4-FFF2-40B4-BE49-F238E27FC236}">
+                <a16:creationId xmlns:a16="http://schemas.microsoft.com/office/drawing/2014/main" id="{70600F13-E0C6-4720-A089-B3D88BAC2561}"/>
+              </a:ext>
+            </a:extLst>
+          </p:cNvPr>
           <p:cNvSpPr/>
           <p:nvPr/>
         </p:nvSpPr>
         <p:spPr>
           <a:xfrm>
-            <a:off x="8602921" y="4012744"/>
+            <a:off x="7644978" y="4433034"/>
             <a:ext cx="505607" cy="330200"/>
           </a:xfrm>
           <a:prstGeom prst="roundRect">
@@ -8019,19 +8211,28 @@
           <a:lstStyle/>
           <a:p>
             <a:pPr algn="ctr"/>
-            <a:endParaRPr lang="en-US"/>
-          </a:p>
-        </p:txBody>
-      </p:sp>
-      <p:sp>
-        <p:nvSpPr>
-          <p:cNvPr id="120" name="Rettangolo arrotondato 119"/>
+            <a:endParaRPr lang="en-US">
+              <a:latin typeface="Helvetica" panose="020B0604020202020204" pitchFamily="34" charset="0"/>
+              <a:cs typeface="Helvetica" panose="020B0604020202020204" pitchFamily="34" charset="0"/>
+            </a:endParaRPr>
+          </a:p>
+        </p:txBody>
+      </p:sp>
+      <p:sp>
+        <p:nvSpPr>
+          <p:cNvPr id="59" name="Rettangolo arrotondato 25">
+            <a:extLst>
+              <a:ext uri="{FF2B5EF4-FFF2-40B4-BE49-F238E27FC236}">
+                <a16:creationId xmlns:a16="http://schemas.microsoft.com/office/drawing/2014/main" id="{E37D9401-F5E9-4A96-A367-389BA05C7CF6}"/>
+              </a:ext>
+            </a:extLst>
+          </p:cNvPr>
           <p:cNvSpPr/>
           <p:nvPr/>
         </p:nvSpPr>
         <p:spPr>
           <a:xfrm>
-            <a:off x="8598687" y="4449624"/>
+            <a:off x="7640744" y="4869914"/>
             <a:ext cx="505607" cy="330200"/>
           </a:xfrm>
           <a:prstGeom prst="roundRect">
@@ -8059,19 +8260,28 @@
           <a:lstStyle/>
           <a:p>
             <a:pPr algn="ctr"/>
-            <a:endParaRPr lang="en-US"/>
-          </a:p>
-        </p:txBody>
-      </p:sp>
-      <p:sp>
-        <p:nvSpPr>
-          <p:cNvPr id="121" name="Rettangolo arrotondato 120"/>
+            <a:endParaRPr lang="en-US">
+              <a:latin typeface="Helvetica" panose="020B0604020202020204" pitchFamily="34" charset="0"/>
+              <a:cs typeface="Helvetica" panose="020B0604020202020204" pitchFamily="34" charset="0"/>
+            </a:endParaRPr>
+          </a:p>
+        </p:txBody>
+      </p:sp>
+      <p:sp>
+        <p:nvSpPr>
+          <p:cNvPr id="60" name="Rettangolo arrotondato 26">
+            <a:extLst>
+              <a:ext uri="{FF2B5EF4-FFF2-40B4-BE49-F238E27FC236}">
+                <a16:creationId xmlns:a16="http://schemas.microsoft.com/office/drawing/2014/main" id="{DAA4156C-3313-4726-9626-DBF3F8F2A9F4}"/>
+              </a:ext>
+            </a:extLst>
+          </p:cNvPr>
           <p:cNvSpPr/>
           <p:nvPr/>
         </p:nvSpPr>
         <p:spPr>
           <a:xfrm>
-            <a:off x="8598687" y="4885657"/>
+            <a:off x="7640744" y="5305947"/>
             <a:ext cx="505607" cy="330200"/>
           </a:xfrm>
           <a:prstGeom prst="roundRect">
@@ -8099,19 +8309,28 @@
           <a:lstStyle/>
           <a:p>
             <a:pPr algn="ctr"/>
-            <a:endParaRPr lang="en-US"/>
-          </a:p>
-        </p:txBody>
-      </p:sp>
-      <p:sp>
-        <p:nvSpPr>
-          <p:cNvPr id="122" name="Rettangolo arrotondato 121"/>
+            <a:endParaRPr lang="en-US">
+              <a:latin typeface="Helvetica" panose="020B0604020202020204" pitchFamily="34" charset="0"/>
+              <a:cs typeface="Helvetica" panose="020B0604020202020204" pitchFamily="34" charset="0"/>
+            </a:endParaRPr>
+          </a:p>
+        </p:txBody>
+      </p:sp>
+      <p:sp>
+        <p:nvSpPr>
+          <p:cNvPr id="61" name="Rettangolo arrotondato 27">
+            <a:extLst>
+              <a:ext uri="{FF2B5EF4-FFF2-40B4-BE49-F238E27FC236}">
+                <a16:creationId xmlns:a16="http://schemas.microsoft.com/office/drawing/2014/main" id="{98B11DB2-E833-41FB-994D-2D7F3970F26F}"/>
+              </a:ext>
+            </a:extLst>
+          </p:cNvPr>
           <p:cNvSpPr/>
           <p:nvPr/>
         </p:nvSpPr>
         <p:spPr>
           <a:xfrm>
-            <a:off x="8602920" y="5321690"/>
+            <a:off x="7644977" y="5741980"/>
             <a:ext cx="505607" cy="330200"/>
           </a:xfrm>
           <a:prstGeom prst="roundRect">
@@ -8139,19 +8358,28 @@
           <a:lstStyle/>
           <a:p>
             <a:pPr algn="ctr"/>
-            <a:endParaRPr lang="en-US"/>
-          </a:p>
-        </p:txBody>
-      </p:sp>
-      <p:sp>
-        <p:nvSpPr>
-          <p:cNvPr id="123" name="Rettangolo arrotondato 122"/>
+            <a:endParaRPr lang="en-US">
+              <a:latin typeface="Helvetica" panose="020B0604020202020204" pitchFamily="34" charset="0"/>
+              <a:cs typeface="Helvetica" panose="020B0604020202020204" pitchFamily="34" charset="0"/>
+            </a:endParaRPr>
+          </a:p>
+        </p:txBody>
+      </p:sp>
+      <p:sp>
+        <p:nvSpPr>
+          <p:cNvPr id="62" name="Rettangolo arrotondato 29">
+            <a:extLst>
+              <a:ext uri="{FF2B5EF4-FFF2-40B4-BE49-F238E27FC236}">
+                <a16:creationId xmlns:a16="http://schemas.microsoft.com/office/drawing/2014/main" id="{57B94004-B51C-45DB-8058-F5827B9A2ABD}"/>
+              </a:ext>
+            </a:extLst>
+          </p:cNvPr>
           <p:cNvSpPr/>
           <p:nvPr/>
         </p:nvSpPr>
         <p:spPr>
           <a:xfrm>
-            <a:off x="9731329" y="3945010"/>
+            <a:off x="8773386" y="4365300"/>
             <a:ext cx="660401" cy="1778000"/>
           </a:xfrm>
           <a:prstGeom prst="roundRect">
@@ -8187,19 +8415,28 @@
           <a:lstStyle/>
           <a:p>
             <a:pPr algn="ctr"/>
-            <a:endParaRPr lang="en-US"/>
-          </a:p>
-        </p:txBody>
-      </p:sp>
-      <p:sp>
-        <p:nvSpPr>
-          <p:cNvPr id="124" name="Rettangolo arrotondato 123"/>
+            <a:endParaRPr lang="en-US">
+              <a:latin typeface="Helvetica" panose="020B0604020202020204" pitchFamily="34" charset="0"/>
+              <a:cs typeface="Helvetica" panose="020B0604020202020204" pitchFamily="34" charset="0"/>
+            </a:endParaRPr>
+          </a:p>
+        </p:txBody>
+      </p:sp>
+      <p:sp>
+        <p:nvSpPr>
+          <p:cNvPr id="63" name="Rettangolo arrotondato 30">
+            <a:extLst>
+              <a:ext uri="{FF2B5EF4-FFF2-40B4-BE49-F238E27FC236}">
+                <a16:creationId xmlns:a16="http://schemas.microsoft.com/office/drawing/2014/main" id="{0E881EEA-4A5A-4144-BE39-59E72DCBC79B}"/>
+              </a:ext>
+            </a:extLst>
+          </p:cNvPr>
           <p:cNvSpPr/>
           <p:nvPr/>
         </p:nvSpPr>
         <p:spPr>
           <a:xfrm>
-            <a:off x="9810944" y="4012744"/>
+            <a:off x="8853001" y="4433034"/>
             <a:ext cx="505607" cy="330200"/>
           </a:xfrm>
           <a:prstGeom prst="roundRect">
@@ -8227,19 +8464,28 @@
           <a:lstStyle/>
           <a:p>
             <a:pPr algn="ctr"/>
-            <a:endParaRPr lang="en-US"/>
-          </a:p>
-        </p:txBody>
-      </p:sp>
-      <p:sp>
-        <p:nvSpPr>
-          <p:cNvPr id="125" name="Rettangolo arrotondato 124"/>
+            <a:endParaRPr lang="en-US">
+              <a:latin typeface="Helvetica" panose="020B0604020202020204" pitchFamily="34" charset="0"/>
+              <a:cs typeface="Helvetica" panose="020B0604020202020204" pitchFamily="34" charset="0"/>
+            </a:endParaRPr>
+          </a:p>
+        </p:txBody>
+      </p:sp>
+      <p:sp>
+        <p:nvSpPr>
+          <p:cNvPr id="64" name="Rettangolo arrotondato 31">
+            <a:extLst>
+              <a:ext uri="{FF2B5EF4-FFF2-40B4-BE49-F238E27FC236}">
+                <a16:creationId xmlns:a16="http://schemas.microsoft.com/office/drawing/2014/main" id="{D4DAC725-2CDC-4380-B64F-56DE45B628B3}"/>
+              </a:ext>
+            </a:extLst>
+          </p:cNvPr>
           <p:cNvSpPr/>
           <p:nvPr/>
         </p:nvSpPr>
         <p:spPr>
           <a:xfrm>
-            <a:off x="9806710" y="4449624"/>
+            <a:off x="8848767" y="4869914"/>
             <a:ext cx="505607" cy="330200"/>
           </a:xfrm>
           <a:prstGeom prst="roundRect">
@@ -8267,19 +8513,28 @@
           <a:lstStyle/>
           <a:p>
             <a:pPr algn="ctr"/>
-            <a:endParaRPr lang="en-US"/>
-          </a:p>
-        </p:txBody>
-      </p:sp>
-      <p:sp>
-        <p:nvSpPr>
-          <p:cNvPr id="126" name="Rettangolo arrotondato 125"/>
+            <a:endParaRPr lang="en-US">
+              <a:latin typeface="Helvetica" panose="020B0604020202020204" pitchFamily="34" charset="0"/>
+              <a:cs typeface="Helvetica" panose="020B0604020202020204" pitchFamily="34" charset="0"/>
+            </a:endParaRPr>
+          </a:p>
+        </p:txBody>
+      </p:sp>
+      <p:sp>
+        <p:nvSpPr>
+          <p:cNvPr id="65" name="Rettangolo arrotondato 32">
+            <a:extLst>
+              <a:ext uri="{FF2B5EF4-FFF2-40B4-BE49-F238E27FC236}">
+                <a16:creationId xmlns:a16="http://schemas.microsoft.com/office/drawing/2014/main" id="{F5467ADD-8982-401D-8212-40D62EFE8C1B}"/>
+              </a:ext>
+            </a:extLst>
+          </p:cNvPr>
           <p:cNvSpPr/>
           <p:nvPr/>
         </p:nvSpPr>
         <p:spPr>
           <a:xfrm>
-            <a:off x="9806710" y="4885657"/>
+            <a:off x="8848767" y="5305947"/>
             <a:ext cx="505607" cy="330200"/>
           </a:xfrm>
           <a:prstGeom prst="roundRect">
@@ -8307,19 +8562,28 @@
           <a:lstStyle/>
           <a:p>
             <a:pPr algn="ctr"/>
-            <a:endParaRPr lang="en-US"/>
-          </a:p>
-        </p:txBody>
-      </p:sp>
-      <p:sp>
-        <p:nvSpPr>
-          <p:cNvPr id="127" name="Rettangolo arrotondato 126"/>
+            <a:endParaRPr lang="en-US">
+              <a:latin typeface="Helvetica" panose="020B0604020202020204" pitchFamily="34" charset="0"/>
+              <a:cs typeface="Helvetica" panose="020B0604020202020204" pitchFamily="34" charset="0"/>
+            </a:endParaRPr>
+          </a:p>
+        </p:txBody>
+      </p:sp>
+      <p:sp>
+        <p:nvSpPr>
+          <p:cNvPr id="66" name="Rettangolo arrotondato 33">
+            <a:extLst>
+              <a:ext uri="{FF2B5EF4-FFF2-40B4-BE49-F238E27FC236}">
+                <a16:creationId xmlns:a16="http://schemas.microsoft.com/office/drawing/2014/main" id="{BE2E1AA5-DF87-4DE9-870D-57D8F208098A}"/>
+              </a:ext>
+            </a:extLst>
+          </p:cNvPr>
           <p:cNvSpPr/>
           <p:nvPr/>
         </p:nvSpPr>
         <p:spPr>
           <a:xfrm>
-            <a:off x="9810943" y="5321690"/>
+            <a:off x="8853000" y="5741980"/>
             <a:ext cx="505607" cy="330200"/>
           </a:xfrm>
           <a:prstGeom prst="roundRect">
@@ -8347,19 +8611,28 @@
           <a:lstStyle/>
           <a:p>
             <a:pPr algn="ctr"/>
-            <a:endParaRPr lang="en-US"/>
-          </a:p>
-        </p:txBody>
-      </p:sp>
-      <p:sp>
-        <p:nvSpPr>
-          <p:cNvPr id="129" name="Rettangolo arrotondato 128"/>
+            <a:endParaRPr lang="en-US">
+              <a:latin typeface="Helvetica" panose="020B0604020202020204" pitchFamily="34" charset="0"/>
+              <a:cs typeface="Helvetica" panose="020B0604020202020204" pitchFamily="34" charset="0"/>
+            </a:endParaRPr>
+          </a:p>
+        </p:txBody>
+      </p:sp>
+      <p:sp>
+        <p:nvSpPr>
+          <p:cNvPr id="67" name="Rettangolo arrotondato 35">
+            <a:extLst>
+              <a:ext uri="{FF2B5EF4-FFF2-40B4-BE49-F238E27FC236}">
+                <a16:creationId xmlns:a16="http://schemas.microsoft.com/office/drawing/2014/main" id="{B25FD530-44F7-4D8D-AD6B-6D0C66C75B91}"/>
+              </a:ext>
+            </a:extLst>
+          </p:cNvPr>
           <p:cNvSpPr/>
           <p:nvPr/>
         </p:nvSpPr>
         <p:spPr>
           <a:xfrm>
-            <a:off x="10939352" y="4192251"/>
+            <a:off x="9981409" y="4612541"/>
             <a:ext cx="660401" cy="1334650"/>
           </a:xfrm>
           <a:prstGeom prst="roundRect">
@@ -8395,19 +8668,28 @@
           <a:lstStyle/>
           <a:p>
             <a:pPr algn="ctr"/>
-            <a:endParaRPr lang="en-US"/>
-          </a:p>
-        </p:txBody>
-      </p:sp>
-      <p:sp>
-        <p:nvSpPr>
-          <p:cNvPr id="130" name="Rettangolo arrotondato 129"/>
+            <a:endParaRPr lang="en-US">
+              <a:latin typeface="Helvetica" panose="020B0604020202020204" pitchFamily="34" charset="0"/>
+              <a:cs typeface="Helvetica" panose="020B0604020202020204" pitchFamily="34" charset="0"/>
+            </a:endParaRPr>
+          </a:p>
+        </p:txBody>
+      </p:sp>
+      <p:sp>
+        <p:nvSpPr>
+          <p:cNvPr id="68" name="Rettangolo arrotondato 36">
+            <a:extLst>
+              <a:ext uri="{FF2B5EF4-FFF2-40B4-BE49-F238E27FC236}">
+                <a16:creationId xmlns:a16="http://schemas.microsoft.com/office/drawing/2014/main" id="{CC633DF0-9953-4D09-B1C1-ACC4AA4FD4B0}"/>
+              </a:ext>
+            </a:extLst>
+          </p:cNvPr>
           <p:cNvSpPr/>
           <p:nvPr/>
         </p:nvSpPr>
         <p:spPr>
           <a:xfrm>
-            <a:off x="11018967" y="4259985"/>
+            <a:off x="10061024" y="4680275"/>
             <a:ext cx="505607" cy="330200"/>
           </a:xfrm>
           <a:prstGeom prst="roundRect">
@@ -8435,19 +8717,28 @@
           <a:lstStyle/>
           <a:p>
             <a:pPr algn="ctr"/>
-            <a:endParaRPr lang="en-US"/>
-          </a:p>
-        </p:txBody>
-      </p:sp>
-      <p:sp>
-        <p:nvSpPr>
-          <p:cNvPr id="132" name="Rettangolo arrotondato 131"/>
+            <a:endParaRPr lang="en-US">
+              <a:latin typeface="Helvetica" panose="020B0604020202020204" pitchFamily="34" charset="0"/>
+              <a:cs typeface="Helvetica" panose="020B0604020202020204" pitchFamily="34" charset="0"/>
+            </a:endParaRPr>
+          </a:p>
+        </p:txBody>
+      </p:sp>
+      <p:sp>
+        <p:nvSpPr>
+          <p:cNvPr id="69" name="Rettangolo arrotondato 37">
+            <a:extLst>
+              <a:ext uri="{FF2B5EF4-FFF2-40B4-BE49-F238E27FC236}">
+                <a16:creationId xmlns:a16="http://schemas.microsoft.com/office/drawing/2014/main" id="{B618971A-2D75-451E-BC68-BAE10413451E}"/>
+              </a:ext>
+            </a:extLst>
+          </p:cNvPr>
           <p:cNvSpPr/>
           <p:nvPr/>
         </p:nvSpPr>
         <p:spPr>
           <a:xfrm>
-            <a:off x="11014733" y="4696865"/>
+            <a:off x="10056790" y="5117155"/>
             <a:ext cx="505607" cy="330200"/>
           </a:xfrm>
           <a:prstGeom prst="roundRect">
@@ -8475,19 +8766,28 @@
           <a:lstStyle/>
           <a:p>
             <a:pPr algn="ctr"/>
-            <a:endParaRPr lang="en-US"/>
-          </a:p>
-        </p:txBody>
-      </p:sp>
-      <p:sp>
-        <p:nvSpPr>
-          <p:cNvPr id="133" name="Rettangolo arrotondato 132"/>
+            <a:endParaRPr lang="en-US">
+              <a:latin typeface="Helvetica" panose="020B0604020202020204" pitchFamily="34" charset="0"/>
+              <a:cs typeface="Helvetica" panose="020B0604020202020204" pitchFamily="34" charset="0"/>
+            </a:endParaRPr>
+          </a:p>
+        </p:txBody>
+      </p:sp>
+      <p:sp>
+        <p:nvSpPr>
+          <p:cNvPr id="70" name="Rettangolo arrotondato 38">
+            <a:extLst>
+              <a:ext uri="{FF2B5EF4-FFF2-40B4-BE49-F238E27FC236}">
+                <a16:creationId xmlns:a16="http://schemas.microsoft.com/office/drawing/2014/main" id="{225F816C-8152-4DCB-AF73-203CBF5B8B23}"/>
+              </a:ext>
+            </a:extLst>
+          </p:cNvPr>
           <p:cNvSpPr/>
           <p:nvPr/>
         </p:nvSpPr>
         <p:spPr>
           <a:xfrm>
-            <a:off x="11014733" y="5132898"/>
+            <a:off x="10056790" y="5553188"/>
             <a:ext cx="505607" cy="330200"/>
           </a:xfrm>
           <a:prstGeom prst="roundRect">
@@ -8515,22 +8815,31 @@
           <a:lstStyle/>
           <a:p>
             <a:pPr algn="ctr"/>
-            <a:endParaRPr lang="en-US"/>
+            <a:endParaRPr lang="en-US">
+              <a:latin typeface="Helvetica" panose="020B0604020202020204" pitchFamily="34" charset="0"/>
+              <a:cs typeface="Helvetica" panose="020B0604020202020204" pitchFamily="34" charset="0"/>
+            </a:endParaRPr>
           </a:p>
         </p:txBody>
       </p:sp>
       <p:cxnSp>
         <p:nvCxnSpPr>
-          <p:cNvPr id="134" name="Connettore 2 133"/>
+          <p:cNvPr id="72" name="Connettore 2 43">
+            <a:extLst>
+              <a:ext uri="{FF2B5EF4-FFF2-40B4-BE49-F238E27FC236}">
+                <a16:creationId xmlns:a16="http://schemas.microsoft.com/office/drawing/2014/main" id="{23F16F62-B040-4D3B-A2D1-85A959D745A6}"/>
+              </a:ext>
+            </a:extLst>
+          </p:cNvPr>
           <p:cNvCxnSpPr>
-            <a:stCxn id="111" idx="4"/>
-            <a:endCxn id="113" idx="1"/>
+            <a:stCxn id="50" idx="4"/>
+            <a:endCxn id="52" idx="1"/>
           </p:cNvCxnSpPr>
           <p:nvPr/>
         </p:nvCxnSpPr>
         <p:spPr>
           <a:xfrm>
-            <a:off x="6708082" y="4830608"/>
+            <a:off x="5750139" y="5250898"/>
             <a:ext cx="607200" cy="3403"/>
           </a:xfrm>
           <a:prstGeom prst="straightConnector1">
@@ -8557,16 +8866,22 @@
       </p:cxnSp>
       <p:cxnSp>
         <p:nvCxnSpPr>
-          <p:cNvPr id="135" name="Connettore 2 134"/>
+          <p:cNvPr id="73" name="Connettore 2 45">
+            <a:extLst>
+              <a:ext uri="{FF2B5EF4-FFF2-40B4-BE49-F238E27FC236}">
+                <a16:creationId xmlns:a16="http://schemas.microsoft.com/office/drawing/2014/main" id="{5391DCFB-A3F5-4C1E-A9CD-97973E014486}"/>
+              </a:ext>
+            </a:extLst>
+          </p:cNvPr>
           <p:cNvCxnSpPr>
-            <a:stCxn id="114" idx="3"/>
-            <a:endCxn id="119" idx="1"/>
+            <a:stCxn id="53" idx="3"/>
+            <a:endCxn id="58" idx="1"/>
           </p:cNvCxnSpPr>
           <p:nvPr/>
         </p:nvCxnSpPr>
         <p:spPr>
           <a:xfrm>
-            <a:off x="7900504" y="4177844"/>
+            <a:off x="6942561" y="4598134"/>
             <a:ext cx="702416" cy="0"/>
           </a:xfrm>
           <a:prstGeom prst="straightConnector1">
@@ -8598,16 +8913,22 @@
       </p:cxnSp>
       <p:cxnSp>
         <p:nvCxnSpPr>
-          <p:cNvPr id="136" name="Connettore 2 135"/>
+          <p:cNvPr id="74" name="Connettore 2 48">
+            <a:extLst>
+              <a:ext uri="{FF2B5EF4-FFF2-40B4-BE49-F238E27FC236}">
+                <a16:creationId xmlns:a16="http://schemas.microsoft.com/office/drawing/2014/main" id="{0D56D88E-373F-4055-8A83-CE54E665B21D}"/>
+              </a:ext>
+            </a:extLst>
+          </p:cNvPr>
           <p:cNvCxnSpPr>
-            <a:stCxn id="115" idx="3"/>
-            <a:endCxn id="120" idx="1"/>
+            <a:stCxn id="54" idx="3"/>
+            <a:endCxn id="59" idx="1"/>
           </p:cNvCxnSpPr>
           <p:nvPr/>
         </p:nvCxnSpPr>
         <p:spPr>
           <a:xfrm>
-            <a:off x="7896270" y="4614724"/>
+            <a:off x="6938327" y="5035014"/>
             <a:ext cx="702416" cy="0"/>
           </a:xfrm>
           <a:prstGeom prst="straightConnector1">
@@ -8639,16 +8960,22 @@
       </p:cxnSp>
       <p:cxnSp>
         <p:nvCxnSpPr>
-          <p:cNvPr id="137" name="Connettore 2 136"/>
+          <p:cNvPr id="75" name="Connettore 2 54">
+            <a:extLst>
+              <a:ext uri="{FF2B5EF4-FFF2-40B4-BE49-F238E27FC236}">
+                <a16:creationId xmlns:a16="http://schemas.microsoft.com/office/drawing/2014/main" id="{4970644E-8835-4C1B-8126-F673706C2F6A}"/>
+              </a:ext>
+            </a:extLst>
+          </p:cNvPr>
           <p:cNvCxnSpPr>
-            <a:stCxn id="116" idx="3"/>
-            <a:endCxn id="121" idx="1"/>
+            <a:stCxn id="55" idx="3"/>
+            <a:endCxn id="60" idx="1"/>
           </p:cNvCxnSpPr>
           <p:nvPr/>
         </p:nvCxnSpPr>
         <p:spPr>
           <a:xfrm>
-            <a:off x="7896270" y="5050757"/>
+            <a:off x="6938327" y="5471047"/>
             <a:ext cx="702416" cy="0"/>
           </a:xfrm>
           <a:prstGeom prst="straightConnector1">
@@ -8680,16 +9007,22 @@
       </p:cxnSp>
       <p:cxnSp>
         <p:nvCxnSpPr>
-          <p:cNvPr id="142" name="Connettore 2 141"/>
+          <p:cNvPr id="76" name="Connettore 2 55">
+            <a:extLst>
+              <a:ext uri="{FF2B5EF4-FFF2-40B4-BE49-F238E27FC236}">
+                <a16:creationId xmlns:a16="http://schemas.microsoft.com/office/drawing/2014/main" id="{9F14CDB9-800C-4C30-8CFB-8C4FDD707521}"/>
+              </a:ext>
+            </a:extLst>
+          </p:cNvPr>
           <p:cNvCxnSpPr>
-            <a:stCxn id="117" idx="3"/>
-            <a:endCxn id="122" idx="1"/>
+            <a:stCxn id="56" idx="3"/>
+            <a:endCxn id="61" idx="1"/>
           </p:cNvCxnSpPr>
           <p:nvPr/>
         </p:nvCxnSpPr>
         <p:spPr>
           <a:xfrm>
-            <a:off x="7900503" y="5486790"/>
+            <a:off x="6942560" y="5907080"/>
             <a:ext cx="702416" cy="0"/>
           </a:xfrm>
           <a:prstGeom prst="straightConnector1">
@@ -8721,16 +9054,22 @@
       </p:cxnSp>
       <p:cxnSp>
         <p:nvCxnSpPr>
-          <p:cNvPr id="143" name="Connettore 2 142"/>
+          <p:cNvPr id="77" name="Connettore 2 62">
+            <a:extLst>
+              <a:ext uri="{FF2B5EF4-FFF2-40B4-BE49-F238E27FC236}">
+                <a16:creationId xmlns:a16="http://schemas.microsoft.com/office/drawing/2014/main" id="{BEC1F216-3B34-4B9A-BECF-F1D743CDBE68}"/>
+              </a:ext>
+            </a:extLst>
+          </p:cNvPr>
           <p:cNvCxnSpPr>
-            <a:stCxn id="119" idx="3"/>
-            <a:endCxn id="124" idx="1"/>
+            <a:stCxn id="58" idx="3"/>
+            <a:endCxn id="63" idx="1"/>
           </p:cNvCxnSpPr>
           <p:nvPr/>
         </p:nvCxnSpPr>
         <p:spPr>
           <a:xfrm>
-            <a:off x="9108527" y="4177844"/>
+            <a:off x="8150584" y="4598134"/>
             <a:ext cx="702416" cy="0"/>
           </a:xfrm>
           <a:prstGeom prst="straightConnector1">
@@ -8762,16 +9101,22 @@
       </p:cxnSp>
       <p:cxnSp>
         <p:nvCxnSpPr>
-          <p:cNvPr id="144" name="Connettore 2 143"/>
+          <p:cNvPr id="78" name="Connettore 2 63">
+            <a:extLst>
+              <a:ext uri="{FF2B5EF4-FFF2-40B4-BE49-F238E27FC236}">
+                <a16:creationId xmlns:a16="http://schemas.microsoft.com/office/drawing/2014/main" id="{06B3B9A1-D23F-4452-A28E-5624E59F91A5}"/>
+              </a:ext>
+            </a:extLst>
+          </p:cNvPr>
           <p:cNvCxnSpPr>
-            <a:stCxn id="120" idx="3"/>
-            <a:endCxn id="125" idx="1"/>
+            <a:stCxn id="59" idx="3"/>
+            <a:endCxn id="64" idx="1"/>
           </p:cNvCxnSpPr>
           <p:nvPr/>
         </p:nvCxnSpPr>
         <p:spPr>
           <a:xfrm>
-            <a:off x="9104293" y="4614724"/>
+            <a:off x="8146350" y="5035014"/>
             <a:ext cx="702416" cy="0"/>
           </a:xfrm>
           <a:prstGeom prst="straightConnector1">
@@ -8803,16 +9148,22 @@
       </p:cxnSp>
       <p:cxnSp>
         <p:nvCxnSpPr>
-          <p:cNvPr id="145" name="Connettore 2 144"/>
+          <p:cNvPr id="79" name="Connettore 2 64">
+            <a:extLst>
+              <a:ext uri="{FF2B5EF4-FFF2-40B4-BE49-F238E27FC236}">
+                <a16:creationId xmlns:a16="http://schemas.microsoft.com/office/drawing/2014/main" id="{CC9984AC-23B9-4F53-A5A2-E6161294FF81}"/>
+              </a:ext>
+            </a:extLst>
+          </p:cNvPr>
           <p:cNvCxnSpPr>
-            <a:stCxn id="121" idx="3"/>
-            <a:endCxn id="126" idx="1"/>
+            <a:stCxn id="60" idx="3"/>
+            <a:endCxn id="65" idx="1"/>
           </p:cNvCxnSpPr>
           <p:nvPr/>
         </p:nvCxnSpPr>
         <p:spPr>
           <a:xfrm>
-            <a:off x="9104293" y="5050757"/>
+            <a:off x="8146350" y="5471047"/>
             <a:ext cx="702416" cy="0"/>
           </a:xfrm>
           <a:prstGeom prst="straightConnector1">
@@ -8844,16 +9195,22 @@
       </p:cxnSp>
       <p:cxnSp>
         <p:nvCxnSpPr>
-          <p:cNvPr id="146" name="Connettore 2 145"/>
+          <p:cNvPr id="80" name="Connettore 2 65">
+            <a:extLst>
+              <a:ext uri="{FF2B5EF4-FFF2-40B4-BE49-F238E27FC236}">
+                <a16:creationId xmlns:a16="http://schemas.microsoft.com/office/drawing/2014/main" id="{C05C9E4F-01BA-4223-8919-2E98158DE8EE}"/>
+              </a:ext>
+            </a:extLst>
+          </p:cNvPr>
           <p:cNvCxnSpPr>
-            <a:stCxn id="122" idx="3"/>
-            <a:endCxn id="127" idx="1"/>
+            <a:stCxn id="61" idx="3"/>
+            <a:endCxn id="66" idx="1"/>
           </p:cNvCxnSpPr>
           <p:nvPr/>
         </p:nvCxnSpPr>
         <p:spPr>
           <a:xfrm>
-            <a:off x="9108526" y="5486790"/>
+            <a:off x="8150583" y="5907080"/>
             <a:ext cx="702416" cy="0"/>
           </a:xfrm>
           <a:prstGeom prst="straightConnector1">
@@ -8885,16 +9242,22 @@
       </p:cxnSp>
       <p:cxnSp>
         <p:nvCxnSpPr>
-          <p:cNvPr id="147" name="Connettore 2 146"/>
+          <p:cNvPr id="81" name="Connettore 2 66">
+            <a:extLst>
+              <a:ext uri="{FF2B5EF4-FFF2-40B4-BE49-F238E27FC236}">
+                <a16:creationId xmlns:a16="http://schemas.microsoft.com/office/drawing/2014/main" id="{A4858875-96DC-4277-BD6E-74DA3C990B2C}"/>
+              </a:ext>
+            </a:extLst>
+          </p:cNvPr>
           <p:cNvCxnSpPr>
-            <a:stCxn id="124" idx="3"/>
-            <a:endCxn id="130" idx="1"/>
+            <a:stCxn id="63" idx="3"/>
+            <a:endCxn id="68" idx="1"/>
           </p:cNvCxnSpPr>
           <p:nvPr/>
         </p:nvCxnSpPr>
         <p:spPr>
           <a:xfrm>
-            <a:off x="10316550" y="4177845"/>
+            <a:off x="9358607" y="4598135"/>
             <a:ext cx="702416" cy="247241"/>
           </a:xfrm>
           <a:prstGeom prst="straightConnector1">
@@ -8926,16 +9289,22 @@
       </p:cxnSp>
       <p:cxnSp>
         <p:nvCxnSpPr>
-          <p:cNvPr id="148" name="Connettore 2 147"/>
+          <p:cNvPr id="82" name="Connettore 2 67">
+            <a:extLst>
+              <a:ext uri="{FF2B5EF4-FFF2-40B4-BE49-F238E27FC236}">
+                <a16:creationId xmlns:a16="http://schemas.microsoft.com/office/drawing/2014/main" id="{ECB95E6F-7FC2-44DC-82FD-6DB307061298}"/>
+              </a:ext>
+            </a:extLst>
+          </p:cNvPr>
           <p:cNvCxnSpPr>
-            <a:stCxn id="125" idx="3"/>
-            <a:endCxn id="130" idx="1"/>
+            <a:stCxn id="64" idx="3"/>
+            <a:endCxn id="68" idx="1"/>
           </p:cNvCxnSpPr>
           <p:nvPr/>
         </p:nvCxnSpPr>
         <p:spPr>
           <a:xfrm flipV="1">
-            <a:off x="10312316" y="4425086"/>
+            <a:off x="9354373" y="4845376"/>
             <a:ext cx="706650" cy="189639"/>
           </a:xfrm>
           <a:prstGeom prst="straightConnector1">
@@ -8967,16 +9336,22 @@
       </p:cxnSp>
       <p:cxnSp>
         <p:nvCxnSpPr>
-          <p:cNvPr id="149" name="Connettore 2 148"/>
+          <p:cNvPr id="83" name="Connettore 2 68">
+            <a:extLst>
+              <a:ext uri="{FF2B5EF4-FFF2-40B4-BE49-F238E27FC236}">
+                <a16:creationId xmlns:a16="http://schemas.microsoft.com/office/drawing/2014/main" id="{159A5B43-FA67-472F-BAE1-5143219884C9}"/>
+              </a:ext>
+            </a:extLst>
+          </p:cNvPr>
           <p:cNvCxnSpPr>
-            <a:stCxn id="126" idx="3"/>
-            <a:endCxn id="130" idx="1"/>
+            <a:stCxn id="65" idx="3"/>
+            <a:endCxn id="68" idx="1"/>
           </p:cNvCxnSpPr>
           <p:nvPr/>
         </p:nvCxnSpPr>
         <p:spPr>
           <a:xfrm flipV="1">
-            <a:off x="10312316" y="4425085"/>
+            <a:off x="9354373" y="4845375"/>
             <a:ext cx="706650" cy="625672"/>
           </a:xfrm>
           <a:prstGeom prst="straightConnector1">
@@ -9008,16 +9383,22 @@
       </p:cxnSp>
       <p:cxnSp>
         <p:nvCxnSpPr>
-          <p:cNvPr id="150" name="Connettore 2 149"/>
+          <p:cNvPr id="84" name="Connettore 2 69">
+            <a:extLst>
+              <a:ext uri="{FF2B5EF4-FFF2-40B4-BE49-F238E27FC236}">
+                <a16:creationId xmlns:a16="http://schemas.microsoft.com/office/drawing/2014/main" id="{69853DB4-5505-4D49-A27E-0C1833AE1658}"/>
+              </a:ext>
+            </a:extLst>
+          </p:cNvPr>
           <p:cNvCxnSpPr>
-            <a:stCxn id="127" idx="3"/>
-            <a:endCxn id="130" idx="1"/>
+            <a:stCxn id="66" idx="3"/>
+            <a:endCxn id="68" idx="1"/>
           </p:cNvCxnSpPr>
           <p:nvPr/>
         </p:nvCxnSpPr>
         <p:spPr>
           <a:xfrm flipV="1">
-            <a:off x="10316550" y="4425086"/>
+            <a:off x="9358607" y="4845376"/>
             <a:ext cx="702417" cy="1061705"/>
           </a:xfrm>
           <a:prstGeom prst="straightConnector1">
@@ -9049,16 +9430,22 @@
       </p:cxnSp>
       <p:cxnSp>
         <p:nvCxnSpPr>
-          <p:cNvPr id="151" name="Connettore 2 150"/>
+          <p:cNvPr id="85" name="Connettore 2 90">
+            <a:extLst>
+              <a:ext uri="{FF2B5EF4-FFF2-40B4-BE49-F238E27FC236}">
+                <a16:creationId xmlns:a16="http://schemas.microsoft.com/office/drawing/2014/main" id="{D1D5443C-C6DB-41F9-BAA9-C1C579EDB9B4}"/>
+              </a:ext>
+            </a:extLst>
+          </p:cNvPr>
           <p:cNvCxnSpPr>
-            <a:stCxn id="124" idx="3"/>
-            <a:endCxn id="132" idx="1"/>
+            <a:stCxn id="63" idx="3"/>
+            <a:endCxn id="69" idx="1"/>
           </p:cNvCxnSpPr>
           <p:nvPr/>
         </p:nvCxnSpPr>
         <p:spPr>
           <a:xfrm>
-            <a:off x="10316550" y="4177845"/>
+            <a:off x="9358607" y="4598135"/>
             <a:ext cx="698182" cy="684121"/>
           </a:xfrm>
           <a:prstGeom prst="straightConnector1">
@@ -9090,16 +9477,22 @@
       </p:cxnSp>
       <p:cxnSp>
         <p:nvCxnSpPr>
-          <p:cNvPr id="152" name="Connettore 2 151"/>
+          <p:cNvPr id="86" name="Connettore 2 91">
+            <a:extLst>
+              <a:ext uri="{FF2B5EF4-FFF2-40B4-BE49-F238E27FC236}">
+                <a16:creationId xmlns:a16="http://schemas.microsoft.com/office/drawing/2014/main" id="{A95D6141-5421-4033-857E-31C370031241}"/>
+              </a:ext>
+            </a:extLst>
+          </p:cNvPr>
           <p:cNvCxnSpPr>
-            <a:stCxn id="125" idx="3"/>
-            <a:endCxn id="132" idx="1"/>
+            <a:stCxn id="64" idx="3"/>
+            <a:endCxn id="69" idx="1"/>
           </p:cNvCxnSpPr>
           <p:nvPr/>
         </p:nvCxnSpPr>
         <p:spPr>
           <a:xfrm>
-            <a:off x="10312316" y="4614725"/>
+            <a:off x="9354373" y="5035015"/>
             <a:ext cx="702416" cy="247241"/>
           </a:xfrm>
           <a:prstGeom prst="straightConnector1">
@@ -9131,16 +9524,22 @@
       </p:cxnSp>
       <p:cxnSp>
         <p:nvCxnSpPr>
-          <p:cNvPr id="153" name="Connettore 2 152"/>
+          <p:cNvPr id="87" name="Connettore 2 92">
+            <a:extLst>
+              <a:ext uri="{FF2B5EF4-FFF2-40B4-BE49-F238E27FC236}">
+                <a16:creationId xmlns:a16="http://schemas.microsoft.com/office/drawing/2014/main" id="{82F96044-0FB9-4CA0-96D3-0E27A0CCCAFB}"/>
+              </a:ext>
+            </a:extLst>
+          </p:cNvPr>
           <p:cNvCxnSpPr>
-            <a:stCxn id="126" idx="3"/>
-            <a:endCxn id="133" idx="1"/>
+            <a:stCxn id="65" idx="3"/>
+            <a:endCxn id="70" idx="1"/>
           </p:cNvCxnSpPr>
           <p:nvPr/>
         </p:nvCxnSpPr>
         <p:spPr>
           <a:xfrm>
-            <a:off x="10312316" y="5050758"/>
+            <a:off x="9354373" y="5471048"/>
             <a:ext cx="702416" cy="247241"/>
           </a:xfrm>
           <a:prstGeom prst="straightConnector1">
@@ -9172,16 +9571,22 @@
       </p:cxnSp>
       <p:cxnSp>
         <p:nvCxnSpPr>
-          <p:cNvPr id="154" name="Connettore 2 153"/>
+          <p:cNvPr id="88" name="Connettore 2 93">
+            <a:extLst>
+              <a:ext uri="{FF2B5EF4-FFF2-40B4-BE49-F238E27FC236}">
+                <a16:creationId xmlns:a16="http://schemas.microsoft.com/office/drawing/2014/main" id="{C9205925-8D1A-409E-8F16-2C7B8C66CBD6}"/>
+              </a:ext>
+            </a:extLst>
+          </p:cNvPr>
           <p:cNvCxnSpPr>
-            <a:stCxn id="127" idx="3"/>
-            <a:endCxn id="132" idx="1"/>
+            <a:stCxn id="66" idx="3"/>
+            <a:endCxn id="69" idx="1"/>
           </p:cNvCxnSpPr>
           <p:nvPr/>
         </p:nvCxnSpPr>
         <p:spPr>
           <a:xfrm flipV="1">
-            <a:off x="10316550" y="4861966"/>
+            <a:off x="9358607" y="5282256"/>
             <a:ext cx="698183" cy="624825"/>
           </a:xfrm>
           <a:prstGeom prst="straightConnector1">
@@ -9213,16 +9618,22 @@
       </p:cxnSp>
       <p:cxnSp>
         <p:nvCxnSpPr>
-          <p:cNvPr id="155" name="Connettore 2 154"/>
+          <p:cNvPr id="89" name="Connettore 2 95">
+            <a:extLst>
+              <a:ext uri="{FF2B5EF4-FFF2-40B4-BE49-F238E27FC236}">
+                <a16:creationId xmlns:a16="http://schemas.microsoft.com/office/drawing/2014/main" id="{71AE6E34-6907-424C-AAEE-EB4D3A1D8A17}"/>
+              </a:ext>
+            </a:extLst>
+          </p:cNvPr>
           <p:cNvCxnSpPr>
-            <a:stCxn id="125" idx="3"/>
-            <a:endCxn id="133" idx="1"/>
+            <a:stCxn id="64" idx="3"/>
+            <a:endCxn id="70" idx="1"/>
           </p:cNvCxnSpPr>
           <p:nvPr/>
         </p:nvCxnSpPr>
         <p:spPr>
           <a:xfrm>
-            <a:off x="10312316" y="4614724"/>
+            <a:off x="9354373" y="5035014"/>
             <a:ext cx="702416" cy="683274"/>
           </a:xfrm>
           <a:prstGeom prst="straightConnector1">
@@ -9254,16 +9665,22 @@
       </p:cxnSp>
       <p:cxnSp>
         <p:nvCxnSpPr>
-          <p:cNvPr id="156" name="Connettore 2 155"/>
+          <p:cNvPr id="90" name="Connettore 2 96">
+            <a:extLst>
+              <a:ext uri="{FF2B5EF4-FFF2-40B4-BE49-F238E27FC236}">
+                <a16:creationId xmlns:a16="http://schemas.microsoft.com/office/drawing/2014/main" id="{383E16B6-B1BB-483B-881A-3846967AE0A9}"/>
+              </a:ext>
+            </a:extLst>
+          </p:cNvPr>
           <p:cNvCxnSpPr>
-            <a:stCxn id="126" idx="3"/>
-            <a:endCxn id="132" idx="1"/>
+            <a:stCxn id="65" idx="3"/>
+            <a:endCxn id="69" idx="1"/>
           </p:cNvCxnSpPr>
           <p:nvPr/>
         </p:nvCxnSpPr>
         <p:spPr>
           <a:xfrm flipV="1">
-            <a:off x="10312316" y="4861965"/>
+            <a:off x="9354373" y="5282255"/>
             <a:ext cx="702416" cy="188792"/>
           </a:xfrm>
           <a:prstGeom prst="straightConnector1">
@@ -9295,16 +9712,22 @@
       </p:cxnSp>
       <p:cxnSp>
         <p:nvCxnSpPr>
-          <p:cNvPr id="157" name="Connettore 2 156"/>
+          <p:cNvPr id="91" name="Connettore 2 97">
+            <a:extLst>
+              <a:ext uri="{FF2B5EF4-FFF2-40B4-BE49-F238E27FC236}">
+                <a16:creationId xmlns:a16="http://schemas.microsoft.com/office/drawing/2014/main" id="{5F6D7E51-E94A-4CE3-B7A9-12AB1E64ACA5}"/>
+              </a:ext>
+            </a:extLst>
+          </p:cNvPr>
           <p:cNvCxnSpPr>
-            <a:stCxn id="127" idx="3"/>
-            <a:endCxn id="133" idx="1"/>
+            <a:stCxn id="66" idx="3"/>
+            <a:endCxn id="70" idx="1"/>
           </p:cNvCxnSpPr>
           <p:nvPr/>
         </p:nvCxnSpPr>
         <p:spPr>
           <a:xfrm flipV="1">
-            <a:off x="10316550" y="5297998"/>
+            <a:off x="9358607" y="5718288"/>
             <a:ext cx="698183" cy="188792"/>
           </a:xfrm>
           <a:prstGeom prst="straightConnector1">
@@ -9336,16 +9759,22 @@
       </p:cxnSp>
       <p:cxnSp>
         <p:nvCxnSpPr>
-          <p:cNvPr id="158" name="Connettore 2 157"/>
+          <p:cNvPr id="92" name="Connettore 2 127">
+            <a:extLst>
+              <a:ext uri="{FF2B5EF4-FFF2-40B4-BE49-F238E27FC236}">
+                <a16:creationId xmlns:a16="http://schemas.microsoft.com/office/drawing/2014/main" id="{11A27563-199A-4D38-A084-A8CB5E67EB3F}"/>
+              </a:ext>
+            </a:extLst>
+          </p:cNvPr>
           <p:cNvCxnSpPr>
-            <a:stCxn id="124" idx="3"/>
-            <a:endCxn id="133" idx="1"/>
+            <a:stCxn id="63" idx="3"/>
+            <a:endCxn id="70" idx="1"/>
           </p:cNvCxnSpPr>
           <p:nvPr/>
         </p:nvCxnSpPr>
         <p:spPr>
           <a:xfrm>
-            <a:off x="10316550" y="4177844"/>
+            <a:off x="9358607" y="4598134"/>
             <a:ext cx="698182" cy="1120154"/>
           </a:xfrm>
           <a:prstGeom prst="straightConnector1">
@@ -9377,14 +9806,20 @@
       </p:cxnSp>
       <p:sp>
         <p:nvSpPr>
-          <p:cNvPr id="159" name="CasellaDiTesto 158"/>
+          <p:cNvPr id="94" name="CasellaDiTesto 137">
+            <a:extLst>
+              <a:ext uri="{FF2B5EF4-FFF2-40B4-BE49-F238E27FC236}">
+                <a16:creationId xmlns:a16="http://schemas.microsoft.com/office/drawing/2014/main" id="{198819F1-39E5-4F2D-BFB9-379B2A0AC180}"/>
+              </a:ext>
+            </a:extLst>
+          </p:cNvPr>
           <p:cNvSpPr txBox="1"/>
           <p:nvPr/>
         </p:nvSpPr>
         <p:spPr>
           <a:xfrm>
-            <a:off x="8432304" y="5728540"/>
-            <a:ext cx="838371" cy="338554"/>
+            <a:off x="7464583" y="6148830"/>
+            <a:ext cx="857927" cy="338554"/>
           </a:xfrm>
           <a:prstGeom prst="rect">
             <a:avLst/>
@@ -9399,23 +9834,35 @@
           <a:p>
             <a:pPr algn="ctr"/>
             <a:r>
-              <a:rPr lang="en-US" sz="1600" dirty="0" err="1"/>
+              <a:rPr lang="en-US" sz="1600" dirty="0" err="1">
+                <a:latin typeface="Helvetica" panose="020B0604020202020204" pitchFamily="34" charset="0"/>
+                <a:cs typeface="Helvetica" panose="020B0604020202020204" pitchFamily="34" charset="0"/>
+              </a:rPr>
               <a:t>flatMap</a:t>
             </a:r>
-            <a:endParaRPr lang="en-US" sz="1600" dirty="0"/>
-          </a:p>
-        </p:txBody>
-      </p:sp>
-      <p:sp>
-        <p:nvSpPr>
-          <p:cNvPr id="160" name="CasellaDiTesto 159"/>
+            <a:endParaRPr lang="en-US" sz="1600" dirty="0">
+              <a:latin typeface="Helvetica" panose="020B0604020202020204" pitchFamily="34" charset="0"/>
+              <a:cs typeface="Helvetica" panose="020B0604020202020204" pitchFamily="34" charset="0"/>
+            </a:endParaRPr>
+          </a:p>
+        </p:txBody>
+      </p:sp>
+      <p:sp>
+        <p:nvSpPr>
+          <p:cNvPr id="95" name="CasellaDiTesto 138">
+            <a:extLst>
+              <a:ext uri="{FF2B5EF4-FFF2-40B4-BE49-F238E27FC236}">
+                <a16:creationId xmlns:a16="http://schemas.microsoft.com/office/drawing/2014/main" id="{F62F6B2A-F940-4BCF-B62A-AF23B927F7B9}"/>
+              </a:ext>
+            </a:extLst>
+          </p:cNvPr>
           <p:cNvSpPr txBox="1"/>
           <p:nvPr/>
         </p:nvSpPr>
         <p:spPr>
           <a:xfrm>
-            <a:off x="9782834" y="5734030"/>
-            <a:ext cx="553357" cy="338554"/>
+            <a:off x="8809663" y="6154320"/>
+            <a:ext cx="583814" cy="338554"/>
           </a:xfrm>
           <a:prstGeom prst="rect">
             <a:avLst/>
@@ -9430,7 +9877,10 @@
           <a:p>
             <a:pPr algn="ctr"/>
             <a:r>
-              <a:rPr lang="en-US" sz="1600" dirty="0"/>
+              <a:rPr lang="en-US" sz="1600" dirty="0">
+                <a:latin typeface="Helvetica" panose="020B0604020202020204" pitchFamily="34" charset="0"/>
+                <a:cs typeface="Helvetica" panose="020B0604020202020204" pitchFamily="34" charset="0"/>
+              </a:rPr>
               <a:t>map</a:t>
             </a:r>
           </a:p>
@@ -9438,14 +9888,20 @@
       </p:sp>
       <p:sp>
         <p:nvSpPr>
-          <p:cNvPr id="161" name="CasellaDiTesto 160"/>
+          <p:cNvPr id="96" name="CasellaDiTesto 139">
+            <a:extLst>
+              <a:ext uri="{FF2B5EF4-FFF2-40B4-BE49-F238E27FC236}">
+                <a16:creationId xmlns:a16="http://schemas.microsoft.com/office/drawing/2014/main" id="{81F1A657-522F-4F85-8D4C-8A7826896841}"/>
+              </a:ext>
+            </a:extLst>
+          </p:cNvPr>
           <p:cNvSpPr txBox="1"/>
           <p:nvPr/>
         </p:nvSpPr>
         <p:spPr>
           <a:xfrm>
-            <a:off x="10889448" y="5579797"/>
-            <a:ext cx="760657" cy="584775"/>
+            <a:off x="9906113" y="6000087"/>
+            <a:ext cx="811441" cy="584775"/>
           </a:xfrm>
           <a:prstGeom prst="rect">
             <a:avLst/>
@@ -9460,17 +9916,29 @@
           <a:p>
             <a:pPr algn="ctr"/>
             <a:r>
-              <a:rPr lang="en-US" sz="1600" dirty="0"/>
+              <a:rPr lang="en-US" sz="1600" dirty="0">
+                <a:latin typeface="Helvetica" panose="020B0604020202020204" pitchFamily="34" charset="0"/>
+                <a:cs typeface="Helvetica" panose="020B0604020202020204" pitchFamily="34" charset="0"/>
+              </a:rPr>
               <a:t>reduce</a:t>
             </a:r>
             <a:br>
-              <a:rPr lang="en-US" sz="1600" dirty="0"/>
+              <a:rPr lang="en-US" sz="1600" dirty="0">
+                <a:latin typeface="Helvetica" panose="020B0604020202020204" pitchFamily="34" charset="0"/>
+                <a:cs typeface="Helvetica" panose="020B0604020202020204" pitchFamily="34" charset="0"/>
+              </a:rPr>
             </a:br>
             <a:r>
-              <a:rPr lang="en-US" sz="1600" dirty="0" err="1"/>
+              <a:rPr lang="en-US" sz="1600" dirty="0" err="1">
+                <a:latin typeface="Helvetica" panose="020B0604020202020204" pitchFamily="34" charset="0"/>
+                <a:cs typeface="Helvetica" panose="020B0604020202020204" pitchFamily="34" charset="0"/>
+              </a:rPr>
               <a:t>ByKey</a:t>
             </a:r>
-            <a:endParaRPr lang="en-US" sz="1600" dirty="0"/>
+            <a:endParaRPr lang="en-US" sz="1600" dirty="0">
+              <a:latin typeface="Helvetica" panose="020B0604020202020204" pitchFamily="34" charset="0"/>
+              <a:cs typeface="Helvetica" panose="020B0604020202020204" pitchFamily="34" charset="0"/>
+            </a:endParaRPr>
           </a:p>
         </p:txBody>
       </p:sp>
@@ -9718,7 +10186,10 @@
           <a:lstStyle/>
           <a:p>
             <a:pPr algn="ctr"/>
-            <a:endParaRPr lang="en-US"/>
+            <a:endParaRPr lang="en-US">
+              <a:latin typeface="Helvetica" panose="020B0604020202020204" pitchFamily="34" charset="0"/>
+              <a:cs typeface="Helvetica" panose="020B0604020202020204" pitchFamily="34" charset="0"/>
+            </a:endParaRPr>
           </a:p>
         </p:txBody>
       </p:sp>
@@ -9730,8 +10201,8 @@
         </p:nvSpPr>
         <p:spPr>
           <a:xfrm>
-            <a:off x="6286151" y="6154320"/>
-            <a:ext cx="798745" cy="338554"/>
+            <a:off x="6262972" y="6154320"/>
+            <a:ext cx="845103" cy="338554"/>
           </a:xfrm>
           <a:prstGeom prst="rect">
             <a:avLst/>
@@ -9746,10 +10217,16 @@
           <a:p>
             <a:pPr algn="ctr"/>
             <a:r>
-              <a:rPr lang="en-US" sz="1600" dirty="0" err="1"/>
+              <a:rPr lang="en-US" sz="1600" dirty="0" err="1">
+                <a:latin typeface="Helvetica" panose="020B0604020202020204" pitchFamily="34" charset="0"/>
+                <a:cs typeface="Helvetica" panose="020B0604020202020204" pitchFamily="34" charset="0"/>
+              </a:rPr>
               <a:t>textFile</a:t>
             </a:r>
-            <a:endParaRPr lang="en-US" sz="1600" dirty="0"/>
+            <a:endParaRPr lang="en-US" sz="1600" dirty="0">
+              <a:latin typeface="Helvetica" panose="020B0604020202020204" pitchFamily="34" charset="0"/>
+              <a:cs typeface="Helvetica" panose="020B0604020202020204" pitchFamily="34" charset="0"/>
+            </a:endParaRPr>
           </a:p>
         </p:txBody>
       </p:sp>
@@ -9797,7 +10274,10 @@
           <a:lstStyle/>
           <a:p>
             <a:pPr algn="ctr"/>
-            <a:endParaRPr lang="en-US"/>
+            <a:endParaRPr lang="en-US">
+              <a:latin typeface="Helvetica" panose="020B0604020202020204" pitchFamily="34" charset="0"/>
+              <a:cs typeface="Helvetica" panose="020B0604020202020204" pitchFamily="34" charset="0"/>
+            </a:endParaRPr>
           </a:p>
         </p:txBody>
       </p:sp>
@@ -9837,7 +10317,10 @@
           <a:lstStyle/>
           <a:p>
             <a:pPr algn="ctr"/>
-            <a:endParaRPr lang="en-US"/>
+            <a:endParaRPr lang="en-US">
+              <a:latin typeface="Helvetica" panose="020B0604020202020204" pitchFamily="34" charset="0"/>
+              <a:cs typeface="Helvetica" panose="020B0604020202020204" pitchFamily="34" charset="0"/>
+            </a:endParaRPr>
           </a:p>
         </p:txBody>
       </p:sp>
@@ -9877,7 +10360,10 @@
           <a:lstStyle/>
           <a:p>
             <a:pPr algn="ctr"/>
-            <a:endParaRPr lang="en-US"/>
+            <a:endParaRPr lang="en-US">
+              <a:latin typeface="Helvetica" panose="020B0604020202020204" pitchFamily="34" charset="0"/>
+              <a:cs typeface="Helvetica" panose="020B0604020202020204" pitchFamily="34" charset="0"/>
+            </a:endParaRPr>
           </a:p>
         </p:txBody>
       </p:sp>
@@ -9917,7 +10403,10 @@
           <a:lstStyle/>
           <a:p>
             <a:pPr algn="ctr"/>
-            <a:endParaRPr lang="en-US"/>
+            <a:endParaRPr lang="en-US">
+              <a:latin typeface="Helvetica" panose="020B0604020202020204" pitchFamily="34" charset="0"/>
+              <a:cs typeface="Helvetica" panose="020B0604020202020204" pitchFamily="34" charset="0"/>
+            </a:endParaRPr>
           </a:p>
         </p:txBody>
       </p:sp>
@@ -9957,7 +10446,10 @@
           <a:lstStyle/>
           <a:p>
             <a:pPr algn="ctr"/>
-            <a:endParaRPr lang="en-US"/>
+            <a:endParaRPr lang="en-US">
+              <a:latin typeface="Helvetica" panose="020B0604020202020204" pitchFamily="34" charset="0"/>
+              <a:cs typeface="Helvetica" panose="020B0604020202020204" pitchFamily="34" charset="0"/>
+            </a:endParaRPr>
           </a:p>
         </p:txBody>
       </p:sp>
@@ -10005,7 +10497,10 @@
           <a:lstStyle/>
           <a:p>
             <a:pPr algn="ctr"/>
-            <a:endParaRPr lang="en-US"/>
+            <a:endParaRPr lang="en-US">
+              <a:latin typeface="Helvetica" panose="020B0604020202020204" pitchFamily="34" charset="0"/>
+              <a:cs typeface="Helvetica" panose="020B0604020202020204" pitchFamily="34" charset="0"/>
+            </a:endParaRPr>
           </a:p>
         </p:txBody>
       </p:sp>
@@ -10045,7 +10540,10 @@
           <a:lstStyle/>
           <a:p>
             <a:pPr algn="ctr"/>
-            <a:endParaRPr lang="en-US"/>
+            <a:endParaRPr lang="en-US">
+              <a:latin typeface="Helvetica" panose="020B0604020202020204" pitchFamily="34" charset="0"/>
+              <a:cs typeface="Helvetica" panose="020B0604020202020204" pitchFamily="34" charset="0"/>
+            </a:endParaRPr>
           </a:p>
         </p:txBody>
       </p:sp>
@@ -10085,7 +10583,10 @@
           <a:lstStyle/>
           <a:p>
             <a:pPr algn="ctr"/>
-            <a:endParaRPr lang="en-US"/>
+            <a:endParaRPr lang="en-US">
+              <a:latin typeface="Helvetica" panose="020B0604020202020204" pitchFamily="34" charset="0"/>
+              <a:cs typeface="Helvetica" panose="020B0604020202020204" pitchFamily="34" charset="0"/>
+            </a:endParaRPr>
           </a:p>
         </p:txBody>
       </p:sp>
@@ -10125,7 +10626,10 @@
           <a:lstStyle/>
           <a:p>
             <a:pPr algn="ctr"/>
-            <a:endParaRPr lang="en-US"/>
+            <a:endParaRPr lang="en-US">
+              <a:latin typeface="Helvetica" panose="020B0604020202020204" pitchFamily="34" charset="0"/>
+              <a:cs typeface="Helvetica" panose="020B0604020202020204" pitchFamily="34" charset="0"/>
+            </a:endParaRPr>
           </a:p>
         </p:txBody>
       </p:sp>
@@ -10165,7 +10669,10 @@
           <a:lstStyle/>
           <a:p>
             <a:pPr algn="ctr"/>
-            <a:endParaRPr lang="en-US"/>
+            <a:endParaRPr lang="en-US">
+              <a:latin typeface="Helvetica" panose="020B0604020202020204" pitchFamily="34" charset="0"/>
+              <a:cs typeface="Helvetica" panose="020B0604020202020204" pitchFamily="34" charset="0"/>
+            </a:endParaRPr>
           </a:p>
         </p:txBody>
       </p:sp>
@@ -10213,7 +10720,10 @@
           <a:lstStyle/>
           <a:p>
             <a:pPr algn="ctr"/>
-            <a:endParaRPr lang="en-US"/>
+            <a:endParaRPr lang="en-US">
+              <a:latin typeface="Helvetica" panose="020B0604020202020204" pitchFamily="34" charset="0"/>
+              <a:cs typeface="Helvetica" panose="020B0604020202020204" pitchFamily="34" charset="0"/>
+            </a:endParaRPr>
           </a:p>
         </p:txBody>
       </p:sp>
@@ -10253,7 +10763,10 @@
           <a:lstStyle/>
           <a:p>
             <a:pPr algn="ctr"/>
-            <a:endParaRPr lang="en-US"/>
+            <a:endParaRPr lang="en-US">
+              <a:latin typeface="Helvetica" panose="020B0604020202020204" pitchFamily="34" charset="0"/>
+              <a:cs typeface="Helvetica" panose="020B0604020202020204" pitchFamily="34" charset="0"/>
+            </a:endParaRPr>
           </a:p>
         </p:txBody>
       </p:sp>
@@ -10293,7 +10806,10 @@
           <a:lstStyle/>
           <a:p>
             <a:pPr algn="ctr"/>
-            <a:endParaRPr lang="en-US"/>
+            <a:endParaRPr lang="en-US">
+              <a:latin typeface="Helvetica" panose="020B0604020202020204" pitchFamily="34" charset="0"/>
+              <a:cs typeface="Helvetica" panose="020B0604020202020204" pitchFamily="34" charset="0"/>
+            </a:endParaRPr>
           </a:p>
         </p:txBody>
       </p:sp>
@@ -10333,7 +10849,10 @@
           <a:lstStyle/>
           <a:p>
             <a:pPr algn="ctr"/>
-            <a:endParaRPr lang="en-US"/>
+            <a:endParaRPr lang="en-US">
+              <a:latin typeface="Helvetica" panose="020B0604020202020204" pitchFamily="34" charset="0"/>
+              <a:cs typeface="Helvetica" panose="020B0604020202020204" pitchFamily="34" charset="0"/>
+            </a:endParaRPr>
           </a:p>
         </p:txBody>
       </p:sp>
@@ -10373,7 +10892,10 @@
           <a:lstStyle/>
           <a:p>
             <a:pPr algn="ctr"/>
-            <a:endParaRPr lang="en-US"/>
+            <a:endParaRPr lang="en-US">
+              <a:latin typeface="Helvetica" panose="020B0604020202020204" pitchFamily="34" charset="0"/>
+              <a:cs typeface="Helvetica" panose="020B0604020202020204" pitchFamily="34" charset="0"/>
+            </a:endParaRPr>
           </a:p>
         </p:txBody>
       </p:sp>
@@ -10421,7 +10943,10 @@
           <a:lstStyle/>
           <a:p>
             <a:pPr algn="ctr"/>
-            <a:endParaRPr lang="en-US"/>
+            <a:endParaRPr lang="en-US">
+              <a:latin typeface="Helvetica" panose="020B0604020202020204" pitchFamily="34" charset="0"/>
+              <a:cs typeface="Helvetica" panose="020B0604020202020204" pitchFamily="34" charset="0"/>
+            </a:endParaRPr>
           </a:p>
         </p:txBody>
       </p:sp>
@@ -10461,7 +10986,10 @@
           <a:lstStyle/>
           <a:p>
             <a:pPr algn="ctr"/>
-            <a:endParaRPr lang="en-US"/>
+            <a:endParaRPr lang="en-US">
+              <a:latin typeface="Helvetica" panose="020B0604020202020204" pitchFamily="34" charset="0"/>
+              <a:cs typeface="Helvetica" panose="020B0604020202020204" pitchFamily="34" charset="0"/>
+            </a:endParaRPr>
           </a:p>
         </p:txBody>
       </p:sp>
@@ -10501,7 +11029,10 @@
           <a:lstStyle/>
           <a:p>
             <a:pPr algn="ctr"/>
-            <a:endParaRPr lang="en-US"/>
+            <a:endParaRPr lang="en-US">
+              <a:latin typeface="Helvetica" panose="020B0604020202020204" pitchFamily="34" charset="0"/>
+              <a:cs typeface="Helvetica" panose="020B0604020202020204" pitchFamily="34" charset="0"/>
+            </a:endParaRPr>
           </a:p>
         </p:txBody>
       </p:sp>
@@ -10541,7 +11072,10 @@
           <a:lstStyle/>
           <a:p>
             <a:pPr algn="ctr"/>
-            <a:endParaRPr lang="en-US"/>
+            <a:endParaRPr lang="en-US">
+              <a:latin typeface="Helvetica" panose="020B0604020202020204" pitchFamily="34" charset="0"/>
+              <a:cs typeface="Helvetica" panose="020B0604020202020204" pitchFamily="34" charset="0"/>
+            </a:endParaRPr>
           </a:p>
         </p:txBody>
       </p:sp>
@@ -10581,7 +11115,10 @@
           <a:lstStyle/>
           <a:p>
             <a:pPr algn="ctr"/>
-            <a:endParaRPr lang="en-US"/>
+            <a:endParaRPr lang="en-US">
+              <a:latin typeface="Helvetica" panose="020B0604020202020204" pitchFamily="34" charset="0"/>
+              <a:cs typeface="Helvetica" panose="020B0604020202020204" pitchFamily="34" charset="0"/>
+            </a:endParaRPr>
           </a:p>
         </p:txBody>
       </p:sp>
@@ -11490,8 +12027,8 @@
         </p:nvSpPr>
         <p:spPr>
           <a:xfrm>
-            <a:off x="7474361" y="6148830"/>
-            <a:ext cx="838371" cy="338554"/>
+            <a:off x="7464583" y="6148830"/>
+            <a:ext cx="857927" cy="338554"/>
           </a:xfrm>
           <a:prstGeom prst="rect">
             <a:avLst/>
@@ -11506,10 +12043,16 @@
           <a:p>
             <a:pPr algn="ctr"/>
             <a:r>
-              <a:rPr lang="en-US" sz="1600" dirty="0" err="1"/>
+              <a:rPr lang="en-US" sz="1600" dirty="0" err="1">
+                <a:latin typeface="Helvetica" panose="020B0604020202020204" pitchFamily="34" charset="0"/>
+                <a:cs typeface="Helvetica" panose="020B0604020202020204" pitchFamily="34" charset="0"/>
+              </a:rPr>
               <a:t>flatMap</a:t>
             </a:r>
-            <a:endParaRPr lang="en-US" sz="1600" dirty="0"/>
+            <a:endParaRPr lang="en-US" sz="1600" dirty="0">
+              <a:latin typeface="Helvetica" panose="020B0604020202020204" pitchFamily="34" charset="0"/>
+              <a:cs typeface="Helvetica" panose="020B0604020202020204" pitchFamily="34" charset="0"/>
+            </a:endParaRPr>
           </a:p>
         </p:txBody>
       </p:sp>
@@ -11521,8 +12064,8 @@
         </p:nvSpPr>
         <p:spPr>
           <a:xfrm>
-            <a:off x="8824891" y="6154320"/>
-            <a:ext cx="553357" cy="338554"/>
+            <a:off x="8809663" y="6154320"/>
+            <a:ext cx="583814" cy="338554"/>
           </a:xfrm>
           <a:prstGeom prst="rect">
             <a:avLst/>
@@ -11537,7 +12080,10 @@
           <a:p>
             <a:pPr algn="ctr"/>
             <a:r>
-              <a:rPr lang="en-US" sz="1600" dirty="0"/>
+              <a:rPr lang="en-US" sz="1600" dirty="0">
+                <a:latin typeface="Helvetica" panose="020B0604020202020204" pitchFamily="34" charset="0"/>
+                <a:cs typeface="Helvetica" panose="020B0604020202020204" pitchFamily="34" charset="0"/>
+              </a:rPr>
               <a:t>map</a:t>
             </a:r>
           </a:p>
@@ -11551,8 +12097,8 @@
         </p:nvSpPr>
         <p:spPr>
           <a:xfrm>
-            <a:off x="9931505" y="6000087"/>
-            <a:ext cx="760657" cy="584775"/>
+            <a:off x="9906113" y="6000087"/>
+            <a:ext cx="811441" cy="584775"/>
           </a:xfrm>
           <a:prstGeom prst="rect">
             <a:avLst/>
@@ -11567,17 +12113,29 @@
           <a:p>
             <a:pPr algn="ctr"/>
             <a:r>
-              <a:rPr lang="en-US" sz="1600" dirty="0"/>
+              <a:rPr lang="en-US" sz="1600" dirty="0">
+                <a:latin typeface="Helvetica" panose="020B0604020202020204" pitchFamily="34" charset="0"/>
+                <a:cs typeface="Helvetica" panose="020B0604020202020204" pitchFamily="34" charset="0"/>
+              </a:rPr>
               <a:t>reduce</a:t>
             </a:r>
             <a:br>
-              <a:rPr lang="en-US" sz="1600" dirty="0"/>
+              <a:rPr lang="en-US" sz="1600" dirty="0">
+                <a:latin typeface="Helvetica" panose="020B0604020202020204" pitchFamily="34" charset="0"/>
+                <a:cs typeface="Helvetica" panose="020B0604020202020204" pitchFamily="34" charset="0"/>
+              </a:rPr>
             </a:br>
             <a:r>
-              <a:rPr lang="en-US" sz="1600" dirty="0" err="1"/>
+              <a:rPr lang="en-US" sz="1600" dirty="0" err="1">
+                <a:latin typeface="Helvetica" panose="020B0604020202020204" pitchFamily="34" charset="0"/>
+                <a:cs typeface="Helvetica" panose="020B0604020202020204" pitchFamily="34" charset="0"/>
+              </a:rPr>
               <a:t>ByKey</a:t>
             </a:r>
-            <a:endParaRPr lang="en-US" sz="1600" dirty="0"/>
+            <a:endParaRPr lang="en-US" sz="1600" dirty="0">
+              <a:latin typeface="Helvetica" panose="020B0604020202020204" pitchFamily="34" charset="0"/>
+              <a:cs typeface="Helvetica" panose="020B0604020202020204" pitchFamily="34" charset="0"/>
+            </a:endParaRPr>
           </a:p>
         </p:txBody>
       </p:sp>
@@ -11589,8 +12147,8 @@
         </p:nvSpPr>
         <p:spPr>
           <a:xfrm>
-            <a:off x="11043116" y="6002243"/>
-            <a:ext cx="813171" cy="584775"/>
+            <a:off x="11004868" y="6002243"/>
+            <a:ext cx="889667" cy="584775"/>
           </a:xfrm>
           <a:prstGeom prst="rect">
             <a:avLst/>
@@ -11605,17 +12163,29 @@
           <a:p>
             <a:pPr algn="ctr"/>
             <a:r>
-              <a:rPr lang="en-US" sz="1600" dirty="0" err="1"/>
+              <a:rPr lang="en-US" sz="1600" dirty="0" err="1">
+                <a:latin typeface="Helvetica" panose="020B0604020202020204" pitchFamily="34" charset="0"/>
+                <a:cs typeface="Helvetica" panose="020B0604020202020204" pitchFamily="34" charset="0"/>
+              </a:rPr>
               <a:t>saveAs</a:t>
             </a:r>
             <a:br>
-              <a:rPr lang="en-US" sz="1600" dirty="0"/>
+              <a:rPr lang="en-US" sz="1600" dirty="0">
+                <a:latin typeface="Helvetica" panose="020B0604020202020204" pitchFamily="34" charset="0"/>
+                <a:cs typeface="Helvetica" panose="020B0604020202020204" pitchFamily="34" charset="0"/>
+              </a:rPr>
             </a:br>
             <a:r>
-              <a:rPr lang="en-US" sz="1600" dirty="0" err="1"/>
+              <a:rPr lang="en-US" sz="1600" dirty="0" err="1">
+                <a:latin typeface="Helvetica" panose="020B0604020202020204" pitchFamily="34" charset="0"/>
+                <a:cs typeface="Helvetica" panose="020B0604020202020204" pitchFamily="34" charset="0"/>
+              </a:rPr>
               <a:t>TextFile</a:t>
             </a:r>
-            <a:endParaRPr lang="en-US" sz="1600" dirty="0"/>
+            <a:endParaRPr lang="en-US" sz="1600" dirty="0">
+              <a:latin typeface="Helvetica" panose="020B0604020202020204" pitchFamily="34" charset="0"/>
+              <a:cs typeface="Helvetica" panose="020B0604020202020204" pitchFamily="34" charset="0"/>
+            </a:endParaRPr>
           </a:p>
         </p:txBody>
       </p:sp>
@@ -16953,10 +17523,10 @@
       </p:sp>
       <p:sp>
         <p:nvSpPr>
-          <p:cNvPr id="15" name="Cilindro 110">
-            <a:extLst>
-              <a:ext uri="{FF2B5EF4-FFF2-40B4-BE49-F238E27FC236}">
-                <a16:creationId xmlns:a16="http://schemas.microsoft.com/office/drawing/2014/main" id="{48780B46-901E-4102-9048-2E8358BA7390}"/>
+          <p:cNvPr id="108" name="Cilindro 4">
+            <a:extLst>
+              <a:ext uri="{FF2B5EF4-FFF2-40B4-BE49-F238E27FC236}">
+                <a16:creationId xmlns:a16="http://schemas.microsoft.com/office/drawing/2014/main" id="{9877AF10-2FF2-4E41-A531-647021A1F93D}"/>
               </a:ext>
             </a:extLst>
           </p:cNvPr>
@@ -16965,7 +17535,7 @@
         </p:nvSpPr>
         <p:spPr>
           <a:xfrm>
-            <a:off x="6176374" y="4585664"/>
+            <a:off x="5218431" y="5005954"/>
             <a:ext cx="531708" cy="489887"/>
           </a:xfrm>
           <a:prstGeom prst="can">
@@ -16993,16 +17563,19 @@
           <a:lstStyle/>
           <a:p>
             <a:pPr algn="ctr"/>
-            <a:endParaRPr lang="en-US"/>
-          </a:p>
-        </p:txBody>
-      </p:sp>
-      <p:sp>
-        <p:nvSpPr>
-          <p:cNvPr id="16" name="CasellaDiTesto 111">
-            <a:extLst>
-              <a:ext uri="{FF2B5EF4-FFF2-40B4-BE49-F238E27FC236}">
-                <a16:creationId xmlns:a16="http://schemas.microsoft.com/office/drawing/2014/main" id="{00D4EF86-EE87-49C5-A19E-7E3135BFBFF3}"/>
+            <a:endParaRPr lang="en-US">
+              <a:latin typeface="Helvetica" panose="020B0604020202020204" pitchFamily="34" charset="0"/>
+              <a:cs typeface="Helvetica" panose="020B0604020202020204" pitchFamily="34" charset="0"/>
+            </a:endParaRPr>
+          </a:p>
+        </p:txBody>
+      </p:sp>
+      <p:sp>
+        <p:nvSpPr>
+          <p:cNvPr id="109" name="CasellaDiTesto 5">
+            <a:extLst>
+              <a:ext uri="{FF2B5EF4-FFF2-40B4-BE49-F238E27FC236}">
+                <a16:creationId xmlns:a16="http://schemas.microsoft.com/office/drawing/2014/main" id="{8BE2111A-CE47-4FE6-87C2-FE0CDA30F374}"/>
               </a:ext>
             </a:extLst>
           </p:cNvPr>
@@ -17011,8 +17584,8 @@
         </p:nvSpPr>
         <p:spPr>
           <a:xfrm>
-            <a:off x="7244094" y="5734030"/>
-            <a:ext cx="798745" cy="338554"/>
+            <a:off x="6262972" y="6154320"/>
+            <a:ext cx="845103" cy="338554"/>
           </a:xfrm>
           <a:prstGeom prst="rect">
             <a:avLst/>
@@ -17027,19 +17600,25 @@
           <a:p>
             <a:pPr algn="ctr"/>
             <a:r>
-              <a:rPr lang="en-US" sz="1600" dirty="0" err="1"/>
+              <a:rPr lang="en-US" sz="1600" dirty="0" err="1">
+                <a:latin typeface="Helvetica" panose="020B0604020202020204" pitchFamily="34" charset="0"/>
+                <a:cs typeface="Helvetica" panose="020B0604020202020204" pitchFamily="34" charset="0"/>
+              </a:rPr>
               <a:t>textFile</a:t>
             </a:r>
-            <a:endParaRPr lang="en-US" sz="1600" dirty="0"/>
-          </a:p>
-        </p:txBody>
-      </p:sp>
-      <p:sp>
-        <p:nvSpPr>
-          <p:cNvPr id="17" name="Rettangolo arrotondato 112">
-            <a:extLst>
-              <a:ext uri="{FF2B5EF4-FFF2-40B4-BE49-F238E27FC236}">
-                <a16:creationId xmlns:a16="http://schemas.microsoft.com/office/drawing/2014/main" id="{91E68AFE-CC5D-43C1-84B1-81D50375761A}"/>
+            <a:endParaRPr lang="en-US" sz="1600" dirty="0">
+              <a:latin typeface="Helvetica" panose="020B0604020202020204" pitchFamily="34" charset="0"/>
+              <a:cs typeface="Helvetica" panose="020B0604020202020204" pitchFamily="34" charset="0"/>
+            </a:endParaRPr>
+          </a:p>
+        </p:txBody>
+      </p:sp>
+      <p:sp>
+        <p:nvSpPr>
+          <p:cNvPr id="110" name="Rettangolo arrotondato 6">
+            <a:extLst>
+              <a:ext uri="{FF2B5EF4-FFF2-40B4-BE49-F238E27FC236}">
+                <a16:creationId xmlns:a16="http://schemas.microsoft.com/office/drawing/2014/main" id="{761F981F-86DF-4B99-968D-FB6A13C29412}"/>
               </a:ext>
             </a:extLst>
           </p:cNvPr>
@@ -17048,7 +17627,7 @@
         </p:nvSpPr>
         <p:spPr>
           <a:xfrm>
-            <a:off x="7315283" y="3945010"/>
+            <a:off x="6357340" y="4365300"/>
             <a:ext cx="660401" cy="1778000"/>
           </a:xfrm>
           <a:prstGeom prst="roundRect">
@@ -17084,16 +17663,19 @@
           <a:lstStyle/>
           <a:p>
             <a:pPr algn="ctr"/>
-            <a:endParaRPr lang="en-US"/>
-          </a:p>
-        </p:txBody>
-      </p:sp>
-      <p:sp>
-        <p:nvSpPr>
-          <p:cNvPr id="18" name="Rettangolo arrotondato 113">
-            <a:extLst>
-              <a:ext uri="{FF2B5EF4-FFF2-40B4-BE49-F238E27FC236}">
-                <a16:creationId xmlns:a16="http://schemas.microsoft.com/office/drawing/2014/main" id="{2ADC08E8-20DE-4BDA-88EB-828C2499F0AA}"/>
+            <a:endParaRPr lang="en-US">
+              <a:latin typeface="Helvetica" panose="020B0604020202020204" pitchFamily="34" charset="0"/>
+              <a:cs typeface="Helvetica" panose="020B0604020202020204" pitchFamily="34" charset="0"/>
+            </a:endParaRPr>
+          </a:p>
+        </p:txBody>
+      </p:sp>
+      <p:sp>
+        <p:nvSpPr>
+          <p:cNvPr id="111" name="Rettangolo arrotondato 7">
+            <a:extLst>
+              <a:ext uri="{FF2B5EF4-FFF2-40B4-BE49-F238E27FC236}">
+                <a16:creationId xmlns:a16="http://schemas.microsoft.com/office/drawing/2014/main" id="{E180568C-1AE4-4D29-8B7F-56CF869BA24E}"/>
               </a:ext>
             </a:extLst>
           </p:cNvPr>
@@ -17102,7 +17684,7 @@
         </p:nvSpPr>
         <p:spPr>
           <a:xfrm>
-            <a:off x="7394898" y="4012744"/>
+            <a:off x="6436955" y="4433034"/>
             <a:ext cx="505607" cy="330200"/>
           </a:xfrm>
           <a:prstGeom prst="roundRect">
@@ -17130,16 +17712,19 @@
           <a:lstStyle/>
           <a:p>
             <a:pPr algn="ctr"/>
-            <a:endParaRPr lang="en-US"/>
-          </a:p>
-        </p:txBody>
-      </p:sp>
-      <p:sp>
-        <p:nvSpPr>
-          <p:cNvPr id="19" name="Rettangolo arrotondato 114">
-            <a:extLst>
-              <a:ext uri="{FF2B5EF4-FFF2-40B4-BE49-F238E27FC236}">
-                <a16:creationId xmlns:a16="http://schemas.microsoft.com/office/drawing/2014/main" id="{2E1E3F8E-EBE6-4A12-8E0A-FA69B3B914A3}"/>
+            <a:endParaRPr lang="en-US">
+              <a:latin typeface="Helvetica" panose="020B0604020202020204" pitchFamily="34" charset="0"/>
+              <a:cs typeface="Helvetica" panose="020B0604020202020204" pitchFamily="34" charset="0"/>
+            </a:endParaRPr>
+          </a:p>
+        </p:txBody>
+      </p:sp>
+      <p:sp>
+        <p:nvSpPr>
+          <p:cNvPr id="112" name="Rettangolo arrotondato 8">
+            <a:extLst>
+              <a:ext uri="{FF2B5EF4-FFF2-40B4-BE49-F238E27FC236}">
+                <a16:creationId xmlns:a16="http://schemas.microsoft.com/office/drawing/2014/main" id="{745196BD-6AB3-4598-B6F1-CF3F0C804B69}"/>
               </a:ext>
             </a:extLst>
           </p:cNvPr>
@@ -17148,7 +17733,7 @@
         </p:nvSpPr>
         <p:spPr>
           <a:xfrm>
-            <a:off x="7390664" y="4449624"/>
+            <a:off x="6432721" y="4869914"/>
             <a:ext cx="505607" cy="330200"/>
           </a:xfrm>
           <a:prstGeom prst="roundRect">
@@ -17176,16 +17761,19 @@
           <a:lstStyle/>
           <a:p>
             <a:pPr algn="ctr"/>
-            <a:endParaRPr lang="en-US"/>
-          </a:p>
-        </p:txBody>
-      </p:sp>
-      <p:sp>
-        <p:nvSpPr>
-          <p:cNvPr id="20" name="Rettangolo arrotondato 115">
-            <a:extLst>
-              <a:ext uri="{FF2B5EF4-FFF2-40B4-BE49-F238E27FC236}">
-                <a16:creationId xmlns:a16="http://schemas.microsoft.com/office/drawing/2014/main" id="{2F10042A-9994-4A37-9075-3DC18D04546C}"/>
+            <a:endParaRPr lang="en-US">
+              <a:latin typeface="Helvetica" panose="020B0604020202020204" pitchFamily="34" charset="0"/>
+              <a:cs typeface="Helvetica" panose="020B0604020202020204" pitchFamily="34" charset="0"/>
+            </a:endParaRPr>
+          </a:p>
+        </p:txBody>
+      </p:sp>
+      <p:sp>
+        <p:nvSpPr>
+          <p:cNvPr id="113" name="Rettangolo arrotondato 9">
+            <a:extLst>
+              <a:ext uri="{FF2B5EF4-FFF2-40B4-BE49-F238E27FC236}">
+                <a16:creationId xmlns:a16="http://schemas.microsoft.com/office/drawing/2014/main" id="{96691617-C899-4797-87BE-D46ACA1377BB}"/>
               </a:ext>
             </a:extLst>
           </p:cNvPr>
@@ -17194,7 +17782,7 @@
         </p:nvSpPr>
         <p:spPr>
           <a:xfrm>
-            <a:off x="7390664" y="4885657"/>
+            <a:off x="6432721" y="5305947"/>
             <a:ext cx="505607" cy="330200"/>
           </a:xfrm>
           <a:prstGeom prst="roundRect">
@@ -17222,16 +17810,19 @@
           <a:lstStyle/>
           <a:p>
             <a:pPr algn="ctr"/>
-            <a:endParaRPr lang="en-US"/>
-          </a:p>
-        </p:txBody>
-      </p:sp>
-      <p:sp>
-        <p:nvSpPr>
-          <p:cNvPr id="21" name="Rettangolo arrotondato 116">
-            <a:extLst>
-              <a:ext uri="{FF2B5EF4-FFF2-40B4-BE49-F238E27FC236}">
-                <a16:creationId xmlns:a16="http://schemas.microsoft.com/office/drawing/2014/main" id="{DA6AC134-8960-4A7B-A78D-C7229BE30EE1}"/>
+            <a:endParaRPr lang="en-US">
+              <a:latin typeface="Helvetica" panose="020B0604020202020204" pitchFamily="34" charset="0"/>
+              <a:cs typeface="Helvetica" panose="020B0604020202020204" pitchFamily="34" charset="0"/>
+            </a:endParaRPr>
+          </a:p>
+        </p:txBody>
+      </p:sp>
+      <p:sp>
+        <p:nvSpPr>
+          <p:cNvPr id="114" name="Rettangolo arrotondato 10">
+            <a:extLst>
+              <a:ext uri="{FF2B5EF4-FFF2-40B4-BE49-F238E27FC236}">
+                <a16:creationId xmlns:a16="http://schemas.microsoft.com/office/drawing/2014/main" id="{6124B55A-4425-4EEC-8666-CE82D6A64C1C}"/>
               </a:ext>
             </a:extLst>
           </p:cNvPr>
@@ -17240,7 +17831,7 @@
         </p:nvSpPr>
         <p:spPr>
           <a:xfrm>
-            <a:off x="7394897" y="5321690"/>
+            <a:off x="6436954" y="5741980"/>
             <a:ext cx="505607" cy="330200"/>
           </a:xfrm>
           <a:prstGeom prst="roundRect">
@@ -17268,696 +17859,31 @@
           <a:lstStyle/>
           <a:p>
             <a:pPr algn="ctr"/>
-            <a:endParaRPr lang="en-US"/>
-          </a:p>
-        </p:txBody>
-      </p:sp>
-      <p:sp>
-        <p:nvSpPr>
-          <p:cNvPr id="22" name="Rettangolo arrotondato 117">
-            <a:extLst>
-              <a:ext uri="{FF2B5EF4-FFF2-40B4-BE49-F238E27FC236}">
-                <a16:creationId xmlns:a16="http://schemas.microsoft.com/office/drawing/2014/main" id="{FE3CD4C3-CB1B-493F-B366-7B72ADAF117B}"/>
-              </a:ext>
-            </a:extLst>
-          </p:cNvPr>
-          <p:cNvSpPr/>
-          <p:nvPr/>
-        </p:nvSpPr>
-        <p:spPr>
-          <a:xfrm>
-            <a:off x="8523306" y="3945010"/>
-            <a:ext cx="660401" cy="1778000"/>
-          </a:xfrm>
-          <a:prstGeom prst="roundRect">
-            <a:avLst/>
-          </a:prstGeom>
-          <a:noFill/>
-          <a:ln w="3175">
-            <a:solidFill>
-              <a:schemeClr val="accent4">
-                <a:lumMod val="75000"/>
-              </a:schemeClr>
-            </a:solidFill>
-          </a:ln>
-        </p:spPr>
-        <p:style>
-          <a:lnRef idx="2">
-            <a:schemeClr val="accent1">
-              <a:shade val="50000"/>
-            </a:schemeClr>
-          </a:lnRef>
-          <a:fillRef idx="1">
-            <a:schemeClr val="accent1"/>
-          </a:fillRef>
-          <a:effectRef idx="0">
-            <a:schemeClr val="accent1"/>
-          </a:effectRef>
-          <a:fontRef idx="minor">
-            <a:schemeClr val="lt1"/>
-          </a:fontRef>
-        </p:style>
-        <p:txBody>
-          <a:bodyPr rtlCol="0" anchor="ctr"/>
-          <a:lstStyle/>
-          <a:p>
-            <a:pPr algn="ctr"/>
-            <a:endParaRPr lang="en-US"/>
-          </a:p>
-        </p:txBody>
-      </p:sp>
-      <p:sp>
-        <p:nvSpPr>
-          <p:cNvPr id="23" name="Rettangolo arrotondato 118">
-            <a:extLst>
-              <a:ext uri="{FF2B5EF4-FFF2-40B4-BE49-F238E27FC236}">
-                <a16:creationId xmlns:a16="http://schemas.microsoft.com/office/drawing/2014/main" id="{3CEC7967-C5C3-46E3-94B7-4FDF97DA32A7}"/>
-              </a:ext>
-            </a:extLst>
-          </p:cNvPr>
-          <p:cNvSpPr/>
-          <p:nvPr/>
-        </p:nvSpPr>
-        <p:spPr>
-          <a:xfrm>
-            <a:off x="8602921" y="4012744"/>
-            <a:ext cx="505607" cy="330200"/>
-          </a:xfrm>
-          <a:prstGeom prst="roundRect">
-            <a:avLst/>
-          </a:prstGeom>
-        </p:spPr>
-        <p:style>
-          <a:lnRef idx="2">
-            <a:schemeClr val="accent4">
-              <a:shade val="50000"/>
-            </a:schemeClr>
-          </a:lnRef>
-          <a:fillRef idx="1">
-            <a:schemeClr val="accent4"/>
-          </a:fillRef>
-          <a:effectRef idx="0">
-            <a:schemeClr val="accent4"/>
-          </a:effectRef>
-          <a:fontRef idx="minor">
-            <a:schemeClr val="lt1"/>
-          </a:fontRef>
-        </p:style>
-        <p:txBody>
-          <a:bodyPr rtlCol="0" anchor="ctr"/>
-          <a:lstStyle/>
-          <a:p>
-            <a:pPr algn="ctr"/>
-            <a:endParaRPr lang="en-US"/>
-          </a:p>
-        </p:txBody>
-      </p:sp>
-      <p:sp>
-        <p:nvSpPr>
-          <p:cNvPr id="24" name="Rettangolo arrotondato 119">
-            <a:extLst>
-              <a:ext uri="{FF2B5EF4-FFF2-40B4-BE49-F238E27FC236}">
-                <a16:creationId xmlns:a16="http://schemas.microsoft.com/office/drawing/2014/main" id="{ADDAFDA4-5517-4188-9485-BB9E23ECA449}"/>
-              </a:ext>
-            </a:extLst>
-          </p:cNvPr>
-          <p:cNvSpPr/>
-          <p:nvPr/>
-        </p:nvSpPr>
-        <p:spPr>
-          <a:xfrm>
-            <a:off x="8598687" y="4449624"/>
-            <a:ext cx="505607" cy="330200"/>
-          </a:xfrm>
-          <a:prstGeom prst="roundRect">
-            <a:avLst/>
-          </a:prstGeom>
-        </p:spPr>
-        <p:style>
-          <a:lnRef idx="2">
-            <a:schemeClr val="accent4">
-              <a:shade val="50000"/>
-            </a:schemeClr>
-          </a:lnRef>
-          <a:fillRef idx="1">
-            <a:schemeClr val="accent4"/>
-          </a:fillRef>
-          <a:effectRef idx="0">
-            <a:schemeClr val="accent4"/>
-          </a:effectRef>
-          <a:fontRef idx="minor">
-            <a:schemeClr val="lt1"/>
-          </a:fontRef>
-        </p:style>
-        <p:txBody>
-          <a:bodyPr rtlCol="0" anchor="ctr"/>
-          <a:lstStyle/>
-          <a:p>
-            <a:pPr algn="ctr"/>
-            <a:endParaRPr lang="en-US"/>
-          </a:p>
-        </p:txBody>
-      </p:sp>
-      <p:sp>
-        <p:nvSpPr>
-          <p:cNvPr id="25" name="Rettangolo arrotondato 120">
-            <a:extLst>
-              <a:ext uri="{FF2B5EF4-FFF2-40B4-BE49-F238E27FC236}">
-                <a16:creationId xmlns:a16="http://schemas.microsoft.com/office/drawing/2014/main" id="{2D0029F1-9182-4C53-8BF6-70BB66E69575}"/>
-              </a:ext>
-            </a:extLst>
-          </p:cNvPr>
-          <p:cNvSpPr/>
-          <p:nvPr/>
-        </p:nvSpPr>
-        <p:spPr>
-          <a:xfrm>
-            <a:off x="8598687" y="4885657"/>
-            <a:ext cx="505607" cy="330200"/>
-          </a:xfrm>
-          <a:prstGeom prst="roundRect">
-            <a:avLst/>
-          </a:prstGeom>
-        </p:spPr>
-        <p:style>
-          <a:lnRef idx="2">
-            <a:schemeClr val="accent4">
-              <a:shade val="50000"/>
-            </a:schemeClr>
-          </a:lnRef>
-          <a:fillRef idx="1">
-            <a:schemeClr val="accent4"/>
-          </a:fillRef>
-          <a:effectRef idx="0">
-            <a:schemeClr val="accent4"/>
-          </a:effectRef>
-          <a:fontRef idx="minor">
-            <a:schemeClr val="lt1"/>
-          </a:fontRef>
-        </p:style>
-        <p:txBody>
-          <a:bodyPr rtlCol="0" anchor="ctr"/>
-          <a:lstStyle/>
-          <a:p>
-            <a:pPr algn="ctr"/>
-            <a:endParaRPr lang="en-US"/>
-          </a:p>
-        </p:txBody>
-      </p:sp>
-      <p:sp>
-        <p:nvSpPr>
-          <p:cNvPr id="26" name="Rettangolo arrotondato 121">
-            <a:extLst>
-              <a:ext uri="{FF2B5EF4-FFF2-40B4-BE49-F238E27FC236}">
-                <a16:creationId xmlns:a16="http://schemas.microsoft.com/office/drawing/2014/main" id="{D909F835-8F01-4923-BE72-39C54FAEE1A5}"/>
-              </a:ext>
-            </a:extLst>
-          </p:cNvPr>
-          <p:cNvSpPr/>
-          <p:nvPr/>
-        </p:nvSpPr>
-        <p:spPr>
-          <a:xfrm>
-            <a:off x="8602920" y="5321690"/>
-            <a:ext cx="505607" cy="330200"/>
-          </a:xfrm>
-          <a:prstGeom prst="roundRect">
-            <a:avLst/>
-          </a:prstGeom>
-        </p:spPr>
-        <p:style>
-          <a:lnRef idx="2">
-            <a:schemeClr val="accent4">
-              <a:shade val="50000"/>
-            </a:schemeClr>
-          </a:lnRef>
-          <a:fillRef idx="1">
-            <a:schemeClr val="accent4"/>
-          </a:fillRef>
-          <a:effectRef idx="0">
-            <a:schemeClr val="accent4"/>
-          </a:effectRef>
-          <a:fontRef idx="minor">
-            <a:schemeClr val="lt1"/>
-          </a:fontRef>
-        </p:style>
-        <p:txBody>
-          <a:bodyPr rtlCol="0" anchor="ctr"/>
-          <a:lstStyle/>
-          <a:p>
-            <a:pPr algn="ctr"/>
-            <a:endParaRPr lang="en-US"/>
-          </a:p>
-        </p:txBody>
-      </p:sp>
-      <p:sp>
-        <p:nvSpPr>
-          <p:cNvPr id="27" name="Rettangolo arrotondato 122">
-            <a:extLst>
-              <a:ext uri="{FF2B5EF4-FFF2-40B4-BE49-F238E27FC236}">
-                <a16:creationId xmlns:a16="http://schemas.microsoft.com/office/drawing/2014/main" id="{DB391DC6-5F22-4DB4-BA10-E476D7B07D16}"/>
-              </a:ext>
-            </a:extLst>
-          </p:cNvPr>
-          <p:cNvSpPr/>
-          <p:nvPr/>
-        </p:nvSpPr>
-        <p:spPr>
-          <a:xfrm>
-            <a:off x="9731329" y="3945010"/>
-            <a:ext cx="660401" cy="1778000"/>
-          </a:xfrm>
-          <a:prstGeom prst="roundRect">
-            <a:avLst/>
-          </a:prstGeom>
-          <a:noFill/>
-          <a:ln w="3175">
-            <a:solidFill>
-              <a:schemeClr val="accent4">
-                <a:lumMod val="75000"/>
-              </a:schemeClr>
-            </a:solidFill>
-          </a:ln>
-        </p:spPr>
-        <p:style>
-          <a:lnRef idx="2">
-            <a:schemeClr val="accent1">
-              <a:shade val="50000"/>
-            </a:schemeClr>
-          </a:lnRef>
-          <a:fillRef idx="1">
-            <a:schemeClr val="accent1"/>
-          </a:fillRef>
-          <a:effectRef idx="0">
-            <a:schemeClr val="accent1"/>
-          </a:effectRef>
-          <a:fontRef idx="minor">
-            <a:schemeClr val="lt1"/>
-          </a:fontRef>
-        </p:style>
-        <p:txBody>
-          <a:bodyPr rtlCol="0" anchor="ctr"/>
-          <a:lstStyle/>
-          <a:p>
-            <a:pPr algn="ctr"/>
-            <a:endParaRPr lang="en-US"/>
-          </a:p>
-        </p:txBody>
-      </p:sp>
-      <p:sp>
-        <p:nvSpPr>
-          <p:cNvPr id="28" name="Rettangolo arrotondato 123">
-            <a:extLst>
-              <a:ext uri="{FF2B5EF4-FFF2-40B4-BE49-F238E27FC236}">
-                <a16:creationId xmlns:a16="http://schemas.microsoft.com/office/drawing/2014/main" id="{72673B64-EFE3-4571-8EF9-824A4E61AEA0}"/>
-              </a:ext>
-            </a:extLst>
-          </p:cNvPr>
-          <p:cNvSpPr/>
-          <p:nvPr/>
-        </p:nvSpPr>
-        <p:spPr>
-          <a:xfrm>
-            <a:off x="9810944" y="4012744"/>
-            <a:ext cx="505607" cy="330200"/>
-          </a:xfrm>
-          <a:prstGeom prst="roundRect">
-            <a:avLst/>
-          </a:prstGeom>
-        </p:spPr>
-        <p:style>
-          <a:lnRef idx="2">
-            <a:schemeClr val="accent4">
-              <a:shade val="50000"/>
-            </a:schemeClr>
-          </a:lnRef>
-          <a:fillRef idx="1">
-            <a:schemeClr val="accent4"/>
-          </a:fillRef>
-          <a:effectRef idx="0">
-            <a:schemeClr val="accent4"/>
-          </a:effectRef>
-          <a:fontRef idx="minor">
-            <a:schemeClr val="lt1"/>
-          </a:fontRef>
-        </p:style>
-        <p:txBody>
-          <a:bodyPr rtlCol="0" anchor="ctr"/>
-          <a:lstStyle/>
-          <a:p>
-            <a:pPr algn="ctr"/>
-            <a:endParaRPr lang="en-US"/>
-          </a:p>
-        </p:txBody>
-      </p:sp>
-      <p:sp>
-        <p:nvSpPr>
-          <p:cNvPr id="29" name="Rettangolo arrotondato 124">
-            <a:extLst>
-              <a:ext uri="{FF2B5EF4-FFF2-40B4-BE49-F238E27FC236}">
-                <a16:creationId xmlns:a16="http://schemas.microsoft.com/office/drawing/2014/main" id="{0D8EB8C4-4AC1-4A75-9B14-B110F1336183}"/>
-              </a:ext>
-            </a:extLst>
-          </p:cNvPr>
-          <p:cNvSpPr/>
-          <p:nvPr/>
-        </p:nvSpPr>
-        <p:spPr>
-          <a:xfrm>
-            <a:off x="9806710" y="4449624"/>
-            <a:ext cx="505607" cy="330200"/>
-          </a:xfrm>
-          <a:prstGeom prst="roundRect">
-            <a:avLst/>
-          </a:prstGeom>
-        </p:spPr>
-        <p:style>
-          <a:lnRef idx="2">
-            <a:schemeClr val="accent4">
-              <a:shade val="50000"/>
-            </a:schemeClr>
-          </a:lnRef>
-          <a:fillRef idx="1">
-            <a:schemeClr val="accent4"/>
-          </a:fillRef>
-          <a:effectRef idx="0">
-            <a:schemeClr val="accent4"/>
-          </a:effectRef>
-          <a:fontRef idx="minor">
-            <a:schemeClr val="lt1"/>
-          </a:fontRef>
-        </p:style>
-        <p:txBody>
-          <a:bodyPr rtlCol="0" anchor="ctr"/>
-          <a:lstStyle/>
-          <a:p>
-            <a:pPr algn="ctr"/>
-            <a:endParaRPr lang="en-US"/>
-          </a:p>
-        </p:txBody>
-      </p:sp>
-      <p:sp>
-        <p:nvSpPr>
-          <p:cNvPr id="30" name="Rettangolo arrotondato 125">
-            <a:extLst>
-              <a:ext uri="{FF2B5EF4-FFF2-40B4-BE49-F238E27FC236}">
-                <a16:creationId xmlns:a16="http://schemas.microsoft.com/office/drawing/2014/main" id="{FED1EB21-354C-4BE0-8D8B-D564B0B6B0B2}"/>
-              </a:ext>
-            </a:extLst>
-          </p:cNvPr>
-          <p:cNvSpPr/>
-          <p:nvPr/>
-        </p:nvSpPr>
-        <p:spPr>
-          <a:xfrm>
-            <a:off x="9806710" y="4885657"/>
-            <a:ext cx="505607" cy="330200"/>
-          </a:xfrm>
-          <a:prstGeom prst="roundRect">
-            <a:avLst/>
-          </a:prstGeom>
-        </p:spPr>
-        <p:style>
-          <a:lnRef idx="2">
-            <a:schemeClr val="accent4">
-              <a:shade val="50000"/>
-            </a:schemeClr>
-          </a:lnRef>
-          <a:fillRef idx="1">
-            <a:schemeClr val="accent4"/>
-          </a:fillRef>
-          <a:effectRef idx="0">
-            <a:schemeClr val="accent4"/>
-          </a:effectRef>
-          <a:fontRef idx="minor">
-            <a:schemeClr val="lt1"/>
-          </a:fontRef>
-        </p:style>
-        <p:txBody>
-          <a:bodyPr rtlCol="0" anchor="ctr"/>
-          <a:lstStyle/>
-          <a:p>
-            <a:pPr algn="ctr"/>
-            <a:endParaRPr lang="en-US"/>
-          </a:p>
-        </p:txBody>
-      </p:sp>
-      <p:sp>
-        <p:nvSpPr>
-          <p:cNvPr id="31" name="Rettangolo arrotondato 126">
-            <a:extLst>
-              <a:ext uri="{FF2B5EF4-FFF2-40B4-BE49-F238E27FC236}">
-                <a16:creationId xmlns:a16="http://schemas.microsoft.com/office/drawing/2014/main" id="{C34F4628-2F48-412E-8FD3-21364DF908EB}"/>
-              </a:ext>
-            </a:extLst>
-          </p:cNvPr>
-          <p:cNvSpPr/>
-          <p:nvPr/>
-        </p:nvSpPr>
-        <p:spPr>
-          <a:xfrm>
-            <a:off x="9810943" y="5321690"/>
-            <a:ext cx="505607" cy="330200"/>
-          </a:xfrm>
-          <a:prstGeom prst="roundRect">
-            <a:avLst/>
-          </a:prstGeom>
-        </p:spPr>
-        <p:style>
-          <a:lnRef idx="2">
-            <a:schemeClr val="accent4">
-              <a:shade val="50000"/>
-            </a:schemeClr>
-          </a:lnRef>
-          <a:fillRef idx="1">
-            <a:schemeClr val="accent4"/>
-          </a:fillRef>
-          <a:effectRef idx="0">
-            <a:schemeClr val="accent4"/>
-          </a:effectRef>
-          <a:fontRef idx="minor">
-            <a:schemeClr val="lt1"/>
-          </a:fontRef>
-        </p:style>
-        <p:txBody>
-          <a:bodyPr rtlCol="0" anchor="ctr"/>
-          <a:lstStyle/>
-          <a:p>
-            <a:pPr algn="ctr"/>
-            <a:endParaRPr lang="en-US"/>
-          </a:p>
-        </p:txBody>
-      </p:sp>
-      <p:sp>
-        <p:nvSpPr>
-          <p:cNvPr id="32" name="Rettangolo arrotondato 128">
-            <a:extLst>
-              <a:ext uri="{FF2B5EF4-FFF2-40B4-BE49-F238E27FC236}">
-                <a16:creationId xmlns:a16="http://schemas.microsoft.com/office/drawing/2014/main" id="{C93E23A5-10EB-4EDE-A9E1-1DF6913EFCCC}"/>
-              </a:ext>
-            </a:extLst>
-          </p:cNvPr>
-          <p:cNvSpPr/>
-          <p:nvPr/>
-        </p:nvSpPr>
-        <p:spPr>
-          <a:xfrm>
-            <a:off x="10939352" y="4192251"/>
-            <a:ext cx="660401" cy="1334650"/>
-          </a:xfrm>
-          <a:prstGeom prst="roundRect">
-            <a:avLst/>
-          </a:prstGeom>
-          <a:noFill/>
-          <a:ln w="3175">
-            <a:solidFill>
-              <a:schemeClr val="accent4">
-                <a:lumMod val="75000"/>
-              </a:schemeClr>
-            </a:solidFill>
-          </a:ln>
-        </p:spPr>
-        <p:style>
-          <a:lnRef idx="2">
-            <a:schemeClr val="accent1">
-              <a:shade val="50000"/>
-            </a:schemeClr>
-          </a:lnRef>
-          <a:fillRef idx="1">
-            <a:schemeClr val="accent1"/>
-          </a:fillRef>
-          <a:effectRef idx="0">
-            <a:schemeClr val="accent1"/>
-          </a:effectRef>
-          <a:fontRef idx="minor">
-            <a:schemeClr val="lt1"/>
-          </a:fontRef>
-        </p:style>
-        <p:txBody>
-          <a:bodyPr rtlCol="0" anchor="ctr"/>
-          <a:lstStyle/>
-          <a:p>
-            <a:pPr algn="ctr"/>
-            <a:endParaRPr lang="en-US"/>
-          </a:p>
-        </p:txBody>
-      </p:sp>
-      <p:sp>
-        <p:nvSpPr>
-          <p:cNvPr id="33" name="Rettangolo arrotondato 129">
-            <a:extLst>
-              <a:ext uri="{FF2B5EF4-FFF2-40B4-BE49-F238E27FC236}">
-                <a16:creationId xmlns:a16="http://schemas.microsoft.com/office/drawing/2014/main" id="{E65D8F3A-6882-4331-A379-B20A3A98FE05}"/>
-              </a:ext>
-            </a:extLst>
-          </p:cNvPr>
-          <p:cNvSpPr/>
-          <p:nvPr/>
-        </p:nvSpPr>
-        <p:spPr>
-          <a:xfrm>
-            <a:off x="11018967" y="4259985"/>
-            <a:ext cx="505607" cy="330200"/>
-          </a:xfrm>
-          <a:prstGeom prst="roundRect">
-            <a:avLst/>
-          </a:prstGeom>
-        </p:spPr>
-        <p:style>
-          <a:lnRef idx="2">
-            <a:schemeClr val="accent4">
-              <a:shade val="50000"/>
-            </a:schemeClr>
-          </a:lnRef>
-          <a:fillRef idx="1">
-            <a:schemeClr val="accent4"/>
-          </a:fillRef>
-          <a:effectRef idx="0">
-            <a:schemeClr val="accent4"/>
-          </a:effectRef>
-          <a:fontRef idx="minor">
-            <a:schemeClr val="lt1"/>
-          </a:fontRef>
-        </p:style>
-        <p:txBody>
-          <a:bodyPr rtlCol="0" anchor="ctr"/>
-          <a:lstStyle/>
-          <a:p>
-            <a:pPr algn="ctr"/>
-            <a:endParaRPr lang="en-US"/>
-          </a:p>
-        </p:txBody>
-      </p:sp>
-      <p:sp>
-        <p:nvSpPr>
-          <p:cNvPr id="34" name="Rettangolo arrotondato 131">
-            <a:extLst>
-              <a:ext uri="{FF2B5EF4-FFF2-40B4-BE49-F238E27FC236}">
-                <a16:creationId xmlns:a16="http://schemas.microsoft.com/office/drawing/2014/main" id="{1B9E61B9-F203-43DC-A11B-26849479AB36}"/>
-              </a:ext>
-            </a:extLst>
-          </p:cNvPr>
-          <p:cNvSpPr/>
-          <p:nvPr/>
-        </p:nvSpPr>
-        <p:spPr>
-          <a:xfrm>
-            <a:off x="11014733" y="4696865"/>
-            <a:ext cx="505607" cy="330200"/>
-          </a:xfrm>
-          <a:prstGeom prst="roundRect">
-            <a:avLst/>
-          </a:prstGeom>
-        </p:spPr>
-        <p:style>
-          <a:lnRef idx="2">
-            <a:schemeClr val="accent4">
-              <a:shade val="50000"/>
-            </a:schemeClr>
-          </a:lnRef>
-          <a:fillRef idx="1">
-            <a:schemeClr val="accent4"/>
-          </a:fillRef>
-          <a:effectRef idx="0">
-            <a:schemeClr val="accent4"/>
-          </a:effectRef>
-          <a:fontRef idx="minor">
-            <a:schemeClr val="lt1"/>
-          </a:fontRef>
-        </p:style>
-        <p:txBody>
-          <a:bodyPr rtlCol="0" anchor="ctr"/>
-          <a:lstStyle/>
-          <a:p>
-            <a:pPr algn="ctr"/>
-            <a:endParaRPr lang="en-US"/>
-          </a:p>
-        </p:txBody>
-      </p:sp>
-      <p:sp>
-        <p:nvSpPr>
-          <p:cNvPr id="35" name="Rettangolo arrotondato 132">
-            <a:extLst>
-              <a:ext uri="{FF2B5EF4-FFF2-40B4-BE49-F238E27FC236}">
-                <a16:creationId xmlns:a16="http://schemas.microsoft.com/office/drawing/2014/main" id="{40F9EBD8-2E4C-4CDD-9092-FF2C6176C046}"/>
-              </a:ext>
-            </a:extLst>
-          </p:cNvPr>
-          <p:cNvSpPr/>
-          <p:nvPr/>
-        </p:nvSpPr>
-        <p:spPr>
-          <a:xfrm>
-            <a:off x="11014733" y="5132898"/>
-            <a:ext cx="505607" cy="330200"/>
-          </a:xfrm>
-          <a:prstGeom prst="roundRect">
-            <a:avLst/>
-          </a:prstGeom>
-        </p:spPr>
-        <p:style>
-          <a:lnRef idx="2">
-            <a:schemeClr val="accent4">
-              <a:shade val="50000"/>
-            </a:schemeClr>
-          </a:lnRef>
-          <a:fillRef idx="1">
-            <a:schemeClr val="accent4"/>
-          </a:fillRef>
-          <a:effectRef idx="0">
-            <a:schemeClr val="accent4"/>
-          </a:effectRef>
-          <a:fontRef idx="minor">
-            <a:schemeClr val="lt1"/>
-          </a:fontRef>
-        </p:style>
-        <p:txBody>
-          <a:bodyPr rtlCol="0" anchor="ctr"/>
-          <a:lstStyle/>
-          <a:p>
-            <a:pPr algn="ctr"/>
-            <a:endParaRPr lang="en-US"/>
+            <a:endParaRPr lang="en-US">
+              <a:latin typeface="Helvetica" panose="020B0604020202020204" pitchFamily="34" charset="0"/>
+              <a:cs typeface="Helvetica" panose="020B0604020202020204" pitchFamily="34" charset="0"/>
+            </a:endParaRPr>
           </a:p>
         </p:txBody>
       </p:sp>
       <p:cxnSp>
         <p:nvCxnSpPr>
-          <p:cNvPr id="36" name="Connettore 2 133">
-            <a:extLst>
-              <a:ext uri="{FF2B5EF4-FFF2-40B4-BE49-F238E27FC236}">
-                <a16:creationId xmlns:a16="http://schemas.microsoft.com/office/drawing/2014/main" id="{84B5FE8C-3908-4F04-821D-F53B2FC16754}"/>
+          <p:cNvPr id="130" name="Connettore 2 43">
+            <a:extLst>
+              <a:ext uri="{FF2B5EF4-FFF2-40B4-BE49-F238E27FC236}">
+                <a16:creationId xmlns:a16="http://schemas.microsoft.com/office/drawing/2014/main" id="{22F161D8-DCC1-4051-B148-42DEFD898646}"/>
               </a:ext>
             </a:extLst>
           </p:cNvPr>
           <p:cNvCxnSpPr>
-            <a:stCxn id="15" idx="4"/>
-            <a:endCxn id="17" idx="1"/>
+            <a:stCxn id="108" idx="4"/>
+            <a:endCxn id="110" idx="1"/>
           </p:cNvCxnSpPr>
           <p:nvPr/>
         </p:nvCxnSpPr>
         <p:spPr>
           <a:xfrm>
-            <a:off x="6708082" y="4830608"/>
+            <a:off x="5750139" y="5250898"/>
             <a:ext cx="607200" cy="3403"/>
           </a:xfrm>
           <a:prstGeom prst="straightConnector1">
@@ -17982,1063 +17908,6 @@
           </a:fontRef>
         </p:style>
       </p:cxnSp>
-      <p:cxnSp>
-        <p:nvCxnSpPr>
-          <p:cNvPr id="37" name="Connettore 2 134">
-            <a:extLst>
-              <a:ext uri="{FF2B5EF4-FFF2-40B4-BE49-F238E27FC236}">
-                <a16:creationId xmlns:a16="http://schemas.microsoft.com/office/drawing/2014/main" id="{3CABAAA5-63ED-46CD-94BE-1905C209D4EC}"/>
-              </a:ext>
-            </a:extLst>
-          </p:cNvPr>
-          <p:cNvCxnSpPr>
-            <a:stCxn id="18" idx="3"/>
-            <a:endCxn id="23" idx="1"/>
-          </p:cNvCxnSpPr>
-          <p:nvPr/>
-        </p:nvCxnSpPr>
-        <p:spPr>
-          <a:xfrm>
-            <a:off x="7900504" y="4177844"/>
-            <a:ext cx="702416" cy="0"/>
-          </a:xfrm>
-          <a:prstGeom prst="straightConnector1">
-            <a:avLst/>
-          </a:prstGeom>
-          <a:ln>
-            <a:solidFill>
-              <a:schemeClr val="accent4">
-                <a:lumMod val="75000"/>
-              </a:schemeClr>
-            </a:solidFill>
-            <a:tailEnd type="triangle"/>
-          </a:ln>
-        </p:spPr>
-        <p:style>
-          <a:lnRef idx="1">
-            <a:schemeClr val="accent1"/>
-          </a:lnRef>
-          <a:fillRef idx="0">
-            <a:schemeClr val="accent1"/>
-          </a:fillRef>
-          <a:effectRef idx="0">
-            <a:schemeClr val="accent1"/>
-          </a:effectRef>
-          <a:fontRef idx="minor">
-            <a:schemeClr val="tx1"/>
-          </a:fontRef>
-        </p:style>
-      </p:cxnSp>
-      <p:cxnSp>
-        <p:nvCxnSpPr>
-          <p:cNvPr id="38" name="Connettore 2 135">
-            <a:extLst>
-              <a:ext uri="{FF2B5EF4-FFF2-40B4-BE49-F238E27FC236}">
-                <a16:creationId xmlns:a16="http://schemas.microsoft.com/office/drawing/2014/main" id="{E15ECEB3-8274-4DF5-BE49-5010E117FF05}"/>
-              </a:ext>
-            </a:extLst>
-          </p:cNvPr>
-          <p:cNvCxnSpPr>
-            <a:stCxn id="19" idx="3"/>
-            <a:endCxn id="24" idx="1"/>
-          </p:cNvCxnSpPr>
-          <p:nvPr/>
-        </p:nvCxnSpPr>
-        <p:spPr>
-          <a:xfrm>
-            <a:off x="7896270" y="4614724"/>
-            <a:ext cx="702416" cy="0"/>
-          </a:xfrm>
-          <a:prstGeom prst="straightConnector1">
-            <a:avLst/>
-          </a:prstGeom>
-          <a:ln>
-            <a:solidFill>
-              <a:schemeClr val="accent4">
-                <a:lumMod val="75000"/>
-              </a:schemeClr>
-            </a:solidFill>
-            <a:tailEnd type="triangle"/>
-          </a:ln>
-        </p:spPr>
-        <p:style>
-          <a:lnRef idx="1">
-            <a:schemeClr val="accent1"/>
-          </a:lnRef>
-          <a:fillRef idx="0">
-            <a:schemeClr val="accent1"/>
-          </a:fillRef>
-          <a:effectRef idx="0">
-            <a:schemeClr val="accent1"/>
-          </a:effectRef>
-          <a:fontRef idx="minor">
-            <a:schemeClr val="tx1"/>
-          </a:fontRef>
-        </p:style>
-      </p:cxnSp>
-      <p:cxnSp>
-        <p:nvCxnSpPr>
-          <p:cNvPr id="39" name="Connettore 2 136">
-            <a:extLst>
-              <a:ext uri="{FF2B5EF4-FFF2-40B4-BE49-F238E27FC236}">
-                <a16:creationId xmlns:a16="http://schemas.microsoft.com/office/drawing/2014/main" id="{AB172A0E-28AA-4320-901B-04F4B7F6B77A}"/>
-              </a:ext>
-            </a:extLst>
-          </p:cNvPr>
-          <p:cNvCxnSpPr>
-            <a:stCxn id="20" idx="3"/>
-            <a:endCxn id="25" idx="1"/>
-          </p:cNvCxnSpPr>
-          <p:nvPr/>
-        </p:nvCxnSpPr>
-        <p:spPr>
-          <a:xfrm>
-            <a:off x="7896270" y="5050757"/>
-            <a:ext cx="702416" cy="0"/>
-          </a:xfrm>
-          <a:prstGeom prst="straightConnector1">
-            <a:avLst/>
-          </a:prstGeom>
-          <a:ln>
-            <a:solidFill>
-              <a:schemeClr val="accent4">
-                <a:lumMod val="75000"/>
-              </a:schemeClr>
-            </a:solidFill>
-            <a:tailEnd type="triangle"/>
-          </a:ln>
-        </p:spPr>
-        <p:style>
-          <a:lnRef idx="1">
-            <a:schemeClr val="accent1"/>
-          </a:lnRef>
-          <a:fillRef idx="0">
-            <a:schemeClr val="accent1"/>
-          </a:fillRef>
-          <a:effectRef idx="0">
-            <a:schemeClr val="accent1"/>
-          </a:effectRef>
-          <a:fontRef idx="minor">
-            <a:schemeClr val="tx1"/>
-          </a:fontRef>
-        </p:style>
-      </p:cxnSp>
-      <p:cxnSp>
-        <p:nvCxnSpPr>
-          <p:cNvPr id="40" name="Connettore 2 141">
-            <a:extLst>
-              <a:ext uri="{FF2B5EF4-FFF2-40B4-BE49-F238E27FC236}">
-                <a16:creationId xmlns:a16="http://schemas.microsoft.com/office/drawing/2014/main" id="{48A0F3D8-AD03-4D69-B2CB-8C9AC4E6DD45}"/>
-              </a:ext>
-            </a:extLst>
-          </p:cNvPr>
-          <p:cNvCxnSpPr>
-            <a:stCxn id="21" idx="3"/>
-            <a:endCxn id="26" idx="1"/>
-          </p:cNvCxnSpPr>
-          <p:nvPr/>
-        </p:nvCxnSpPr>
-        <p:spPr>
-          <a:xfrm>
-            <a:off x="7900503" y="5486790"/>
-            <a:ext cx="702416" cy="0"/>
-          </a:xfrm>
-          <a:prstGeom prst="straightConnector1">
-            <a:avLst/>
-          </a:prstGeom>
-          <a:ln>
-            <a:solidFill>
-              <a:schemeClr val="accent4">
-                <a:lumMod val="75000"/>
-              </a:schemeClr>
-            </a:solidFill>
-            <a:tailEnd type="triangle"/>
-          </a:ln>
-        </p:spPr>
-        <p:style>
-          <a:lnRef idx="1">
-            <a:schemeClr val="accent1"/>
-          </a:lnRef>
-          <a:fillRef idx="0">
-            <a:schemeClr val="accent1"/>
-          </a:fillRef>
-          <a:effectRef idx="0">
-            <a:schemeClr val="accent1"/>
-          </a:effectRef>
-          <a:fontRef idx="minor">
-            <a:schemeClr val="tx1"/>
-          </a:fontRef>
-        </p:style>
-      </p:cxnSp>
-      <p:cxnSp>
-        <p:nvCxnSpPr>
-          <p:cNvPr id="41" name="Connettore 2 142">
-            <a:extLst>
-              <a:ext uri="{FF2B5EF4-FFF2-40B4-BE49-F238E27FC236}">
-                <a16:creationId xmlns:a16="http://schemas.microsoft.com/office/drawing/2014/main" id="{9213E370-4D7C-4E8E-9DFD-9DF099F87FFA}"/>
-              </a:ext>
-            </a:extLst>
-          </p:cNvPr>
-          <p:cNvCxnSpPr>
-            <a:stCxn id="23" idx="3"/>
-            <a:endCxn id="28" idx="1"/>
-          </p:cNvCxnSpPr>
-          <p:nvPr/>
-        </p:nvCxnSpPr>
-        <p:spPr>
-          <a:xfrm>
-            <a:off x="9108527" y="4177844"/>
-            <a:ext cx="702416" cy="0"/>
-          </a:xfrm>
-          <a:prstGeom prst="straightConnector1">
-            <a:avLst/>
-          </a:prstGeom>
-          <a:ln>
-            <a:solidFill>
-              <a:schemeClr val="accent4">
-                <a:lumMod val="75000"/>
-              </a:schemeClr>
-            </a:solidFill>
-            <a:tailEnd type="triangle"/>
-          </a:ln>
-        </p:spPr>
-        <p:style>
-          <a:lnRef idx="1">
-            <a:schemeClr val="accent1"/>
-          </a:lnRef>
-          <a:fillRef idx="0">
-            <a:schemeClr val="accent1"/>
-          </a:fillRef>
-          <a:effectRef idx="0">
-            <a:schemeClr val="accent1"/>
-          </a:effectRef>
-          <a:fontRef idx="minor">
-            <a:schemeClr val="tx1"/>
-          </a:fontRef>
-        </p:style>
-      </p:cxnSp>
-      <p:cxnSp>
-        <p:nvCxnSpPr>
-          <p:cNvPr id="42" name="Connettore 2 143">
-            <a:extLst>
-              <a:ext uri="{FF2B5EF4-FFF2-40B4-BE49-F238E27FC236}">
-                <a16:creationId xmlns:a16="http://schemas.microsoft.com/office/drawing/2014/main" id="{46EAF221-EFD8-4B82-A88B-73999ED9E43B}"/>
-              </a:ext>
-            </a:extLst>
-          </p:cNvPr>
-          <p:cNvCxnSpPr>
-            <a:stCxn id="24" idx="3"/>
-            <a:endCxn id="29" idx="1"/>
-          </p:cNvCxnSpPr>
-          <p:nvPr/>
-        </p:nvCxnSpPr>
-        <p:spPr>
-          <a:xfrm>
-            <a:off x="9104293" y="4614724"/>
-            <a:ext cx="702416" cy="0"/>
-          </a:xfrm>
-          <a:prstGeom prst="straightConnector1">
-            <a:avLst/>
-          </a:prstGeom>
-          <a:ln>
-            <a:solidFill>
-              <a:schemeClr val="accent4">
-                <a:lumMod val="75000"/>
-              </a:schemeClr>
-            </a:solidFill>
-            <a:tailEnd type="triangle"/>
-          </a:ln>
-        </p:spPr>
-        <p:style>
-          <a:lnRef idx="1">
-            <a:schemeClr val="accent1"/>
-          </a:lnRef>
-          <a:fillRef idx="0">
-            <a:schemeClr val="accent1"/>
-          </a:fillRef>
-          <a:effectRef idx="0">
-            <a:schemeClr val="accent1"/>
-          </a:effectRef>
-          <a:fontRef idx="minor">
-            <a:schemeClr val="tx1"/>
-          </a:fontRef>
-        </p:style>
-      </p:cxnSp>
-      <p:cxnSp>
-        <p:nvCxnSpPr>
-          <p:cNvPr id="43" name="Connettore 2 144">
-            <a:extLst>
-              <a:ext uri="{FF2B5EF4-FFF2-40B4-BE49-F238E27FC236}">
-                <a16:creationId xmlns:a16="http://schemas.microsoft.com/office/drawing/2014/main" id="{A30165A6-7383-480F-81C0-56231A7547D0}"/>
-              </a:ext>
-            </a:extLst>
-          </p:cNvPr>
-          <p:cNvCxnSpPr>
-            <a:stCxn id="25" idx="3"/>
-            <a:endCxn id="30" idx="1"/>
-          </p:cNvCxnSpPr>
-          <p:nvPr/>
-        </p:nvCxnSpPr>
-        <p:spPr>
-          <a:xfrm>
-            <a:off x="9104293" y="5050757"/>
-            <a:ext cx="702416" cy="0"/>
-          </a:xfrm>
-          <a:prstGeom prst="straightConnector1">
-            <a:avLst/>
-          </a:prstGeom>
-          <a:ln>
-            <a:solidFill>
-              <a:schemeClr val="accent4">
-                <a:lumMod val="75000"/>
-              </a:schemeClr>
-            </a:solidFill>
-            <a:tailEnd type="triangle"/>
-          </a:ln>
-        </p:spPr>
-        <p:style>
-          <a:lnRef idx="1">
-            <a:schemeClr val="accent1"/>
-          </a:lnRef>
-          <a:fillRef idx="0">
-            <a:schemeClr val="accent1"/>
-          </a:fillRef>
-          <a:effectRef idx="0">
-            <a:schemeClr val="accent1"/>
-          </a:effectRef>
-          <a:fontRef idx="minor">
-            <a:schemeClr val="tx1"/>
-          </a:fontRef>
-        </p:style>
-      </p:cxnSp>
-      <p:cxnSp>
-        <p:nvCxnSpPr>
-          <p:cNvPr id="44" name="Connettore 2 145">
-            <a:extLst>
-              <a:ext uri="{FF2B5EF4-FFF2-40B4-BE49-F238E27FC236}">
-                <a16:creationId xmlns:a16="http://schemas.microsoft.com/office/drawing/2014/main" id="{C4924A50-7F0B-4668-A680-0EF1E6E1B04D}"/>
-              </a:ext>
-            </a:extLst>
-          </p:cNvPr>
-          <p:cNvCxnSpPr>
-            <a:stCxn id="26" idx="3"/>
-            <a:endCxn id="31" idx="1"/>
-          </p:cNvCxnSpPr>
-          <p:nvPr/>
-        </p:nvCxnSpPr>
-        <p:spPr>
-          <a:xfrm>
-            <a:off x="9108526" y="5486790"/>
-            <a:ext cx="702416" cy="0"/>
-          </a:xfrm>
-          <a:prstGeom prst="straightConnector1">
-            <a:avLst/>
-          </a:prstGeom>
-          <a:ln>
-            <a:solidFill>
-              <a:schemeClr val="accent4">
-                <a:lumMod val="75000"/>
-              </a:schemeClr>
-            </a:solidFill>
-            <a:tailEnd type="triangle"/>
-          </a:ln>
-        </p:spPr>
-        <p:style>
-          <a:lnRef idx="1">
-            <a:schemeClr val="accent1"/>
-          </a:lnRef>
-          <a:fillRef idx="0">
-            <a:schemeClr val="accent1"/>
-          </a:fillRef>
-          <a:effectRef idx="0">
-            <a:schemeClr val="accent1"/>
-          </a:effectRef>
-          <a:fontRef idx="minor">
-            <a:schemeClr val="tx1"/>
-          </a:fontRef>
-        </p:style>
-      </p:cxnSp>
-      <p:cxnSp>
-        <p:nvCxnSpPr>
-          <p:cNvPr id="45" name="Connettore 2 146">
-            <a:extLst>
-              <a:ext uri="{FF2B5EF4-FFF2-40B4-BE49-F238E27FC236}">
-                <a16:creationId xmlns:a16="http://schemas.microsoft.com/office/drawing/2014/main" id="{EC726FE2-40C9-4625-BE2C-94B01385D192}"/>
-              </a:ext>
-            </a:extLst>
-          </p:cNvPr>
-          <p:cNvCxnSpPr>
-            <a:stCxn id="28" idx="3"/>
-            <a:endCxn id="33" idx="1"/>
-          </p:cNvCxnSpPr>
-          <p:nvPr/>
-        </p:nvCxnSpPr>
-        <p:spPr>
-          <a:xfrm>
-            <a:off x="10316550" y="4177845"/>
-            <a:ext cx="702416" cy="247241"/>
-          </a:xfrm>
-          <a:prstGeom prst="straightConnector1">
-            <a:avLst/>
-          </a:prstGeom>
-          <a:ln>
-            <a:solidFill>
-              <a:schemeClr val="accent4">
-                <a:lumMod val="75000"/>
-              </a:schemeClr>
-            </a:solidFill>
-            <a:tailEnd type="triangle"/>
-          </a:ln>
-        </p:spPr>
-        <p:style>
-          <a:lnRef idx="1">
-            <a:schemeClr val="accent1"/>
-          </a:lnRef>
-          <a:fillRef idx="0">
-            <a:schemeClr val="accent1"/>
-          </a:fillRef>
-          <a:effectRef idx="0">
-            <a:schemeClr val="accent1"/>
-          </a:effectRef>
-          <a:fontRef idx="minor">
-            <a:schemeClr val="tx1"/>
-          </a:fontRef>
-        </p:style>
-      </p:cxnSp>
-      <p:cxnSp>
-        <p:nvCxnSpPr>
-          <p:cNvPr id="46" name="Connettore 2 147">
-            <a:extLst>
-              <a:ext uri="{FF2B5EF4-FFF2-40B4-BE49-F238E27FC236}">
-                <a16:creationId xmlns:a16="http://schemas.microsoft.com/office/drawing/2014/main" id="{DC2A3EA8-B1E4-4578-A60C-C3EEB6A0311E}"/>
-              </a:ext>
-            </a:extLst>
-          </p:cNvPr>
-          <p:cNvCxnSpPr>
-            <a:stCxn id="29" idx="3"/>
-            <a:endCxn id="33" idx="1"/>
-          </p:cNvCxnSpPr>
-          <p:nvPr/>
-        </p:nvCxnSpPr>
-        <p:spPr>
-          <a:xfrm flipV="1">
-            <a:off x="10312316" y="4425086"/>
-            <a:ext cx="706650" cy="189639"/>
-          </a:xfrm>
-          <a:prstGeom prst="straightConnector1">
-            <a:avLst/>
-          </a:prstGeom>
-          <a:ln>
-            <a:solidFill>
-              <a:schemeClr val="accent4">
-                <a:lumMod val="75000"/>
-              </a:schemeClr>
-            </a:solidFill>
-            <a:tailEnd type="triangle"/>
-          </a:ln>
-        </p:spPr>
-        <p:style>
-          <a:lnRef idx="1">
-            <a:schemeClr val="accent1"/>
-          </a:lnRef>
-          <a:fillRef idx="0">
-            <a:schemeClr val="accent1"/>
-          </a:fillRef>
-          <a:effectRef idx="0">
-            <a:schemeClr val="accent1"/>
-          </a:effectRef>
-          <a:fontRef idx="minor">
-            <a:schemeClr val="tx1"/>
-          </a:fontRef>
-        </p:style>
-      </p:cxnSp>
-      <p:cxnSp>
-        <p:nvCxnSpPr>
-          <p:cNvPr id="47" name="Connettore 2 148">
-            <a:extLst>
-              <a:ext uri="{FF2B5EF4-FFF2-40B4-BE49-F238E27FC236}">
-                <a16:creationId xmlns:a16="http://schemas.microsoft.com/office/drawing/2014/main" id="{FB9ED176-EA5E-49C4-9CEA-D99A7F350627}"/>
-              </a:ext>
-            </a:extLst>
-          </p:cNvPr>
-          <p:cNvCxnSpPr>
-            <a:stCxn id="30" idx="3"/>
-            <a:endCxn id="33" idx="1"/>
-          </p:cNvCxnSpPr>
-          <p:nvPr/>
-        </p:nvCxnSpPr>
-        <p:spPr>
-          <a:xfrm flipV="1">
-            <a:off x="10312316" y="4425085"/>
-            <a:ext cx="706650" cy="625672"/>
-          </a:xfrm>
-          <a:prstGeom prst="straightConnector1">
-            <a:avLst/>
-          </a:prstGeom>
-          <a:ln>
-            <a:solidFill>
-              <a:schemeClr val="accent4">
-                <a:lumMod val="75000"/>
-              </a:schemeClr>
-            </a:solidFill>
-            <a:tailEnd type="triangle"/>
-          </a:ln>
-        </p:spPr>
-        <p:style>
-          <a:lnRef idx="1">
-            <a:schemeClr val="accent1"/>
-          </a:lnRef>
-          <a:fillRef idx="0">
-            <a:schemeClr val="accent1"/>
-          </a:fillRef>
-          <a:effectRef idx="0">
-            <a:schemeClr val="accent1"/>
-          </a:effectRef>
-          <a:fontRef idx="minor">
-            <a:schemeClr val="tx1"/>
-          </a:fontRef>
-        </p:style>
-      </p:cxnSp>
-      <p:cxnSp>
-        <p:nvCxnSpPr>
-          <p:cNvPr id="48" name="Connettore 2 149">
-            <a:extLst>
-              <a:ext uri="{FF2B5EF4-FFF2-40B4-BE49-F238E27FC236}">
-                <a16:creationId xmlns:a16="http://schemas.microsoft.com/office/drawing/2014/main" id="{32FA1323-43BF-4B2D-8DD5-908D6885A3E2}"/>
-              </a:ext>
-            </a:extLst>
-          </p:cNvPr>
-          <p:cNvCxnSpPr>
-            <a:stCxn id="31" idx="3"/>
-            <a:endCxn id="33" idx="1"/>
-          </p:cNvCxnSpPr>
-          <p:nvPr/>
-        </p:nvCxnSpPr>
-        <p:spPr>
-          <a:xfrm flipV="1">
-            <a:off x="10316550" y="4425086"/>
-            <a:ext cx="702417" cy="1061705"/>
-          </a:xfrm>
-          <a:prstGeom prst="straightConnector1">
-            <a:avLst/>
-          </a:prstGeom>
-          <a:ln>
-            <a:solidFill>
-              <a:schemeClr val="accent4">
-                <a:lumMod val="75000"/>
-              </a:schemeClr>
-            </a:solidFill>
-            <a:tailEnd type="triangle"/>
-          </a:ln>
-        </p:spPr>
-        <p:style>
-          <a:lnRef idx="1">
-            <a:schemeClr val="accent1"/>
-          </a:lnRef>
-          <a:fillRef idx="0">
-            <a:schemeClr val="accent1"/>
-          </a:fillRef>
-          <a:effectRef idx="0">
-            <a:schemeClr val="accent1"/>
-          </a:effectRef>
-          <a:fontRef idx="minor">
-            <a:schemeClr val="tx1"/>
-          </a:fontRef>
-        </p:style>
-      </p:cxnSp>
-      <p:cxnSp>
-        <p:nvCxnSpPr>
-          <p:cNvPr id="49" name="Connettore 2 150">
-            <a:extLst>
-              <a:ext uri="{FF2B5EF4-FFF2-40B4-BE49-F238E27FC236}">
-                <a16:creationId xmlns:a16="http://schemas.microsoft.com/office/drawing/2014/main" id="{67E1DDD6-1F67-4264-8D04-F0F988E258B9}"/>
-              </a:ext>
-            </a:extLst>
-          </p:cNvPr>
-          <p:cNvCxnSpPr>
-            <a:stCxn id="28" idx="3"/>
-            <a:endCxn id="34" idx="1"/>
-          </p:cNvCxnSpPr>
-          <p:nvPr/>
-        </p:nvCxnSpPr>
-        <p:spPr>
-          <a:xfrm>
-            <a:off x="10316550" y="4177845"/>
-            <a:ext cx="698182" cy="684121"/>
-          </a:xfrm>
-          <a:prstGeom prst="straightConnector1">
-            <a:avLst/>
-          </a:prstGeom>
-          <a:ln>
-            <a:solidFill>
-              <a:schemeClr val="accent4">
-                <a:lumMod val="75000"/>
-              </a:schemeClr>
-            </a:solidFill>
-            <a:tailEnd type="triangle"/>
-          </a:ln>
-        </p:spPr>
-        <p:style>
-          <a:lnRef idx="1">
-            <a:schemeClr val="accent1"/>
-          </a:lnRef>
-          <a:fillRef idx="0">
-            <a:schemeClr val="accent1"/>
-          </a:fillRef>
-          <a:effectRef idx="0">
-            <a:schemeClr val="accent1"/>
-          </a:effectRef>
-          <a:fontRef idx="minor">
-            <a:schemeClr val="tx1"/>
-          </a:fontRef>
-        </p:style>
-      </p:cxnSp>
-      <p:cxnSp>
-        <p:nvCxnSpPr>
-          <p:cNvPr id="50" name="Connettore 2 151">
-            <a:extLst>
-              <a:ext uri="{FF2B5EF4-FFF2-40B4-BE49-F238E27FC236}">
-                <a16:creationId xmlns:a16="http://schemas.microsoft.com/office/drawing/2014/main" id="{E9070C20-729E-4DD2-ADAB-E1943617452E}"/>
-              </a:ext>
-            </a:extLst>
-          </p:cNvPr>
-          <p:cNvCxnSpPr>
-            <a:stCxn id="29" idx="3"/>
-            <a:endCxn id="34" idx="1"/>
-          </p:cNvCxnSpPr>
-          <p:nvPr/>
-        </p:nvCxnSpPr>
-        <p:spPr>
-          <a:xfrm>
-            <a:off x="10312316" y="4614725"/>
-            <a:ext cx="702416" cy="247241"/>
-          </a:xfrm>
-          <a:prstGeom prst="straightConnector1">
-            <a:avLst/>
-          </a:prstGeom>
-          <a:ln>
-            <a:solidFill>
-              <a:schemeClr val="accent4">
-                <a:lumMod val="75000"/>
-              </a:schemeClr>
-            </a:solidFill>
-            <a:tailEnd type="triangle"/>
-          </a:ln>
-        </p:spPr>
-        <p:style>
-          <a:lnRef idx="1">
-            <a:schemeClr val="accent1"/>
-          </a:lnRef>
-          <a:fillRef idx="0">
-            <a:schemeClr val="accent1"/>
-          </a:fillRef>
-          <a:effectRef idx="0">
-            <a:schemeClr val="accent1"/>
-          </a:effectRef>
-          <a:fontRef idx="minor">
-            <a:schemeClr val="tx1"/>
-          </a:fontRef>
-        </p:style>
-      </p:cxnSp>
-      <p:cxnSp>
-        <p:nvCxnSpPr>
-          <p:cNvPr id="51" name="Connettore 2 152">
-            <a:extLst>
-              <a:ext uri="{FF2B5EF4-FFF2-40B4-BE49-F238E27FC236}">
-                <a16:creationId xmlns:a16="http://schemas.microsoft.com/office/drawing/2014/main" id="{3DB889B1-8E60-49BB-94CA-746EC1304487}"/>
-              </a:ext>
-            </a:extLst>
-          </p:cNvPr>
-          <p:cNvCxnSpPr>
-            <a:stCxn id="30" idx="3"/>
-            <a:endCxn id="35" idx="1"/>
-          </p:cNvCxnSpPr>
-          <p:nvPr/>
-        </p:nvCxnSpPr>
-        <p:spPr>
-          <a:xfrm>
-            <a:off x="10312316" y="5050758"/>
-            <a:ext cx="702416" cy="247241"/>
-          </a:xfrm>
-          <a:prstGeom prst="straightConnector1">
-            <a:avLst/>
-          </a:prstGeom>
-          <a:ln>
-            <a:solidFill>
-              <a:schemeClr val="accent4">
-                <a:lumMod val="75000"/>
-              </a:schemeClr>
-            </a:solidFill>
-            <a:tailEnd type="triangle"/>
-          </a:ln>
-        </p:spPr>
-        <p:style>
-          <a:lnRef idx="1">
-            <a:schemeClr val="accent1"/>
-          </a:lnRef>
-          <a:fillRef idx="0">
-            <a:schemeClr val="accent1"/>
-          </a:fillRef>
-          <a:effectRef idx="0">
-            <a:schemeClr val="accent1"/>
-          </a:effectRef>
-          <a:fontRef idx="minor">
-            <a:schemeClr val="tx1"/>
-          </a:fontRef>
-        </p:style>
-      </p:cxnSp>
-      <p:cxnSp>
-        <p:nvCxnSpPr>
-          <p:cNvPr id="52" name="Connettore 2 153">
-            <a:extLst>
-              <a:ext uri="{FF2B5EF4-FFF2-40B4-BE49-F238E27FC236}">
-                <a16:creationId xmlns:a16="http://schemas.microsoft.com/office/drawing/2014/main" id="{DE850355-09D1-4EDF-A3B9-06162A2002AB}"/>
-              </a:ext>
-            </a:extLst>
-          </p:cNvPr>
-          <p:cNvCxnSpPr>
-            <a:stCxn id="31" idx="3"/>
-            <a:endCxn id="34" idx="1"/>
-          </p:cNvCxnSpPr>
-          <p:nvPr/>
-        </p:nvCxnSpPr>
-        <p:spPr>
-          <a:xfrm flipV="1">
-            <a:off x="10316550" y="4861966"/>
-            <a:ext cx="698183" cy="624825"/>
-          </a:xfrm>
-          <a:prstGeom prst="straightConnector1">
-            <a:avLst/>
-          </a:prstGeom>
-          <a:ln>
-            <a:solidFill>
-              <a:schemeClr val="accent4">
-                <a:lumMod val="75000"/>
-              </a:schemeClr>
-            </a:solidFill>
-            <a:tailEnd type="triangle"/>
-          </a:ln>
-        </p:spPr>
-        <p:style>
-          <a:lnRef idx="1">
-            <a:schemeClr val="accent1"/>
-          </a:lnRef>
-          <a:fillRef idx="0">
-            <a:schemeClr val="accent1"/>
-          </a:fillRef>
-          <a:effectRef idx="0">
-            <a:schemeClr val="accent1"/>
-          </a:effectRef>
-          <a:fontRef idx="minor">
-            <a:schemeClr val="tx1"/>
-          </a:fontRef>
-        </p:style>
-      </p:cxnSp>
-      <p:cxnSp>
-        <p:nvCxnSpPr>
-          <p:cNvPr id="53" name="Connettore 2 154">
-            <a:extLst>
-              <a:ext uri="{FF2B5EF4-FFF2-40B4-BE49-F238E27FC236}">
-                <a16:creationId xmlns:a16="http://schemas.microsoft.com/office/drawing/2014/main" id="{37F3596F-A65A-4ACA-958F-A6B163EF4F87}"/>
-              </a:ext>
-            </a:extLst>
-          </p:cNvPr>
-          <p:cNvCxnSpPr>
-            <a:stCxn id="29" idx="3"/>
-            <a:endCxn id="35" idx="1"/>
-          </p:cNvCxnSpPr>
-          <p:nvPr/>
-        </p:nvCxnSpPr>
-        <p:spPr>
-          <a:xfrm>
-            <a:off x="10312316" y="4614724"/>
-            <a:ext cx="702416" cy="683274"/>
-          </a:xfrm>
-          <a:prstGeom prst="straightConnector1">
-            <a:avLst/>
-          </a:prstGeom>
-          <a:ln>
-            <a:solidFill>
-              <a:schemeClr val="accent4">
-                <a:lumMod val="75000"/>
-              </a:schemeClr>
-            </a:solidFill>
-            <a:tailEnd type="triangle"/>
-          </a:ln>
-        </p:spPr>
-        <p:style>
-          <a:lnRef idx="1">
-            <a:schemeClr val="accent1"/>
-          </a:lnRef>
-          <a:fillRef idx="0">
-            <a:schemeClr val="accent1"/>
-          </a:fillRef>
-          <a:effectRef idx="0">
-            <a:schemeClr val="accent1"/>
-          </a:effectRef>
-          <a:fontRef idx="minor">
-            <a:schemeClr val="tx1"/>
-          </a:fontRef>
-        </p:style>
-      </p:cxnSp>
-      <p:cxnSp>
-        <p:nvCxnSpPr>
-          <p:cNvPr id="54" name="Connettore 2 155">
-            <a:extLst>
-              <a:ext uri="{FF2B5EF4-FFF2-40B4-BE49-F238E27FC236}">
-                <a16:creationId xmlns:a16="http://schemas.microsoft.com/office/drawing/2014/main" id="{146DB182-7A8D-4E6D-AFBB-660069596A48}"/>
-              </a:ext>
-            </a:extLst>
-          </p:cNvPr>
-          <p:cNvCxnSpPr>
-            <a:stCxn id="30" idx="3"/>
-            <a:endCxn id="34" idx="1"/>
-          </p:cNvCxnSpPr>
-          <p:nvPr/>
-        </p:nvCxnSpPr>
-        <p:spPr>
-          <a:xfrm flipV="1">
-            <a:off x="10312316" y="4861965"/>
-            <a:ext cx="702416" cy="188792"/>
-          </a:xfrm>
-          <a:prstGeom prst="straightConnector1">
-            <a:avLst/>
-          </a:prstGeom>
-          <a:ln>
-            <a:solidFill>
-              <a:schemeClr val="accent4">
-                <a:lumMod val="75000"/>
-              </a:schemeClr>
-            </a:solidFill>
-            <a:tailEnd type="triangle"/>
-          </a:ln>
-        </p:spPr>
-        <p:style>
-          <a:lnRef idx="1">
-            <a:schemeClr val="accent1"/>
-          </a:lnRef>
-          <a:fillRef idx="0">
-            <a:schemeClr val="accent1"/>
-          </a:fillRef>
-          <a:effectRef idx="0">
-            <a:schemeClr val="accent1"/>
-          </a:effectRef>
-          <a:fontRef idx="minor">
-            <a:schemeClr val="tx1"/>
-          </a:fontRef>
-        </p:style>
-      </p:cxnSp>
-      <p:cxnSp>
-        <p:nvCxnSpPr>
-          <p:cNvPr id="55" name="Connettore 2 156">
-            <a:extLst>
-              <a:ext uri="{FF2B5EF4-FFF2-40B4-BE49-F238E27FC236}">
-                <a16:creationId xmlns:a16="http://schemas.microsoft.com/office/drawing/2014/main" id="{3295E51F-05BE-4292-9F8C-6EE08D9060EF}"/>
-              </a:ext>
-            </a:extLst>
-          </p:cNvPr>
-          <p:cNvCxnSpPr>
-            <a:stCxn id="31" idx="3"/>
-            <a:endCxn id="35" idx="1"/>
-          </p:cNvCxnSpPr>
-          <p:nvPr/>
-        </p:nvCxnSpPr>
-        <p:spPr>
-          <a:xfrm flipV="1">
-            <a:off x="10316550" y="5297998"/>
-            <a:ext cx="698183" cy="188792"/>
-          </a:xfrm>
-          <a:prstGeom prst="straightConnector1">
-            <a:avLst/>
-          </a:prstGeom>
-          <a:ln>
-            <a:solidFill>
-              <a:schemeClr val="accent4">
-                <a:lumMod val="75000"/>
-              </a:schemeClr>
-            </a:solidFill>
-            <a:tailEnd type="triangle"/>
-          </a:ln>
-        </p:spPr>
-        <p:style>
-          <a:lnRef idx="1">
-            <a:schemeClr val="accent1"/>
-          </a:lnRef>
-          <a:fillRef idx="0">
-            <a:schemeClr val="accent1"/>
-          </a:fillRef>
-          <a:effectRef idx="0">
-            <a:schemeClr val="accent1"/>
-          </a:effectRef>
-          <a:fontRef idx="minor">
-            <a:schemeClr val="tx1"/>
-          </a:fontRef>
-        </p:style>
-      </p:cxnSp>
-      <p:cxnSp>
-        <p:nvCxnSpPr>
-          <p:cNvPr id="56" name="Connettore 2 157">
-            <a:extLst>
-              <a:ext uri="{FF2B5EF4-FFF2-40B4-BE49-F238E27FC236}">
-                <a16:creationId xmlns:a16="http://schemas.microsoft.com/office/drawing/2014/main" id="{3A495AD8-064B-42BC-98C3-C394396DB3CF}"/>
-              </a:ext>
-            </a:extLst>
-          </p:cNvPr>
-          <p:cNvCxnSpPr>
-            <a:stCxn id="28" idx="3"/>
-            <a:endCxn id="35" idx="1"/>
-          </p:cNvCxnSpPr>
-          <p:nvPr/>
-        </p:nvCxnSpPr>
-        <p:spPr>
-          <a:xfrm>
-            <a:off x="10316550" y="4177844"/>
-            <a:ext cx="698182" cy="1120154"/>
-          </a:xfrm>
-          <a:prstGeom prst="straightConnector1">
-            <a:avLst/>
-          </a:prstGeom>
-          <a:ln>
-            <a:solidFill>
-              <a:schemeClr val="accent4">
-                <a:lumMod val="75000"/>
-              </a:schemeClr>
-            </a:solidFill>
-            <a:tailEnd type="triangle"/>
-          </a:ln>
-        </p:spPr>
-        <p:style>
-          <a:lnRef idx="1">
-            <a:schemeClr val="accent1"/>
-          </a:lnRef>
-          <a:fillRef idx="0">
-            <a:schemeClr val="accent1"/>
-          </a:fillRef>
-          <a:effectRef idx="0">
-            <a:schemeClr val="accent1"/>
-          </a:effectRef>
-          <a:fontRef idx="minor">
-            <a:schemeClr val="tx1"/>
-          </a:fontRef>
-        </p:style>
-      </p:cxnSp>
-      <p:sp>
-        <p:nvSpPr>
-          <p:cNvPr id="57" name="CasellaDiTesto 158">
-            <a:extLst>
-              <a:ext uri="{FF2B5EF4-FFF2-40B4-BE49-F238E27FC236}">
-                <a16:creationId xmlns:a16="http://schemas.microsoft.com/office/drawing/2014/main" id="{F0B8293E-2E64-4254-9228-6C5C4A131D5B}"/>
-              </a:ext>
-            </a:extLst>
-          </p:cNvPr>
-          <p:cNvSpPr txBox="1"/>
-          <p:nvPr/>
-        </p:nvSpPr>
-        <p:spPr>
-          <a:xfrm>
-            <a:off x="8432304" y="5728540"/>
-            <a:ext cx="838371" cy="338554"/>
-          </a:xfrm>
-          <a:prstGeom prst="rect">
-            <a:avLst/>
-          </a:prstGeom>
-          <a:noFill/>
-        </p:spPr>
-        <p:txBody>
-          <a:bodyPr wrap="none" rtlCol="0">
-            <a:spAutoFit/>
-          </a:bodyPr>
-          <a:lstStyle/>
-          <a:p>
-            <a:pPr algn="ctr"/>
-            <a:r>
-              <a:rPr lang="en-US" sz="1600" dirty="0" err="1"/>
-              <a:t>flatMap</a:t>
-            </a:r>
-            <a:endParaRPr lang="en-US" sz="1600" dirty="0"/>
-          </a:p>
-        </p:txBody>
-      </p:sp>
-      <p:sp>
-        <p:nvSpPr>
-          <p:cNvPr id="58" name="CasellaDiTesto 159">
-            <a:extLst>
-              <a:ext uri="{FF2B5EF4-FFF2-40B4-BE49-F238E27FC236}">
-                <a16:creationId xmlns:a16="http://schemas.microsoft.com/office/drawing/2014/main" id="{315B6E10-108F-4FF1-BAC1-5E26974BD3A7}"/>
-              </a:ext>
-            </a:extLst>
-          </p:cNvPr>
-          <p:cNvSpPr txBox="1"/>
-          <p:nvPr/>
-        </p:nvSpPr>
-        <p:spPr>
-          <a:xfrm>
-            <a:off x="9782834" y="5734030"/>
-            <a:ext cx="553357" cy="338554"/>
-          </a:xfrm>
-          <a:prstGeom prst="rect">
-            <a:avLst/>
-          </a:prstGeom>
-          <a:noFill/>
-        </p:spPr>
-        <p:txBody>
-          <a:bodyPr wrap="none" rtlCol="0">
-            <a:spAutoFit/>
-          </a:bodyPr>
-          <a:lstStyle/>
-          <a:p>
-            <a:pPr algn="ctr"/>
-            <a:r>
-              <a:rPr lang="en-US" sz="1600" dirty="0"/>
-              <a:t>map</a:t>
-            </a:r>
-          </a:p>
-        </p:txBody>
-      </p:sp>
-      <p:sp>
-        <p:nvSpPr>
-          <p:cNvPr id="59" name="CasellaDiTesto 160">
-            <a:extLst>
-              <a:ext uri="{FF2B5EF4-FFF2-40B4-BE49-F238E27FC236}">
-                <a16:creationId xmlns:a16="http://schemas.microsoft.com/office/drawing/2014/main" id="{9197E104-A876-4D91-8CC5-DA39089A53CB}"/>
-              </a:ext>
-            </a:extLst>
-          </p:cNvPr>
-          <p:cNvSpPr txBox="1"/>
-          <p:nvPr/>
-        </p:nvSpPr>
-        <p:spPr>
-          <a:xfrm>
-            <a:off x="10889448" y="5579797"/>
-            <a:ext cx="760657" cy="584775"/>
-          </a:xfrm>
-          <a:prstGeom prst="rect">
-            <a:avLst/>
-          </a:prstGeom>
-          <a:noFill/>
-        </p:spPr>
-        <p:txBody>
-          <a:bodyPr wrap="none" rtlCol="0">
-            <a:spAutoFit/>
-          </a:bodyPr>
-          <a:lstStyle/>
-          <a:p>
-            <a:pPr algn="ctr"/>
-            <a:r>
-              <a:rPr lang="en-US" sz="1600" dirty="0"/>
-              <a:t>reduce</a:t>
-            </a:r>
-            <a:br>
-              <a:rPr lang="en-US" sz="1600" dirty="0"/>
-            </a:br>
-            <a:r>
-              <a:rPr lang="en-US" sz="1600" dirty="0" err="1"/>
-              <a:t>ByKey</a:t>
-            </a:r>
-            <a:endParaRPr lang="en-US" sz="1600" dirty="0"/>
-          </a:p>
-        </p:txBody>
-      </p:sp>
     </p:spTree>
     <p:extLst>
       <p:ext uri="{BB962C8B-B14F-4D97-AF65-F5344CB8AC3E}">
